--- a/pres-source/04-sql.pptx
+++ b/pres-source/04-sql.pptx
@@ -5,7 +5,7 @@
     <p:sldMasterId id="2147483648" r:id="rId1"/>
   </p:sldMasterIdLst>
   <p:notesMasterIdLst>
-    <p:notesMasterId r:id="rId29"/>
+    <p:notesMasterId r:id="rId30"/>
   </p:notesMasterIdLst>
   <p:sldIdLst>
     <p:sldId id="256" r:id="rId2"/>
@@ -35,6 +35,7 @@
     <p:sldId id="282" r:id="rId26"/>
     <p:sldId id="283" r:id="rId27"/>
     <p:sldId id="270" r:id="rId28"/>
+    <p:sldId id="286" r:id="rId29"/>
   </p:sldIdLst>
   <p:sldSz cx="9144000" cy="6858000" type="screen4x3"/>
   <p:notesSz cx="6858000" cy="9144000"/>
@@ -133,6 +134,22 @@
       </a:defRPr>
     </a:lvl9pPr>
   </p:defaultTextStyle>
+  <p:extLst>
+    <p:ext uri="{EFAFB233-063F-42B5-8137-9DF3F51BA10A}">
+      <p15:sldGuideLst xmlns:p15="http://schemas.microsoft.com/office/powerpoint/2012/main">
+        <p15:guide id="1" orient="horz" pos="2160">
+          <p15:clr>
+            <a:srgbClr val="A4A3A4"/>
+          </p15:clr>
+        </p15:guide>
+        <p15:guide id="2" pos="2880">
+          <p15:clr>
+            <a:srgbClr val="A4A3A4"/>
+          </p15:clr>
+        </p15:guide>
+      </p15:sldGuideLst>
+    </p:ext>
+  </p:extLst>
 </p:presentation>
 </file>
 
@@ -223,7 +240,7 @@
             <a:fld id="{7307762F-A706-E543-A832-3C298AA3103F}" type="datetimeFigureOut">
               <a:rPr lang="en-US" smtClean="0"/>
               <a:pPr/>
-              <a:t>08/12/17</a:t>
+              <a:t>2/16/19</a:t>
             </a:fld>
             <a:endParaRPr lang="en-US" dirty="0"/>
           </a:p>
@@ -287,38 +304,37 @@
           <a:p>
             <a:pPr lvl="0"/>
             <a:r>
-              <a:rPr lang="en-US" dirty="0" smtClean="0"/>
+              <a:rPr lang="en-US" dirty="0"/>
               <a:t>Click to edit Master text styles</a:t>
             </a:r>
           </a:p>
           <a:p>
             <a:pPr lvl="1"/>
             <a:r>
-              <a:rPr lang="en-US" dirty="0" smtClean="0"/>
+              <a:rPr lang="en-US" dirty="0"/>
               <a:t>Second level</a:t>
             </a:r>
           </a:p>
           <a:p>
             <a:pPr lvl="2"/>
             <a:r>
-              <a:rPr lang="en-US" dirty="0" smtClean="0"/>
+              <a:rPr lang="en-US" dirty="0"/>
               <a:t>Third level</a:t>
             </a:r>
           </a:p>
           <a:p>
             <a:pPr lvl="3"/>
             <a:r>
-              <a:rPr lang="en-US" dirty="0" smtClean="0"/>
+              <a:rPr lang="en-US" dirty="0"/>
               <a:t>Fourth level</a:t>
             </a:r>
           </a:p>
           <a:p>
             <a:pPr lvl="4"/>
             <a:r>
-              <a:rPr lang="en-US" dirty="0" smtClean="0"/>
+              <a:rPr lang="en-US" dirty="0"/>
               <a:t>Fifth level</a:t>
             </a:r>
-            <a:endParaRPr lang="en-US" dirty="0"/>
           </a:p>
         </p:txBody>
       </p:sp>
@@ -534,10 +550,9 @@
           <a:lstStyle/>
           <a:p>
             <a:r>
-              <a:rPr lang="en-US" smtClean="0"/>
+              <a:rPr lang="en-US"/>
               <a:t>Click to edit Master title style</a:t>
             </a:r>
-            <a:endParaRPr lang="en-US"/>
           </a:p>
         </p:txBody>
       </p:sp>
@@ -653,10 +668,9 @@
           </a:lstStyle>
           <a:p>
             <a:r>
-              <a:rPr lang="en-US" smtClean="0"/>
+              <a:rPr lang="en-US"/>
               <a:t>Click to edit Master subtitle style</a:t>
             </a:r>
-            <a:endParaRPr lang="en-US"/>
           </a:p>
         </p:txBody>
       </p:sp>
@@ -706,10 +720,9 @@
           <a:lstStyle/>
           <a:p>
             <a:r>
-              <a:rPr lang="en-US" smtClean="0"/>
+              <a:rPr lang="en-US"/>
               <a:t>Click to edit Master title style</a:t>
             </a:r>
-            <a:endParaRPr lang="en-US"/>
           </a:p>
         </p:txBody>
       </p:sp>
@@ -730,38 +743,37 @@
           <a:p>
             <a:pPr lvl="0"/>
             <a:r>
-              <a:rPr lang="en-US" smtClean="0"/>
+              <a:rPr lang="en-US"/>
               <a:t>Click to edit Master text styles</a:t>
             </a:r>
           </a:p>
           <a:p>
             <a:pPr lvl="1"/>
             <a:r>
-              <a:rPr lang="en-US" smtClean="0"/>
+              <a:rPr lang="en-US"/>
               <a:t>Second level</a:t>
             </a:r>
           </a:p>
           <a:p>
             <a:pPr lvl="2"/>
             <a:r>
-              <a:rPr lang="en-US" smtClean="0"/>
+              <a:rPr lang="en-US"/>
               <a:t>Third level</a:t>
             </a:r>
           </a:p>
           <a:p>
             <a:pPr lvl="3"/>
             <a:r>
-              <a:rPr lang="en-US" smtClean="0"/>
+              <a:rPr lang="en-US"/>
               <a:t>Fourth level</a:t>
             </a:r>
           </a:p>
           <a:p>
             <a:pPr lvl="4"/>
             <a:r>
-              <a:rPr lang="en-US" smtClean="0"/>
+              <a:rPr lang="en-US"/>
               <a:t>Fifth level</a:t>
             </a:r>
-            <a:endParaRPr lang="en-US"/>
           </a:p>
         </p:txBody>
       </p:sp>
@@ -790,7 +802,7 @@
           <a:p>
             <a:fld id="{875CF0EB-321F-0749-B37A-89BBA859503C}" type="datetimeFigureOut">
               <a:rPr lang="en-US" smtClean="0"/>
-              <a:t>08/12/17</a:t>
+              <a:t>2/16/19</a:t>
             </a:fld>
             <a:endParaRPr lang="en-US"/>
           </a:p>
@@ -905,10 +917,9 @@
           <a:lstStyle/>
           <a:p>
             <a:r>
-              <a:rPr lang="en-US" smtClean="0"/>
+              <a:rPr lang="en-US"/>
               <a:t>Click to edit Master title style</a:t>
             </a:r>
-            <a:endParaRPr lang="en-US"/>
           </a:p>
         </p:txBody>
       </p:sp>
@@ -934,38 +945,37 @@
           <a:p>
             <a:pPr lvl="0"/>
             <a:r>
-              <a:rPr lang="en-US" smtClean="0"/>
+              <a:rPr lang="en-US"/>
               <a:t>Click to edit Master text styles</a:t>
             </a:r>
           </a:p>
           <a:p>
             <a:pPr lvl="1"/>
             <a:r>
-              <a:rPr lang="en-US" smtClean="0"/>
+              <a:rPr lang="en-US"/>
               <a:t>Second level</a:t>
             </a:r>
           </a:p>
           <a:p>
             <a:pPr lvl="2"/>
             <a:r>
-              <a:rPr lang="en-US" smtClean="0"/>
+              <a:rPr lang="en-US"/>
               <a:t>Third level</a:t>
             </a:r>
           </a:p>
           <a:p>
             <a:pPr lvl="3"/>
             <a:r>
-              <a:rPr lang="en-US" smtClean="0"/>
+              <a:rPr lang="en-US"/>
               <a:t>Fourth level</a:t>
             </a:r>
           </a:p>
           <a:p>
             <a:pPr lvl="4"/>
             <a:r>
-              <a:rPr lang="en-US" smtClean="0"/>
+              <a:rPr lang="en-US"/>
               <a:t>Fifth level</a:t>
             </a:r>
-            <a:endParaRPr lang="en-US"/>
           </a:p>
         </p:txBody>
       </p:sp>
@@ -994,7 +1004,7 @@
           <a:p>
             <a:fld id="{875CF0EB-321F-0749-B37A-89BBA859503C}" type="datetimeFigureOut">
               <a:rPr lang="en-US" smtClean="0"/>
-              <a:t>08/12/17</a:t>
+              <a:t>2/16/19</a:t>
             </a:fld>
             <a:endParaRPr lang="en-US"/>
           </a:p>
@@ -1104,10 +1114,9 @@
           <a:lstStyle/>
           <a:p>
             <a:r>
-              <a:rPr lang="en-US" smtClean="0"/>
+              <a:rPr lang="en-US"/>
               <a:t>Click to edit Master title style</a:t>
             </a:r>
-            <a:endParaRPr lang="en-US"/>
           </a:p>
         </p:txBody>
       </p:sp>
@@ -1128,38 +1137,37 @@
           <a:p>
             <a:pPr lvl="0"/>
             <a:r>
-              <a:rPr lang="en-US" smtClean="0"/>
+              <a:rPr lang="en-US"/>
               <a:t>Click to edit Master text styles</a:t>
             </a:r>
           </a:p>
           <a:p>
             <a:pPr lvl="1"/>
             <a:r>
-              <a:rPr lang="en-US" smtClean="0"/>
+              <a:rPr lang="en-US"/>
               <a:t>Second level</a:t>
             </a:r>
           </a:p>
           <a:p>
             <a:pPr lvl="2"/>
             <a:r>
-              <a:rPr lang="en-US" smtClean="0"/>
+              <a:rPr lang="en-US"/>
               <a:t>Third level</a:t>
             </a:r>
           </a:p>
           <a:p>
             <a:pPr lvl="3"/>
             <a:r>
-              <a:rPr lang="en-US" smtClean="0"/>
+              <a:rPr lang="en-US"/>
               <a:t>Fourth level</a:t>
             </a:r>
           </a:p>
           <a:p>
             <a:pPr lvl="4"/>
             <a:r>
-              <a:rPr lang="en-US" smtClean="0"/>
+              <a:rPr lang="en-US"/>
               <a:t>Fifth level</a:t>
             </a:r>
-            <a:endParaRPr lang="en-US"/>
           </a:p>
         </p:txBody>
       </p:sp>
@@ -1188,7 +1196,7 @@
           <a:p>
             <a:fld id="{875CF0EB-321F-0749-B37A-89BBA859503C}" type="datetimeFigureOut">
               <a:rPr lang="en-US" smtClean="0"/>
-              <a:t>08/12/17</a:t>
+              <a:t>2/16/19</a:t>
             </a:fld>
             <a:endParaRPr lang="en-US"/>
           </a:p>
@@ -1307,10 +1315,9 @@
           </a:lstStyle>
           <a:p>
             <a:r>
-              <a:rPr lang="en-US" smtClean="0"/>
+              <a:rPr lang="en-US"/>
               <a:t>Click to edit Master title style</a:t>
             </a:r>
-            <a:endParaRPr lang="en-US"/>
           </a:p>
         </p:txBody>
       </p:sp>
@@ -1427,7 +1434,7 @@
           <a:p>
             <a:pPr lvl="0"/>
             <a:r>
-              <a:rPr lang="en-US" smtClean="0"/>
+              <a:rPr lang="en-US"/>
               <a:t>Click to edit Master text styles</a:t>
             </a:r>
           </a:p>
@@ -1458,7 +1465,7 @@
           <a:p>
             <a:fld id="{875CF0EB-321F-0749-B37A-89BBA859503C}" type="datetimeFigureOut">
               <a:rPr lang="en-US" smtClean="0"/>
-              <a:t>08/12/17</a:t>
+              <a:t>2/16/19</a:t>
             </a:fld>
             <a:endParaRPr lang="en-US"/>
           </a:p>
@@ -1568,10 +1575,9 @@
           <a:lstStyle/>
           <a:p>
             <a:r>
-              <a:rPr lang="en-US" smtClean="0"/>
+              <a:rPr lang="en-US"/>
               <a:t>Click to edit Master title style</a:t>
             </a:r>
-            <a:endParaRPr lang="en-US"/>
           </a:p>
         </p:txBody>
       </p:sp>
@@ -1625,38 +1631,37 @@
           <a:p>
             <a:pPr lvl="0"/>
             <a:r>
-              <a:rPr lang="en-US" smtClean="0"/>
+              <a:rPr lang="en-US"/>
               <a:t>Click to edit Master text styles</a:t>
             </a:r>
           </a:p>
           <a:p>
             <a:pPr lvl="1"/>
             <a:r>
-              <a:rPr lang="en-US" smtClean="0"/>
+              <a:rPr lang="en-US"/>
               <a:t>Second level</a:t>
             </a:r>
           </a:p>
           <a:p>
             <a:pPr lvl="2"/>
             <a:r>
-              <a:rPr lang="en-US" smtClean="0"/>
+              <a:rPr lang="en-US"/>
               <a:t>Third level</a:t>
             </a:r>
           </a:p>
           <a:p>
             <a:pPr lvl="3"/>
             <a:r>
-              <a:rPr lang="en-US" smtClean="0"/>
+              <a:rPr lang="en-US"/>
               <a:t>Fourth level</a:t>
             </a:r>
           </a:p>
           <a:p>
             <a:pPr lvl="4"/>
             <a:r>
-              <a:rPr lang="en-US" smtClean="0"/>
+              <a:rPr lang="en-US"/>
               <a:t>Fifth level</a:t>
             </a:r>
-            <a:endParaRPr lang="en-US"/>
           </a:p>
         </p:txBody>
       </p:sp>
@@ -1710,38 +1715,37 @@
           <a:p>
             <a:pPr lvl="0"/>
             <a:r>
-              <a:rPr lang="en-US" smtClean="0"/>
+              <a:rPr lang="en-US"/>
               <a:t>Click to edit Master text styles</a:t>
             </a:r>
           </a:p>
           <a:p>
             <a:pPr lvl="1"/>
             <a:r>
-              <a:rPr lang="en-US" smtClean="0"/>
+              <a:rPr lang="en-US"/>
               <a:t>Second level</a:t>
             </a:r>
           </a:p>
           <a:p>
             <a:pPr lvl="2"/>
             <a:r>
-              <a:rPr lang="en-US" smtClean="0"/>
+              <a:rPr lang="en-US"/>
               <a:t>Third level</a:t>
             </a:r>
           </a:p>
           <a:p>
             <a:pPr lvl="3"/>
             <a:r>
-              <a:rPr lang="en-US" smtClean="0"/>
+              <a:rPr lang="en-US"/>
               <a:t>Fourth level</a:t>
             </a:r>
           </a:p>
           <a:p>
             <a:pPr lvl="4"/>
             <a:r>
-              <a:rPr lang="en-US" smtClean="0"/>
+              <a:rPr lang="en-US"/>
               <a:t>Fifth level</a:t>
             </a:r>
-            <a:endParaRPr lang="en-US"/>
           </a:p>
         </p:txBody>
       </p:sp>
@@ -1770,7 +1774,7 @@
           <a:p>
             <a:fld id="{875CF0EB-321F-0749-B37A-89BBA859503C}" type="datetimeFigureOut">
               <a:rPr lang="en-US" smtClean="0"/>
-              <a:t>08/12/17</a:t>
+              <a:t>2/16/19</a:t>
             </a:fld>
             <a:endParaRPr lang="en-US"/>
           </a:p>
@@ -1884,10 +1888,9 @@
           </a:lstStyle>
           <a:p>
             <a:r>
-              <a:rPr lang="en-US" smtClean="0"/>
+              <a:rPr lang="en-US"/>
               <a:t>Click to edit Master title style</a:t>
             </a:r>
-            <a:endParaRPr lang="en-US"/>
           </a:p>
         </p:txBody>
       </p:sp>
@@ -1950,7 +1953,7 @@
           <a:p>
             <a:pPr lvl="0"/>
             <a:r>
-              <a:rPr lang="en-US" smtClean="0"/>
+              <a:rPr lang="en-US"/>
               <a:t>Click to edit Master text styles</a:t>
             </a:r>
           </a:p>
@@ -2006,38 +2009,37 @@
           <a:p>
             <a:pPr lvl="0"/>
             <a:r>
-              <a:rPr lang="en-US" smtClean="0"/>
+              <a:rPr lang="en-US"/>
               <a:t>Click to edit Master text styles</a:t>
             </a:r>
           </a:p>
           <a:p>
             <a:pPr lvl="1"/>
             <a:r>
-              <a:rPr lang="en-US" smtClean="0"/>
+              <a:rPr lang="en-US"/>
               <a:t>Second level</a:t>
             </a:r>
           </a:p>
           <a:p>
             <a:pPr lvl="2"/>
             <a:r>
-              <a:rPr lang="en-US" smtClean="0"/>
+              <a:rPr lang="en-US"/>
               <a:t>Third level</a:t>
             </a:r>
           </a:p>
           <a:p>
             <a:pPr lvl="3"/>
             <a:r>
-              <a:rPr lang="en-US" smtClean="0"/>
+              <a:rPr lang="en-US"/>
               <a:t>Fourth level</a:t>
             </a:r>
           </a:p>
           <a:p>
             <a:pPr lvl="4"/>
             <a:r>
-              <a:rPr lang="en-US" smtClean="0"/>
+              <a:rPr lang="en-US"/>
               <a:t>Fifth level</a:t>
             </a:r>
-            <a:endParaRPr lang="en-US"/>
           </a:p>
         </p:txBody>
       </p:sp>
@@ -2100,7 +2102,7 @@
           <a:p>
             <a:pPr lvl="0"/>
             <a:r>
-              <a:rPr lang="en-US" smtClean="0"/>
+              <a:rPr lang="en-US"/>
               <a:t>Click to edit Master text styles</a:t>
             </a:r>
           </a:p>
@@ -2156,38 +2158,37 @@
           <a:p>
             <a:pPr lvl="0"/>
             <a:r>
-              <a:rPr lang="en-US" smtClean="0"/>
+              <a:rPr lang="en-US"/>
               <a:t>Click to edit Master text styles</a:t>
             </a:r>
           </a:p>
           <a:p>
             <a:pPr lvl="1"/>
             <a:r>
-              <a:rPr lang="en-US" smtClean="0"/>
+              <a:rPr lang="en-US"/>
               <a:t>Second level</a:t>
             </a:r>
           </a:p>
           <a:p>
             <a:pPr lvl="2"/>
             <a:r>
-              <a:rPr lang="en-US" smtClean="0"/>
+              <a:rPr lang="en-US"/>
               <a:t>Third level</a:t>
             </a:r>
           </a:p>
           <a:p>
             <a:pPr lvl="3"/>
             <a:r>
-              <a:rPr lang="en-US" smtClean="0"/>
+              <a:rPr lang="en-US"/>
               <a:t>Fourth level</a:t>
             </a:r>
           </a:p>
           <a:p>
             <a:pPr lvl="4"/>
             <a:r>
-              <a:rPr lang="en-US" smtClean="0"/>
+              <a:rPr lang="en-US"/>
               <a:t>Fifth level</a:t>
             </a:r>
-            <a:endParaRPr lang="en-US"/>
           </a:p>
         </p:txBody>
       </p:sp>
@@ -2216,7 +2217,7 @@
           <a:p>
             <a:fld id="{875CF0EB-321F-0749-B37A-89BBA859503C}" type="datetimeFigureOut">
               <a:rPr lang="en-US" smtClean="0"/>
-              <a:t>08/12/17</a:t>
+              <a:t>2/16/19</a:t>
             </a:fld>
             <a:endParaRPr lang="en-US"/>
           </a:p>
@@ -2326,10 +2327,9 @@
           <a:lstStyle/>
           <a:p>
             <a:r>
-              <a:rPr lang="en-US" smtClean="0"/>
+              <a:rPr lang="en-US"/>
               <a:t>Click to edit Master title style</a:t>
             </a:r>
-            <a:endParaRPr lang="en-US"/>
           </a:p>
         </p:txBody>
       </p:sp>
@@ -2358,7 +2358,7 @@
           <a:p>
             <a:fld id="{875CF0EB-321F-0749-B37A-89BBA859503C}" type="datetimeFigureOut">
               <a:rPr lang="en-US" smtClean="0"/>
-              <a:t>08/12/17</a:t>
+              <a:t>2/16/19</a:t>
             </a:fld>
             <a:endParaRPr lang="en-US"/>
           </a:p>
@@ -2477,7 +2477,7 @@
           <a:p>
             <a:fld id="{875CF0EB-321F-0749-B37A-89BBA859503C}" type="datetimeFigureOut">
               <a:rPr lang="en-US" smtClean="0"/>
-              <a:t>08/12/17</a:t>
+              <a:t>2/16/19</a:t>
             </a:fld>
             <a:endParaRPr lang="en-US"/>
           </a:p>
@@ -2596,10 +2596,9 @@
           </a:lstStyle>
           <a:p>
             <a:r>
-              <a:rPr lang="en-US" smtClean="0"/>
+              <a:rPr lang="en-US"/>
               <a:t>Click to edit Master title style</a:t>
             </a:r>
-            <a:endParaRPr lang="en-US"/>
           </a:p>
         </p:txBody>
       </p:sp>
@@ -2653,38 +2652,37 @@
           <a:p>
             <a:pPr lvl="0"/>
             <a:r>
-              <a:rPr lang="en-US" smtClean="0"/>
+              <a:rPr lang="en-US"/>
               <a:t>Click to edit Master text styles</a:t>
             </a:r>
           </a:p>
           <a:p>
             <a:pPr lvl="1"/>
             <a:r>
-              <a:rPr lang="en-US" smtClean="0"/>
+              <a:rPr lang="en-US"/>
               <a:t>Second level</a:t>
             </a:r>
           </a:p>
           <a:p>
             <a:pPr lvl="2"/>
             <a:r>
-              <a:rPr lang="en-US" smtClean="0"/>
+              <a:rPr lang="en-US"/>
               <a:t>Third level</a:t>
             </a:r>
           </a:p>
           <a:p>
             <a:pPr lvl="3"/>
             <a:r>
-              <a:rPr lang="en-US" smtClean="0"/>
+              <a:rPr lang="en-US"/>
               <a:t>Fourth level</a:t>
             </a:r>
           </a:p>
           <a:p>
             <a:pPr lvl="4"/>
             <a:r>
-              <a:rPr lang="en-US" smtClean="0"/>
+              <a:rPr lang="en-US"/>
               <a:t>Fifth level</a:t>
             </a:r>
-            <a:endParaRPr lang="en-US"/>
           </a:p>
         </p:txBody>
       </p:sp>
@@ -2747,7 +2745,7 @@
           <a:p>
             <a:pPr lvl="0"/>
             <a:r>
-              <a:rPr lang="en-US" smtClean="0"/>
+              <a:rPr lang="en-US"/>
               <a:t>Click to edit Master text styles</a:t>
             </a:r>
           </a:p>
@@ -2778,7 +2776,7 @@
           <a:p>
             <a:fld id="{875CF0EB-321F-0749-B37A-89BBA859503C}" type="datetimeFigureOut">
               <a:rPr lang="en-US" smtClean="0"/>
-              <a:t>08/12/17</a:t>
+              <a:t>2/16/19</a:t>
             </a:fld>
             <a:endParaRPr lang="en-US"/>
           </a:p>
@@ -2897,10 +2895,9 @@
           </a:lstStyle>
           <a:p>
             <a:r>
-              <a:rPr lang="en-US" smtClean="0"/>
+              <a:rPr lang="en-US"/>
               <a:t>Click to edit Master title style</a:t>
             </a:r>
-            <a:endParaRPr lang="en-US"/>
           </a:p>
         </p:txBody>
       </p:sp>
@@ -3024,7 +3021,7 @@
           <a:p>
             <a:pPr lvl="0"/>
             <a:r>
-              <a:rPr lang="en-US" smtClean="0"/>
+              <a:rPr lang="en-US"/>
               <a:t>Click to edit Master text styles</a:t>
             </a:r>
           </a:p>
@@ -3055,7 +3052,7 @@
           <a:p>
             <a:fld id="{875CF0EB-321F-0749-B37A-89BBA859503C}" type="datetimeFigureOut">
               <a:rPr lang="en-US" smtClean="0"/>
-              <a:t>08/12/17</a:t>
+              <a:t>2/16/19</a:t>
             </a:fld>
             <a:endParaRPr lang="en-US"/>
           </a:p>
@@ -3180,10 +3177,9 @@
           <a:lstStyle/>
           <a:p>
             <a:r>
-              <a:rPr lang="en-US" dirty="0" smtClean="0"/>
+              <a:rPr lang="en-US" dirty="0"/>
               <a:t>Click to edit Master title style</a:t>
             </a:r>
-            <a:endParaRPr lang="en-US" dirty="0"/>
           </a:p>
         </p:txBody>
       </p:sp>
@@ -3214,38 +3210,37 @@
           <a:p>
             <a:pPr lvl="0"/>
             <a:r>
-              <a:rPr lang="en-US" dirty="0" smtClean="0"/>
+              <a:rPr lang="en-US" dirty="0"/>
               <a:t>Click to edit Master text styles</a:t>
             </a:r>
           </a:p>
           <a:p>
             <a:pPr lvl="1"/>
             <a:r>
-              <a:rPr lang="en-US" dirty="0" smtClean="0"/>
+              <a:rPr lang="en-US" dirty="0"/>
               <a:t>Second level</a:t>
             </a:r>
           </a:p>
           <a:p>
             <a:pPr lvl="2"/>
             <a:r>
-              <a:rPr lang="en-US" dirty="0" smtClean="0"/>
+              <a:rPr lang="en-US" dirty="0"/>
               <a:t>Third level</a:t>
             </a:r>
           </a:p>
           <a:p>
             <a:pPr lvl="3"/>
             <a:r>
-              <a:rPr lang="en-US" dirty="0" smtClean="0"/>
+              <a:rPr lang="en-US" dirty="0"/>
               <a:t>Fourth level</a:t>
             </a:r>
           </a:p>
           <a:p>
             <a:pPr lvl="4"/>
             <a:r>
-              <a:rPr lang="en-US" dirty="0" smtClean="0"/>
+              <a:rPr lang="en-US" dirty="0"/>
               <a:t>Fifth level</a:t>
             </a:r>
-            <a:endParaRPr lang="en-US" dirty="0"/>
           </a:p>
         </p:txBody>
       </p:sp>
@@ -3271,14 +3266,14 @@
           </a:ln>
           <a:extLst>
             <a:ext uri="{909E8E84-426E-40dd-AFC4-6F175D3DCCD1}">
-              <a14:hiddenFill xmlns:a14="http://schemas.microsoft.com/office/drawing/2010/main">
+              <a14:hiddenFill xmlns:a14="http://schemas.microsoft.com/office/drawing/2010/main" xmlns="">
                 <a:solidFill>
                   <a:srgbClr val="FFFFFF"/>
                 </a:solidFill>
               </a14:hiddenFill>
             </a:ext>
             <a:ext uri="{91240B29-F687-4f45-9708-019B960494DF}">
-              <a14:hiddenLine xmlns:a14="http://schemas.microsoft.com/office/drawing/2010/main" w="9525">
+              <a14:hiddenLine xmlns:a14="http://schemas.microsoft.com/office/drawing/2010/main" xmlns="" w="9525">
                 <a:solidFill>
                   <a:srgbClr val="000000"/>
                 </a:solidFill>
@@ -3432,7 +3427,7 @@
               <a:defRPr/>
             </a:pPr>
             <a:r>
-              <a:rPr lang="en-US" sz="700" dirty="0" smtClean="0">
+              <a:rPr lang="en-US" sz="700" dirty="0">
                 <a:latin typeface="Montserrat"/>
               </a:rPr>
               <a:t>© Paul Fremantle 2015.  This work is licensed under a Creative Commons</a:t>
@@ -3443,55 +3438,55 @@
               <a:defRPr/>
             </a:pPr>
             <a:r>
-              <a:rPr lang="en-US" sz="700" dirty="0" smtClean="0">
+              <a:rPr lang="en-US" sz="700" dirty="0">
                 <a:latin typeface="Montserrat"/>
               </a:rPr>
               <a:t> Attribution-</a:t>
             </a:r>
             <a:r>
-              <a:rPr lang="en-US" sz="700" dirty="0" err="1" smtClean="0">
+              <a:rPr lang="en-US" sz="700" dirty="0" err="1">
                 <a:latin typeface="Montserrat"/>
               </a:rPr>
               <a:t>NonCommercial</a:t>
             </a:r>
             <a:r>
-              <a:rPr lang="en-US" sz="700" dirty="0" smtClean="0">
+              <a:rPr lang="en-US" sz="700" dirty="0">
                 <a:latin typeface="Montserrat"/>
               </a:rPr>
               <a:t>-</a:t>
             </a:r>
             <a:r>
-              <a:rPr lang="en-US" sz="700" dirty="0" err="1" smtClean="0">
+              <a:rPr lang="en-US" sz="700" dirty="0" err="1">
                 <a:latin typeface="Montserrat"/>
               </a:rPr>
               <a:t>ShareAlike</a:t>
             </a:r>
             <a:r>
-              <a:rPr lang="en-US" sz="700" dirty="0" smtClean="0">
+              <a:rPr lang="en-US" sz="700" dirty="0">
                 <a:latin typeface="Montserrat"/>
               </a:rPr>
               <a:t> 4.0 International License</a:t>
             </a:r>
             <a:br>
-              <a:rPr lang="en-US" sz="700" dirty="0" smtClean="0">
+              <a:rPr lang="en-US" sz="700" dirty="0">
                 <a:latin typeface="Montserrat"/>
               </a:rPr>
             </a:br>
             <a:r>
-              <a:rPr lang="en-US" sz="700" dirty="0" smtClean="0">
+              <a:rPr lang="en-US" sz="700" dirty="0">
                 <a:latin typeface="Montserrat"/>
               </a:rPr>
               <a:t>See  </a:t>
             </a:r>
             <a:r>
-              <a:rPr lang="en-US" sz="700" dirty="0" smtClean="0">
+              <a:rPr lang="en-US" sz="700" dirty="0">
                 <a:latin typeface="Montserrat"/>
                 <a:hlinkClick r:id="rId13"/>
               </a:rPr>
               <a:t>http://creativecommons.org/licenses/by-nc-sa/4.0/</a:t>
             </a:r>
             <a:r>
-              <a:rPr lang="en-US" sz="700" dirty="0" smtClean="0">
+              <a:rPr lang="en-US" sz="700" dirty="0">
                 <a:latin typeface="Montserrat"/>
               </a:rPr>
               <a:t> </a:t>
@@ -3832,14 +3827,14 @@
           <a:noFill/>
           <a:extLst>
             <a:ext uri="{909E8E84-426E-40dd-AFC4-6F175D3DCCD1}">
-              <a14:hiddenFill xmlns:a14="http://schemas.microsoft.com/office/drawing/2010/main">
+              <a14:hiddenFill xmlns:a14="http://schemas.microsoft.com/office/drawing/2010/main" xmlns="">
                 <a:solidFill>
                   <a:srgbClr val="FFFFFF"/>
                 </a:solidFill>
               </a14:hiddenFill>
             </a:ext>
             <a:ext uri="{91240B29-F687-4f45-9708-019B960494DF}">
-              <a14:hiddenLine xmlns:a14="http://schemas.microsoft.com/office/drawing/2010/main" w="9525">
+              <a14:hiddenLine xmlns:a14="http://schemas.microsoft.com/office/drawing/2010/main" xmlns="" w="9525">
                 <a:solidFill>
                   <a:srgbClr val="000000"/>
                 </a:solidFill>
@@ -3861,16 +3856,12 @@
           <a:p>
             <a:pPr eaLnBrk="1" hangingPunct="1"/>
             <a:r>
-              <a:rPr lang="en-US" dirty="0" smtClean="0">
+              <a:rPr lang="en-US" dirty="0">
                 <a:ea typeface="ヒラギノ角ゴ ProN W3" charset="0"/>
                 <a:cs typeface="ヒラギノ角ゴ ProN W3" charset="0"/>
               </a:rPr>
               <a:t>An overview of SQL</a:t>
             </a:r>
-            <a:endParaRPr lang="en-US" dirty="0">
-              <a:ea typeface="ヒラギノ角ゴ ProN W3" charset="0"/>
-              <a:cs typeface="ヒラギノ角ゴ ProN W3" charset="0"/>
-            </a:endParaRPr>
           </a:p>
         </p:txBody>
       </p:sp>
@@ -3892,14 +3883,14 @@
           <a:noFill/>
           <a:extLst>
             <a:ext uri="{909E8E84-426E-40dd-AFC4-6F175D3DCCD1}">
-              <a14:hiddenFill xmlns:a14="http://schemas.microsoft.com/office/drawing/2010/main">
+              <a14:hiddenFill xmlns:a14="http://schemas.microsoft.com/office/drawing/2010/main" xmlns="">
                 <a:solidFill>
                   <a:srgbClr val="FFFFFF"/>
                 </a:solidFill>
               </a14:hiddenFill>
             </a:ext>
             <a:ext uri="{91240B29-F687-4f45-9708-019B960494DF}">
-              <a14:hiddenLine xmlns:a14="http://schemas.microsoft.com/office/drawing/2010/main" w="9525">
+              <a14:hiddenLine xmlns:a14="http://schemas.microsoft.com/office/drawing/2010/main" xmlns="" w="9525">
                 <a:solidFill>
                   <a:srgbClr val="000000"/>
                 </a:solidFill>
@@ -3921,16 +3912,12 @@
           <a:p>
             <a:pPr eaLnBrk="1" hangingPunct="1"/>
             <a:r>
-              <a:rPr lang="en-US" dirty="0" smtClean="0">
+              <a:rPr lang="en-US" dirty="0">
                 <a:ea typeface="ヒラギノ角ゴ ProN W3" charset="0"/>
                 <a:cs typeface="ヒラギノ角ゴ ProN W3" charset="0"/>
               </a:rPr>
               <a:t>Dec 2017</a:t>
             </a:r>
-            <a:endParaRPr lang="en-US" dirty="0">
-              <a:ea typeface="ヒラギノ角ゴ ProN W3" charset="0"/>
-              <a:cs typeface="ヒラギノ角ゴ ProN W3" charset="0"/>
-            </a:endParaRPr>
           </a:p>
         </p:txBody>
       </p:sp>
@@ -3944,21 +3931,6 @@
   <p:clrMapOvr>
     <a:masterClrMapping/>
   </p:clrMapOvr>
-  <mc:AlternateContent xmlns:mc="http://schemas.openxmlformats.org/markup-compatibility/2006" xmlns:p14="http://schemas.microsoft.com/office/powerpoint/2010/main">
-    <mc:Choice Requires="p14">
-      <p:transition spd="slow" p14:dur="2000"/>
-    </mc:Choice>
-    <mc:Fallback xmlns="">
-      <p:transition xmlns:p14="http://schemas.microsoft.com/office/powerpoint/2010/main" spd="slow"/>
-    </mc:Fallback>
-  </mc:AlternateContent>
-  <p:timing>
-    <p:tnLst>
-      <p:par>
-        <p:cTn xmlns:p14="http://schemas.microsoft.com/office/powerpoint/2010/main" id="1" dur="indefinite" restart="never" nodeType="tmRoot"/>
-      </p:par>
-    </p:tnLst>
-  </p:timing>
 </p:sld>
 </file>
 
@@ -3995,10 +3967,9 @@
           <a:lstStyle/>
           <a:p>
             <a:r>
-              <a:rPr lang="en-US" dirty="0" smtClean="0"/>
+              <a:rPr lang="en-US" dirty="0"/>
               <a:t>INSERT</a:t>
             </a:r>
-            <a:endParaRPr lang="en-US" dirty="0"/>
           </a:p>
         </p:txBody>
       </p:sp>
@@ -4023,23 +3994,15 @@
               <a:buNone/>
             </a:pPr>
             <a:r>
-              <a:rPr lang="en-US" dirty="0" smtClean="0"/>
-              <a:t>INSERT INTO </a:t>
-            </a:r>
-            <a:r>
-              <a:rPr lang="en-US" dirty="0"/>
-              <a:t>person </a:t>
+              <a:rPr lang="en-US" dirty="0"/>
+              <a:t>INSERT INTO person </a:t>
             </a:r>
             <a:br>
               <a:rPr lang="en-US" dirty="0"/>
             </a:br>
             <a:r>
-              <a:rPr lang="en-US" dirty="0" smtClean="0"/>
-              <a:t>	(</a:t>
-            </a:r>
-            <a:r>
-              <a:rPr lang="en-US" dirty="0"/>
-              <a:t>id, </a:t>
+              <a:rPr lang="en-US" dirty="0"/>
+              <a:t>	(id, </a:t>
             </a:r>
             <a:r>
               <a:rPr lang="en-US" dirty="0" err="1"/>
@@ -4055,30 +4018,14 @@
             </a:r>
             <a:r>
               <a:rPr lang="en-US" dirty="0"/>
-              <a:t>, birthdate) </a:t>
-            </a:r>
-            <a:r>
-              <a:rPr lang="en-US" dirty="0" smtClean="0"/>
-              <a:t>	values </a:t>
+              <a:t>, birthdate) 	values </a:t>
             </a:r>
             <a:br>
-              <a:rPr lang="en-US" dirty="0" smtClean="0"/>
+              <a:rPr lang="en-US" dirty="0"/>
             </a:br>
             <a:r>
-              <a:rPr lang="en-US" dirty="0" smtClean="0"/>
-              <a:t>	(564, "Henry"</a:t>
-            </a:r>
-            <a:r>
-              <a:rPr lang="en-US" dirty="0"/>
-              <a:t>, </a:t>
-            </a:r>
-            <a:r>
-              <a:rPr lang="en-US" dirty="0" smtClean="0"/>
-              <a:t>"Gleeson"</a:t>
-            </a:r>
-            <a:r>
-              <a:rPr lang="en-US" dirty="0"/>
-              <a:t>, "1968-12-5");</a:t>
+              <a:rPr lang="en-US" dirty="0"/>
+              <a:t>	(564, "Henry", "Gleeson", "1968-12-5");</a:t>
             </a:r>
           </a:p>
           <a:p>
@@ -4117,31 +4064,7 @@
             </a:br>
             <a:r>
               <a:rPr lang="en-US" dirty="0"/>
-              <a:t>	</a:t>
-            </a:r>
-            <a:r>
-              <a:rPr lang="en-US" dirty="0" smtClean="0"/>
-              <a:t>(2343, "Eleanor"</a:t>
-            </a:r>
-            <a:r>
-              <a:rPr lang="en-US" dirty="0"/>
-              <a:t>, </a:t>
-            </a:r>
-            <a:r>
-              <a:rPr lang="en-US" dirty="0" smtClean="0"/>
-              <a:t>"Smith"</a:t>
-            </a:r>
-            <a:r>
-              <a:rPr lang="en-US" dirty="0"/>
-              <a:t>, "</a:t>
-            </a:r>
-            <a:r>
-              <a:rPr lang="en-US" dirty="0" smtClean="0"/>
-              <a:t>1995-1-9"</a:t>
-            </a:r>
-            <a:r>
-              <a:rPr lang="en-US" dirty="0"/>
-              <a:t>);</a:t>
+              <a:t>	(2343, "Eleanor", "Smith", "1995-1-9");</a:t>
             </a:r>
           </a:p>
           <a:p>
@@ -4195,10 +4118,9 @@
           <a:lstStyle/>
           <a:p>
             <a:r>
-              <a:rPr lang="en-US" dirty="0" smtClean="0"/>
+              <a:rPr lang="en-US" dirty="0"/>
               <a:t>SELECT</a:t>
             </a:r>
-            <a:endParaRPr lang="en-US" dirty="0"/>
           </a:p>
         </p:txBody>
       </p:sp>
@@ -4223,7 +4145,7 @@
               <a:buNone/>
             </a:pPr>
             <a:r>
-              <a:rPr lang="en-US" dirty="0" smtClean="0"/>
+              <a:rPr lang="en-US" dirty="0"/>
               <a:t>SELECT * FROM person;</a:t>
             </a:r>
           </a:p>
@@ -4231,43 +4153,39 @@
             <a:pPr marL="0" indent="0">
               <a:buNone/>
             </a:pPr>
-            <a:r>
-              <a:rPr lang="en-US" dirty="0" smtClean="0"/>
-              <a:t/>
-            </a:r>
             <a:br>
-              <a:rPr lang="en-US" dirty="0" smtClean="0"/>
+              <a:rPr lang="en-US" dirty="0"/>
             </a:br>
             <a:r>
-              <a:rPr lang="en-US" sz="2000" dirty="0" smtClean="0">
+              <a:rPr lang="en-US" sz="2000" dirty="0">
                 <a:latin typeface="Menlo Bold"/>
                 <a:cs typeface="Menlo Bold"/>
               </a:rPr>
               <a:t>id          </a:t>
             </a:r>
             <a:r>
-              <a:rPr lang="en-US" sz="2000" dirty="0" err="1" smtClean="0">
+              <a:rPr lang="en-US" sz="2000" dirty="0" err="1">
                 <a:latin typeface="Menlo Bold"/>
                 <a:cs typeface="Menlo Bold"/>
               </a:rPr>
               <a:t>firstname</a:t>
             </a:r>
             <a:r>
-              <a:rPr lang="en-US" sz="2000" dirty="0" smtClean="0">
+              <a:rPr lang="en-US" sz="2000" dirty="0">
                 <a:latin typeface="Menlo Bold"/>
                 <a:cs typeface="Menlo Bold"/>
               </a:rPr>
               <a:t>   </a:t>
             </a:r>
             <a:r>
-              <a:rPr lang="en-US" sz="2000" dirty="0" err="1" smtClean="0">
+              <a:rPr lang="en-US" sz="2000" dirty="0" err="1">
                 <a:latin typeface="Menlo Bold"/>
                 <a:cs typeface="Menlo Bold"/>
               </a:rPr>
               <a:t>lastname</a:t>
             </a:r>
             <a:r>
-              <a:rPr lang="en-US" sz="2000" dirty="0" smtClean="0">
+              <a:rPr lang="en-US" sz="2000" dirty="0">
                 <a:latin typeface="Menlo Bold"/>
                 <a:cs typeface="Menlo Bold"/>
               </a:rPr>
@@ -4279,7 +4197,7 @@
               <a:buNone/>
             </a:pPr>
             <a:r>
-              <a:rPr lang="en-US" sz="2000" dirty="0" smtClean="0">
+              <a:rPr lang="en-US" sz="2000" dirty="0">
                 <a:latin typeface="Menlo Bold"/>
                 <a:cs typeface="Menlo Bold"/>
               </a:rPr>
@@ -4291,7 +4209,7 @@
               <a:buNone/>
             </a:pPr>
             <a:r>
-              <a:rPr lang="mr-IN" sz="2000" dirty="0" smtClean="0">
+              <a:rPr lang="mr-IN" sz="2000" dirty="0">
                 <a:latin typeface="Menlo Bold"/>
                 <a:cs typeface="Menlo Bold"/>
               </a:rPr>
@@ -4303,7 +4221,7 @@
               <a:buNone/>
             </a:pPr>
             <a:r>
-              <a:rPr lang="mr-IN" sz="2000" dirty="0" smtClean="0">
+              <a:rPr lang="mr-IN" sz="2000" dirty="0">
                 <a:latin typeface="Menlo Bold"/>
                 <a:cs typeface="Menlo Bold"/>
               </a:rPr>
@@ -4311,7 +4229,7 @@
             </a:r>
           </a:p>
           <a:p>
-            <a:endParaRPr lang="en-US" dirty="0" smtClean="0"/>
+            <a:endParaRPr lang="en-US" dirty="0"/>
           </a:p>
         </p:txBody>
       </p:sp>
@@ -4361,10 +4279,9 @@
           <a:lstStyle/>
           <a:p>
             <a:r>
-              <a:rPr lang="en-US" dirty="0" smtClean="0"/>
+              <a:rPr lang="en-US" dirty="0"/>
               <a:t>SELECT</a:t>
             </a:r>
-            <a:endParaRPr lang="en-US" dirty="0"/>
           </a:p>
         </p:txBody>
       </p:sp>
@@ -4397,43 +4314,39 @@
             <a:pPr marL="0" indent="0">
               <a:buNone/>
             </a:pPr>
-            <a:r>
-              <a:rPr lang="en-US" dirty="0" smtClean="0"/>
-              <a:t/>
-            </a:r>
             <a:br>
-              <a:rPr lang="en-US" dirty="0" smtClean="0"/>
+              <a:rPr lang="en-US" dirty="0"/>
             </a:br>
             <a:r>
-              <a:rPr lang="en-US" sz="2000" dirty="0" smtClean="0">
+              <a:rPr lang="en-US" sz="2000" dirty="0">
                 <a:latin typeface="Menlo Bold"/>
                 <a:cs typeface="Menlo Bold"/>
               </a:rPr>
               <a:t>id          </a:t>
             </a:r>
             <a:r>
-              <a:rPr lang="en-US" sz="2000" dirty="0" err="1" smtClean="0">
+              <a:rPr lang="en-US" sz="2000" dirty="0" err="1">
                 <a:latin typeface="Menlo Bold"/>
                 <a:cs typeface="Menlo Bold"/>
               </a:rPr>
               <a:t>firstname</a:t>
             </a:r>
             <a:r>
-              <a:rPr lang="en-US" sz="2000" dirty="0" smtClean="0">
+              <a:rPr lang="en-US" sz="2000" dirty="0">
                 <a:latin typeface="Menlo Bold"/>
                 <a:cs typeface="Menlo Bold"/>
               </a:rPr>
               <a:t>   </a:t>
             </a:r>
             <a:r>
-              <a:rPr lang="en-US" sz="2000" dirty="0" err="1" smtClean="0">
+              <a:rPr lang="en-US" sz="2000" dirty="0" err="1">
                 <a:latin typeface="Menlo Bold"/>
                 <a:cs typeface="Menlo Bold"/>
               </a:rPr>
               <a:t>lastname</a:t>
             </a:r>
             <a:r>
-              <a:rPr lang="en-US" sz="2000" dirty="0" smtClean="0">
+              <a:rPr lang="en-US" sz="2000" dirty="0">
                 <a:latin typeface="Menlo Bold"/>
                 <a:cs typeface="Menlo Bold"/>
               </a:rPr>
@@ -4445,7 +4358,7 @@
               <a:buNone/>
             </a:pPr>
             <a:r>
-              <a:rPr lang="en-US" sz="2000" dirty="0" smtClean="0">
+              <a:rPr lang="en-US" sz="2000" dirty="0">
                 <a:latin typeface="Menlo Bold"/>
                 <a:cs typeface="Menlo Bold"/>
               </a:rPr>
@@ -4457,7 +4370,7 @@
               <a:buNone/>
             </a:pPr>
             <a:r>
-              <a:rPr lang="mr-IN" sz="2000" dirty="0" smtClean="0">
+              <a:rPr lang="mr-IN" sz="2000" dirty="0">
                 <a:latin typeface="Menlo Bold"/>
                 <a:cs typeface="Menlo Bold"/>
               </a:rPr>
@@ -4468,7 +4381,7 @@
             <a:pPr marL="0" indent="0">
               <a:buNone/>
             </a:pPr>
-            <a:endParaRPr lang="en-US" dirty="0" smtClean="0"/>
+            <a:endParaRPr lang="en-US" dirty="0"/>
           </a:p>
         </p:txBody>
       </p:sp>
@@ -4518,10 +4431,9 @@
           <a:lstStyle/>
           <a:p>
             <a:r>
-              <a:rPr lang="en-US" dirty="0" smtClean="0"/>
+              <a:rPr lang="en-US" dirty="0"/>
               <a:t>SELECT</a:t>
             </a:r>
-            <a:endParaRPr lang="en-US" dirty="0"/>
           </a:p>
         </p:txBody>
       </p:sp>
@@ -4546,63 +4458,55 @@
               <a:buNone/>
             </a:pPr>
             <a:r>
-              <a:rPr lang="en-US" dirty="0" smtClean="0"/>
+              <a:rPr lang="en-US" dirty="0"/>
               <a:t>SELECT * FROM person WHERE </a:t>
             </a:r>
             <a:r>
-              <a:rPr lang="en-US" dirty="0" err="1" smtClean="0"/>
+              <a:rPr lang="en-US" dirty="0" err="1"/>
               <a:t>firstname</a:t>
             </a:r>
             <a:r>
               <a:rPr lang="en-US" dirty="0"/>
-              <a:t> </a:t>
-            </a:r>
-            <a:r>
-              <a:rPr lang="en-US" dirty="0" smtClean="0"/>
-              <a:t>= ”Eleanor";</a:t>
+              <a:t> = ”Eleanor";</a:t>
             </a:r>
           </a:p>
           <a:p>
             <a:pPr marL="0" indent="0">
               <a:buNone/>
             </a:pPr>
-            <a:r>
-              <a:rPr lang="en-US" dirty="0" smtClean="0"/>
-              <a:t/>
-            </a:r>
             <a:br>
-              <a:rPr lang="en-US" dirty="0" smtClean="0"/>
+              <a:rPr lang="en-US" dirty="0"/>
             </a:br>
             <a:r>
-              <a:rPr lang="en-US" sz="2000" dirty="0" smtClean="0">
+              <a:rPr lang="en-US" sz="2000" dirty="0">
                 <a:latin typeface="Menlo Bold"/>
                 <a:cs typeface="Menlo Bold"/>
               </a:rPr>
               <a:t>id          </a:t>
             </a:r>
             <a:r>
-              <a:rPr lang="en-US" sz="2000" dirty="0" err="1" smtClean="0">
+              <a:rPr lang="en-US" sz="2000" dirty="0" err="1">
                 <a:latin typeface="Menlo Bold"/>
                 <a:cs typeface="Menlo Bold"/>
               </a:rPr>
               <a:t>firstname</a:t>
             </a:r>
             <a:r>
-              <a:rPr lang="en-US" sz="2000" dirty="0" smtClean="0">
+              <a:rPr lang="en-US" sz="2000" dirty="0">
                 <a:latin typeface="Menlo Bold"/>
                 <a:cs typeface="Menlo Bold"/>
               </a:rPr>
               <a:t>   </a:t>
             </a:r>
             <a:r>
-              <a:rPr lang="en-US" sz="2000" dirty="0" err="1" smtClean="0">
+              <a:rPr lang="en-US" sz="2000" dirty="0" err="1">
                 <a:latin typeface="Menlo Bold"/>
                 <a:cs typeface="Menlo Bold"/>
               </a:rPr>
               <a:t>lastname</a:t>
             </a:r>
             <a:r>
-              <a:rPr lang="en-US" sz="2000" dirty="0" smtClean="0">
+              <a:rPr lang="en-US" sz="2000" dirty="0">
                 <a:latin typeface="Menlo Bold"/>
                 <a:cs typeface="Menlo Bold"/>
               </a:rPr>
@@ -4614,7 +4518,7 @@
               <a:buNone/>
             </a:pPr>
             <a:r>
-              <a:rPr lang="en-US" sz="2000" dirty="0" smtClean="0">
+              <a:rPr lang="en-US" sz="2000" dirty="0">
                 <a:latin typeface="Menlo Bold"/>
                 <a:cs typeface="Menlo Bold"/>
               </a:rPr>
@@ -4626,7 +4530,7 @@
               <a:buNone/>
             </a:pPr>
             <a:r>
-              <a:rPr lang="mr-IN" sz="2000" dirty="0" smtClean="0">
+              <a:rPr lang="mr-IN" sz="2000" dirty="0">
                 <a:latin typeface="Menlo Bold"/>
                 <a:cs typeface="Menlo Bold"/>
               </a:rPr>
@@ -4634,7 +4538,7 @@
             </a:r>
           </a:p>
           <a:p>
-            <a:endParaRPr lang="en-US" dirty="0" smtClean="0"/>
+            <a:endParaRPr lang="en-US" dirty="0"/>
           </a:p>
         </p:txBody>
       </p:sp>
@@ -4684,10 +4588,9 @@
           <a:lstStyle/>
           <a:p>
             <a:r>
-              <a:rPr lang="en-US" dirty="0" smtClean="0"/>
+              <a:rPr lang="en-US" dirty="0"/>
               <a:t>SELECT</a:t>
             </a:r>
-            <a:endParaRPr lang="en-US" dirty="0"/>
           </a:p>
         </p:txBody>
       </p:sp>
@@ -4712,11 +4615,11 @@
               <a:buNone/>
             </a:pPr>
             <a:r>
-              <a:rPr lang="en-US" sz="2800" dirty="0" smtClean="0"/>
+              <a:rPr lang="en-US" sz="2800" dirty="0"/>
               <a:t>SELECT </a:t>
             </a:r>
             <a:r>
-              <a:rPr lang="en-US" sz="2800" dirty="0" err="1" smtClean="0"/>
+              <a:rPr lang="en-US" sz="2800" dirty="0" err="1"/>
               <a:t>firstname</a:t>
             </a:r>
             <a:r>
@@ -4729,45 +4632,41 @@
             </a:r>
             <a:r>
               <a:rPr lang="en-US" sz="2800" dirty="0"/>
-              <a:t> </a:t>
-            </a:r>
-            <a:r>
-              <a:rPr lang="en-US" sz="2800" dirty="0" smtClean="0"/>
-              <a:t>FROM person     </a:t>
+              <a:t> FROM person     </a:t>
             </a:r>
             <a:br>
-              <a:rPr lang="en-US" sz="2800" dirty="0" smtClean="0"/>
+              <a:rPr lang="en-US" sz="2800" dirty="0"/>
             </a:br>
             <a:r>
-              <a:rPr lang="en-US" sz="2800" dirty="0" smtClean="0"/>
+              <a:rPr lang="en-US" sz="2800" dirty="0"/>
               <a:t>     ORDER BY </a:t>
             </a:r>
             <a:r>
-              <a:rPr lang="en-US" sz="2800" dirty="0" err="1" smtClean="0"/>
+              <a:rPr lang="en-US" sz="2800" dirty="0" err="1"/>
               <a:t>firstname</a:t>
             </a:r>
             <a:r>
-              <a:rPr lang="en-US" sz="2800" dirty="0" smtClean="0"/>
+              <a:rPr lang="en-US" sz="2800" dirty="0"/>
               <a:t>;</a:t>
             </a:r>
             <a:br>
-              <a:rPr lang="en-US" sz="2800" dirty="0" smtClean="0"/>
+              <a:rPr lang="en-US" sz="2800" dirty="0"/>
             </a:br>
-            <a:endParaRPr lang="en-US" sz="2800" dirty="0" smtClean="0"/>
+            <a:endParaRPr lang="en-US" sz="2800" dirty="0"/>
           </a:p>
           <a:p>
             <a:pPr marL="0" indent="0">
               <a:buNone/>
             </a:pPr>
             <a:r>
-              <a:rPr lang="en-US" sz="2800" dirty="0" err="1" smtClean="0">
+              <a:rPr lang="en-US" sz="2800" dirty="0" err="1">
                 <a:latin typeface="Menlo Bold"/>
                 <a:cs typeface="Menlo Bold"/>
               </a:rPr>
               <a:t>firstname</a:t>
             </a:r>
             <a:r>
-              <a:rPr lang="en-US" sz="2800" dirty="0" smtClean="0">
+              <a:rPr lang="en-US" sz="2800" dirty="0">
                 <a:latin typeface="Menlo Bold"/>
                 <a:cs typeface="Menlo Bold"/>
               </a:rPr>
@@ -4872,10 +4771,9 @@
           <a:lstStyle/>
           <a:p>
             <a:r>
-              <a:rPr lang="en-US" dirty="0" smtClean="0"/>
+              <a:rPr lang="en-US" dirty="0"/>
               <a:t>SELECT </a:t>
             </a:r>
-            <a:endParaRPr lang="en-US" dirty="0"/>
           </a:p>
         </p:txBody>
       </p:sp>
@@ -4900,7 +4798,7 @@
               <a:buNone/>
             </a:pPr>
             <a:r>
-              <a:rPr lang="en-US" sz="2400" dirty="0" smtClean="0">
+              <a:rPr lang="en-US" sz="2400" dirty="0">
                 <a:latin typeface="Menlo Bold"/>
                 <a:cs typeface="Menlo Bold"/>
               </a:rPr>
@@ -4932,23 +4830,16 @@
                 <a:latin typeface="Menlo Bold"/>
                 <a:cs typeface="Menlo Bold"/>
               </a:rPr>
-              <a:t> </a:t>
-            </a:r>
-            <a:r>
-              <a:rPr lang="en-US" sz="2400" dirty="0" smtClean="0">
+              <a:t> FROM person </a:t>
+            </a:r>
+            <a:br>
+              <a:rPr lang="en-US" sz="2400" dirty="0">
                 <a:latin typeface="Menlo Bold"/>
                 <a:cs typeface="Menlo Bold"/>
               </a:rPr>
-              <a:t>FROM person </a:t>
-            </a:r>
-            <a:br>
-              <a:rPr lang="en-US" sz="2400" dirty="0" smtClean="0">
-                <a:latin typeface="Menlo Bold"/>
-                <a:cs typeface="Menlo Bold"/>
-              </a:rPr>
             </a:br>
             <a:r>
-              <a:rPr lang="en-US" sz="2400" dirty="0" smtClean="0">
+              <a:rPr lang="en-US" sz="2400" dirty="0">
                 <a:latin typeface="Menlo Bold"/>
                 <a:cs typeface="Menlo Bold"/>
               </a:rPr>
@@ -4966,28 +4857,7 @@
                 <a:latin typeface="Menlo Bold"/>
                 <a:cs typeface="Menlo Bold"/>
               </a:rPr>
-              <a:t> </a:t>
-            </a:r>
-            <a:r>
-              <a:rPr lang="en-US" sz="2400" dirty="0" smtClean="0">
-                <a:latin typeface="Menlo Bold"/>
-                <a:cs typeface="Menlo Bold"/>
-              </a:rPr>
-              <a:t>LIMIT </a:t>
-            </a:r>
-            <a:r>
-              <a:rPr lang="en-US" sz="2400" dirty="0">
-                <a:latin typeface="Menlo Bold"/>
-                <a:cs typeface="Menlo Bold"/>
-              </a:rPr>
-              <a:t>1</a:t>
-            </a:r>
-            <a:r>
-              <a:rPr lang="en-US" sz="2400" dirty="0" smtClean="0">
-                <a:latin typeface="Menlo Bold"/>
-                <a:cs typeface="Menlo Bold"/>
-              </a:rPr>
-              <a:t>;</a:t>
+              <a:t> LIMIT 1;</a:t>
             </a:r>
           </a:p>
           <a:p>
@@ -5113,10 +4983,9 @@
           <a:lstStyle/>
           <a:p>
             <a:r>
-              <a:rPr lang="en-US" dirty="0" smtClean="0"/>
+              <a:rPr lang="en-US" dirty="0"/>
               <a:t>SELECT</a:t>
             </a:r>
-            <a:endParaRPr lang="en-US" dirty="0"/>
           </a:p>
         </p:txBody>
       </p:sp>
@@ -5150,7 +5019,7 @@
             <a:pPr marL="0" indent="0">
               <a:buNone/>
             </a:pPr>
-            <a:endParaRPr lang="en-US" dirty="0" smtClean="0">
+            <a:endParaRPr lang="en-US" dirty="0">
               <a:latin typeface="Menlo Bold"/>
               <a:cs typeface="Menlo Bold"/>
             </a:endParaRPr>
@@ -5160,18 +5029,11 @@
               <a:buNone/>
             </a:pPr>
             <a:r>
-              <a:rPr lang="en-US" sz="2800" dirty="0" smtClean="0">
-                <a:latin typeface="Menlo Bold"/>
-                <a:cs typeface="Menlo Bold"/>
-              </a:rPr>
-              <a:t>AVG</a:t>
-            </a:r>
-            <a:r>
               <a:rPr lang="en-US" sz="2800" dirty="0">
                 <a:latin typeface="Menlo Bold"/>
                 <a:cs typeface="Menlo Bold"/>
               </a:rPr>
-              <a:t>(birthdate)</a:t>
+              <a:t>AVG(birthdate)</a:t>
             </a:r>
           </a:p>
           <a:p>
@@ -5255,10 +5117,9 @@
           <a:lstStyle/>
           <a:p>
             <a:r>
-              <a:rPr lang="en-US" dirty="0" smtClean="0"/>
+              <a:rPr lang="en-US" dirty="0"/>
               <a:t>Functions</a:t>
             </a:r>
-            <a:endParaRPr lang="en-US" dirty="0"/>
           </a:p>
         </p:txBody>
       </p:sp>
@@ -5278,31 +5139,31 @@
           <a:lstStyle/>
           <a:p>
             <a:r>
-              <a:rPr lang="en-US" dirty="0" smtClean="0"/>
+              <a:rPr lang="en-US" dirty="0"/>
               <a:t>MIN</a:t>
             </a:r>
           </a:p>
           <a:p>
             <a:r>
-              <a:rPr lang="en-US" dirty="0" smtClean="0"/>
+              <a:rPr lang="en-US" dirty="0"/>
               <a:t>MAX</a:t>
             </a:r>
           </a:p>
           <a:p>
             <a:r>
-              <a:rPr lang="en-US" dirty="0" smtClean="0"/>
+              <a:rPr lang="en-US" dirty="0"/>
               <a:t>AVG</a:t>
             </a:r>
           </a:p>
           <a:p>
             <a:r>
-              <a:rPr lang="en-US" dirty="0" smtClean="0"/>
+              <a:rPr lang="en-US" dirty="0"/>
               <a:t>COUNT</a:t>
             </a:r>
           </a:p>
           <a:p>
             <a:r>
-              <a:rPr lang="en-US" dirty="0" smtClean="0"/>
+              <a:rPr lang="en-US" dirty="0"/>
               <a:t>SUM</a:t>
             </a:r>
           </a:p>
@@ -5357,10 +5218,9 @@
           <a:lstStyle/>
           <a:p>
             <a:r>
-              <a:rPr lang="en-US" dirty="0" smtClean="0"/>
+              <a:rPr lang="en-US" dirty="0"/>
               <a:t>OTHER COMMANDS</a:t>
             </a:r>
-            <a:endParaRPr lang="en-US" dirty="0"/>
           </a:p>
         </p:txBody>
       </p:sp>
@@ -5382,7 +5242,7 @@
           <a:lstStyle/>
           <a:p>
             <a:r>
-              <a:rPr lang="en-US" dirty="0" smtClean="0"/>
+              <a:rPr lang="en-US" dirty="0"/>
               <a:t>DELETE</a:t>
             </a:r>
           </a:p>
@@ -5401,20 +5261,16 @@
             </a:pPr>
             <a:r>
               <a:rPr lang="en-US" sz="2800" dirty="0"/>
-              <a:t>	</a:t>
-            </a:r>
-            <a:r>
-              <a:rPr lang="en-US" sz="2800" dirty="0" smtClean="0"/>
-              <a:t>DELETE FROM person WHERE ID=564;</a:t>
+              <a:t>	DELETE FROM person WHERE ID=564;</a:t>
             </a:r>
             <a:br>
-              <a:rPr lang="en-US" sz="2800" dirty="0" smtClean="0"/>
+              <a:rPr lang="en-US" sz="2800" dirty="0"/>
             </a:br>
-            <a:endParaRPr lang="en-US" sz="2800" dirty="0" smtClean="0"/>
-          </a:p>
-          <a:p>
-            <a:r>
-              <a:rPr lang="en-US" dirty="0" smtClean="0"/>
+            <a:endParaRPr lang="en-US" sz="2800" dirty="0"/>
+          </a:p>
+          <a:p>
+            <a:r>
+              <a:rPr lang="en-US" dirty="0"/>
               <a:t>UPDATE</a:t>
             </a:r>
           </a:p>
@@ -5422,14 +5278,14 @@
             <a:pPr marL="0" indent="0">
               <a:buNone/>
             </a:pPr>
-            <a:endParaRPr lang="en-US" dirty="0" smtClean="0"/>
+            <a:endParaRPr lang="en-US" dirty="0"/>
           </a:p>
           <a:p>
             <a:pPr marL="0" indent="0">
               <a:buNone/>
             </a:pPr>
             <a:r>
-              <a:rPr lang="en-US" sz="2400" dirty="0" smtClean="0"/>
+              <a:rPr lang="en-US" sz="2400" dirty="0"/>
               <a:t>	UPDATE PERSON </a:t>
             </a:r>
           </a:p>
@@ -5438,18 +5294,17 @@
               <a:buNone/>
             </a:pPr>
             <a:r>
-              <a:rPr lang="en-US" sz="2400" dirty="0" smtClean="0"/>
+              <a:rPr lang="en-US" sz="2400" dirty="0"/>
               <a:t>		   SET </a:t>
             </a:r>
             <a:r>
-              <a:rPr lang="en-US" sz="2400" dirty="0" err="1" smtClean="0"/>
+              <a:rPr lang="en-US" sz="2400" dirty="0" err="1"/>
               <a:t>firstname</a:t>
             </a:r>
             <a:r>
-              <a:rPr lang="en-US" sz="2400" dirty="0" smtClean="0"/>
+              <a:rPr lang="en-US" sz="2400" dirty="0"/>
               <a:t> = Henrietta WHERE ID=564;</a:t>
             </a:r>
-            <a:endParaRPr lang="en-US" sz="2400" dirty="0"/>
           </a:p>
         </p:txBody>
       </p:sp>
@@ -5496,15 +5351,14 @@
         <p:spPr/>
         <p:txBody>
           <a:bodyPr>
-            <a:normAutofit fontScale="90000"/>
+            <a:normAutofit/>
           </a:bodyPr>
           <a:lstStyle/>
           <a:p>
             <a:r>
-              <a:rPr lang="en-US" dirty="0" smtClean="0"/>
+              <a:rPr lang="en-US" dirty="0"/>
               <a:t>This is a very brief introduction!</a:t>
             </a:r>
-            <a:endParaRPr lang="en-US" dirty="0"/>
           </a:p>
         </p:txBody>
       </p:sp>
@@ -5524,20 +5378,20 @@
           <a:lstStyle/>
           <a:p>
             <a:r>
-              <a:rPr lang="en-US" dirty="0" smtClean="0"/>
+              <a:rPr lang="en-US" dirty="0"/>
               <a:t>We will learn more from the exercises</a:t>
             </a:r>
           </a:p>
           <a:p>
             <a:r>
-              <a:rPr lang="en-US" dirty="0" smtClean="0"/>
+              <a:rPr lang="en-US" dirty="0"/>
               <a:t>There are lots of </a:t>
             </a:r>
             <a:br>
-              <a:rPr lang="en-US" dirty="0" smtClean="0"/>
+              <a:rPr lang="en-US" dirty="0"/>
             </a:br>
             <a:r>
-              <a:rPr lang="en-US" dirty="0" smtClean="0"/>
+              <a:rPr lang="en-US" dirty="0"/>
               <a:t>resources on the Web</a:t>
             </a:r>
           </a:p>
@@ -5634,13 +5488,6 @@
   <p:clrMapOvr>
     <a:masterClrMapping/>
   </p:clrMapOvr>
-  <p:timing>
-    <p:tnLst>
-      <p:par>
-        <p:cTn xmlns:p14="http://schemas.microsoft.com/office/powerpoint/2010/main" id="1" dur="indefinite" restart="never" nodeType="tmRoot"/>
-      </p:par>
-    </p:tnLst>
-  </p:timing>
 </p:sld>
 </file>
 
@@ -5679,20 +5526,20 @@
           <a:lstStyle/>
           <a:p>
             <a:r>
-              <a:rPr lang="en-US" dirty="0" smtClean="0"/>
+              <a:rPr lang="en-US" dirty="0"/>
               <a:t>Apache Hive</a:t>
             </a:r>
             <a:br>
-              <a:rPr lang="en-US" dirty="0" smtClean="0"/>
+              <a:rPr lang="en-US" dirty="0"/>
             </a:br>
             <a:r>
-              <a:rPr lang="en-US" sz="2700" dirty="0" smtClean="0">
+              <a:rPr lang="en-US" sz="2700" dirty="0">
                 <a:hlinkClick r:id="rId2"/>
               </a:rPr>
               <a:t>http://hive.apache.org</a:t>
             </a:r>
             <a:r>
-              <a:rPr lang="en-US" sz="2700" dirty="0" smtClean="0"/>
+              <a:rPr lang="en-US" sz="2700" dirty="0"/>
               <a:t> </a:t>
             </a:r>
             <a:endParaRPr lang="en-US" dirty="0"/>
@@ -5715,48 +5562,47 @@
           <a:lstStyle/>
           <a:p>
             <a:r>
-              <a:rPr lang="en-US" dirty="0" smtClean="0"/>
+              <a:rPr lang="en-US" dirty="0"/>
               <a:t>Just like SQL except it generates Map Reduce jobs</a:t>
             </a:r>
           </a:p>
           <a:p>
             <a:r>
-              <a:rPr lang="en-US" dirty="0" smtClean="0"/>
+              <a:rPr lang="en-US" dirty="0"/>
               <a:t>Works on </a:t>
             </a:r>
             <a:r>
-              <a:rPr lang="en-US" dirty="0" err="1" smtClean="0"/>
+              <a:rPr lang="en-US" dirty="0" err="1"/>
               <a:t>Hadoop</a:t>
             </a:r>
             <a:r>
-              <a:rPr lang="en-US" dirty="0" smtClean="0"/>
+              <a:rPr lang="en-US" dirty="0"/>
               <a:t> and Spark</a:t>
             </a:r>
           </a:p>
           <a:p>
             <a:pPr lvl="1"/>
             <a:r>
-              <a:rPr lang="en-US" dirty="0" smtClean="0"/>
+              <a:rPr lang="en-US" dirty="0"/>
               <a:t>Embedded into Spark as </a:t>
             </a:r>
             <a:r>
-              <a:rPr lang="en-US" dirty="0" err="1" smtClean="0"/>
+              <a:rPr lang="en-US" dirty="0" err="1"/>
               <a:t>SparkSQL</a:t>
             </a:r>
-            <a:endParaRPr lang="en-US" dirty="0" smtClean="0"/>
-          </a:p>
-          <a:p>
-            <a:r>
-              <a:rPr lang="en-US" dirty="0" smtClean="0"/>
+            <a:endParaRPr lang="en-US" dirty="0"/>
+          </a:p>
+          <a:p>
+            <a:r>
+              <a:rPr lang="en-US" dirty="0"/>
               <a:t>Includes DDL (Data Definition Language) as well as SQL</a:t>
             </a:r>
           </a:p>
           <a:p>
             <a:r>
-              <a:rPr lang="en-US" dirty="0" smtClean="0"/>
+              <a:rPr lang="en-US" dirty="0"/>
               <a:t>Makes many processing tasks very simple</a:t>
             </a:r>
-            <a:endParaRPr lang="en-US" dirty="0"/>
           </a:p>
         </p:txBody>
       </p:sp>
@@ -5830,10 +5676,9 @@
           <a:lstStyle/>
           <a:p>
             <a:r>
-              <a:rPr lang="en-US" dirty="0" smtClean="0"/>
+              <a:rPr lang="en-US" dirty="0"/>
               <a:t>Hive example</a:t>
             </a:r>
-            <a:endParaRPr lang="en-US" dirty="0"/>
           </a:p>
         </p:txBody>
       </p:sp>
@@ -6290,7 +6135,7 @@
           <a:lstStyle/>
           <a:p>
             <a:r>
-              <a:rPr lang="en-US" dirty="0" err="1" smtClean="0"/>
+              <a:rPr lang="en-US" dirty="0" err="1"/>
               <a:t>SparkSQL</a:t>
             </a:r>
             <a:endParaRPr lang="en-US" dirty="0"/>
@@ -6310,67 +6155,66 @@
         <p:spPr/>
         <p:txBody>
           <a:bodyPr>
-            <a:normAutofit fontScale="92500" lnSpcReduction="10000"/>
+            <a:normAutofit/>
           </a:bodyPr>
           <a:lstStyle/>
           <a:p>
             <a:r>
-              <a:rPr lang="en-US" dirty="0" smtClean="0"/>
+              <a:rPr lang="en-US" dirty="0"/>
               <a:t>Integrates into existing Spark programs</a:t>
             </a:r>
           </a:p>
           <a:p>
             <a:pPr lvl="1"/>
             <a:r>
-              <a:rPr lang="en-US" dirty="0" smtClean="0"/>
+              <a:rPr lang="en-US" dirty="0"/>
               <a:t>Mixes SQL with Python, </a:t>
             </a:r>
             <a:r>
-              <a:rPr lang="en-US" dirty="0" err="1" smtClean="0"/>
+              <a:rPr lang="en-US" dirty="0" err="1"/>
               <a:t>Scala</a:t>
             </a:r>
             <a:r>
-              <a:rPr lang="en-US" dirty="0" smtClean="0"/>
+              <a:rPr lang="en-US" dirty="0"/>
               <a:t> or Java</a:t>
             </a:r>
           </a:p>
           <a:p>
             <a:r>
-              <a:rPr lang="en-US" dirty="0" smtClean="0"/>
+              <a:rPr lang="en-US" dirty="0"/>
               <a:t>Integrates data from CSV, Avro, Parquet, JDBC, ODBC, JSON, </a:t>
             </a:r>
             <a:r>
-              <a:rPr lang="en-US" dirty="0" err="1" smtClean="0"/>
+              <a:rPr lang="en-US" dirty="0" err="1"/>
               <a:t>etc</a:t>
             </a:r>
-            <a:endParaRPr lang="en-US" dirty="0" smtClean="0"/>
+            <a:endParaRPr lang="en-US" dirty="0"/>
           </a:p>
           <a:p>
             <a:pPr lvl="1"/>
             <a:r>
-              <a:rPr lang="en-US" dirty="0" smtClean="0"/>
+              <a:rPr lang="en-US" dirty="0"/>
               <a:t>Including joins across them</a:t>
             </a:r>
           </a:p>
           <a:p>
             <a:r>
-              <a:rPr lang="en-US" dirty="0" smtClean="0"/>
+              <a:rPr lang="en-US" dirty="0"/>
               <a:t>Fully supports Apache Hive</a:t>
             </a:r>
           </a:p>
           <a:p>
             <a:pPr lvl="1"/>
             <a:r>
-              <a:rPr lang="en-US" i="1" dirty="0" smtClean="0"/>
+              <a:rPr lang="en-US" i="1" dirty="0"/>
               <a:t>If you build it with Hive support</a:t>
             </a:r>
           </a:p>
           <a:p>
             <a:r>
-              <a:rPr lang="en-US" dirty="0" smtClean="0"/>
+              <a:rPr lang="en-US" dirty="0"/>
               <a:t>Fits into the resilient scalable model of Spark</a:t>
             </a:r>
-            <a:endParaRPr lang="en-US" dirty="0"/>
           </a:p>
         </p:txBody>
       </p:sp>
@@ -6384,13 +6228,6 @@
   <p:clrMapOvr>
     <a:masterClrMapping/>
   </p:clrMapOvr>
-  <p:timing>
-    <p:tnLst>
-      <p:par>
-        <p:cTn xmlns:p14="http://schemas.microsoft.com/office/powerpoint/2010/main" id="1" dur="indefinite" restart="never" nodeType="tmRoot"/>
-      </p:par>
-    </p:tnLst>
-  </p:timing>
 </p:sld>
 </file>
 
@@ -6427,10 +6264,9 @@
           <a:lstStyle/>
           <a:p>
             <a:r>
-              <a:rPr lang="en-US" dirty="0" smtClean="0"/>
+              <a:rPr lang="en-US" dirty="0"/>
               <a:t>Spark SQL example</a:t>
             </a:r>
-            <a:endParaRPr lang="en-US" dirty="0"/>
           </a:p>
         </p:txBody>
       </p:sp>
@@ -6910,13 +6746,6 @@
   <p:clrMapOvr>
     <a:masterClrMapping/>
   </p:clrMapOvr>
-  <p:timing>
-    <p:tnLst>
-      <p:par>
-        <p:cTn xmlns:p14="http://schemas.microsoft.com/office/powerpoint/2010/main" id="1" dur="indefinite" restart="never" nodeType="tmRoot"/>
-      </p:par>
-    </p:tnLst>
-  </p:timing>
 </p:sld>
 </file>
 
@@ -6955,22 +6784,18 @@
           <a:lstStyle/>
           <a:p>
             <a:r>
-              <a:rPr lang="en-US" dirty="0" err="1" smtClean="0"/>
+              <a:rPr lang="en-US" dirty="0" err="1"/>
               <a:t>DataFrame</a:t>
             </a:r>
-            <a:r>
-              <a:rPr lang="en-US" dirty="0" smtClean="0"/>
-              <a:t/>
-            </a:r>
             <a:br>
-              <a:rPr lang="en-US" dirty="0" smtClean="0"/>
+              <a:rPr lang="en-US" dirty="0"/>
             </a:br>
             <a:r>
-              <a:rPr lang="en-US" sz="3100" dirty="0" smtClean="0"/>
+              <a:rPr lang="en-US" sz="3100" dirty="0"/>
               <a:t>Based on Python and R </a:t>
             </a:r>
             <a:r>
-              <a:rPr lang="en-US" sz="3100" dirty="0" err="1" smtClean="0"/>
+              <a:rPr lang="en-US" sz="3100" dirty="0" err="1"/>
               <a:t>dataframes</a:t>
             </a:r>
             <a:endParaRPr lang="en-US" dirty="0"/>
@@ -6993,41 +6818,41 @@
           <a:lstStyle/>
           <a:p>
             <a:r>
-              <a:rPr lang="en-US" dirty="0" smtClean="0"/>
+              <a:rPr lang="en-US" dirty="0"/>
               <a:t>Column based object used by SQL</a:t>
             </a:r>
           </a:p>
           <a:p>
             <a:r>
-              <a:rPr lang="en-US" dirty="0" smtClean="0"/>
+              <a:rPr lang="en-US" dirty="0"/>
               <a:t>Offers SQL like programming </a:t>
             </a:r>
           </a:p>
           <a:p>
             <a:r>
-              <a:rPr lang="en-US" dirty="0" smtClean="0"/>
+              <a:rPr lang="en-US" dirty="0"/>
               <a:t>Supports algebraic </a:t>
             </a:r>
             <a:r>
-              <a:rPr lang="en-US" dirty="0" err="1" smtClean="0"/>
+              <a:rPr lang="en-US" dirty="0" err="1"/>
               <a:t>optimisation</a:t>
             </a:r>
             <a:r>
-              <a:rPr lang="en-US" dirty="0" smtClean="0"/>
+              <a:rPr lang="en-US" dirty="0"/>
               <a:t> and code gen</a:t>
             </a:r>
           </a:p>
           <a:p>
             <a:r>
-              <a:rPr lang="en-US" dirty="0" smtClean="0"/>
+              <a:rPr lang="en-US" dirty="0"/>
               <a:t>E.g. in </a:t>
             </a:r>
             <a:r>
-              <a:rPr lang="en-US" dirty="0" err="1" smtClean="0"/>
+              <a:rPr lang="en-US" dirty="0" err="1"/>
               <a:t>Scala</a:t>
             </a:r>
             <a:r>
-              <a:rPr lang="en-US" dirty="0" smtClean="0"/>
+              <a:rPr lang="en-US" dirty="0"/>
               <a:t>:</a:t>
             </a:r>
           </a:p>
@@ -7073,13 +6898,6 @@
   <p:clrMapOvr>
     <a:masterClrMapping/>
   </p:clrMapOvr>
-  <p:timing>
-    <p:tnLst>
-      <p:par>
-        <p:cTn xmlns:p14="http://schemas.microsoft.com/office/powerpoint/2010/main" id="1" dur="indefinite" restart="never" nodeType="tmRoot"/>
-      </p:par>
-    </p:tnLst>
-  </p:timing>
 </p:sld>
 </file>
 
@@ -7116,10 +6934,9 @@
           <a:lstStyle/>
           <a:p>
             <a:r>
-              <a:rPr lang="en-US" dirty="0" smtClean="0"/>
+              <a:rPr lang="en-US" dirty="0"/>
               <a:t>More SQL</a:t>
             </a:r>
-            <a:endParaRPr lang="en-US" dirty="0"/>
           </a:p>
         </p:txBody>
       </p:sp>
@@ -7142,140 +6959,140 @@
               <a:buNone/>
             </a:pPr>
             <a:r>
-              <a:rPr lang="en-US" dirty="0" err="1" smtClean="0"/>
+              <a:rPr lang="en-US" dirty="0" err="1"/>
               <a:t>df</a:t>
             </a:r>
             <a:r>
-              <a:rPr lang="en-US" dirty="0" smtClean="0"/>
+              <a:rPr lang="en-US" dirty="0"/>
               <a:t>.</a:t>
             </a:r>
             <a:br>
-              <a:rPr lang="en-US" dirty="0" smtClean="0"/>
+              <a:rPr lang="en-US" dirty="0"/>
             </a:br>
             <a:r>
-              <a:rPr lang="en-US" dirty="0" smtClean="0"/>
+              <a:rPr lang="en-US" dirty="0"/>
               <a:t>  select('</a:t>
             </a:r>
             <a:r>
-              <a:rPr lang="en-US" dirty="0" err="1" smtClean="0"/>
+              <a:rPr lang="en-US" dirty="0" err="1"/>
               <a:t>postcode’,’id</a:t>
             </a:r>
             <a:r>
-              <a:rPr lang="en-US" dirty="0" smtClean="0"/>
+              <a:rPr lang="en-US" dirty="0"/>
               <a:t>').</a:t>
             </a:r>
             <a:br>
-              <a:rPr lang="en-US" dirty="0" smtClean="0"/>
+              <a:rPr lang="en-US" dirty="0"/>
             </a:br>
             <a:r>
-              <a:rPr lang="en-US" dirty="0" smtClean="0"/>
+              <a:rPr lang="en-US" dirty="0"/>
               <a:t>  </a:t>
             </a:r>
             <a:r>
-              <a:rPr lang="en-US" dirty="0" err="1" smtClean="0"/>
+              <a:rPr lang="en-US" dirty="0" err="1"/>
               <a:t>withColumn</a:t>
             </a:r>
             <a:r>
-              <a:rPr lang="en-US" dirty="0" smtClean="0"/>
+              <a:rPr lang="en-US" dirty="0"/>
               <a:t>('</a:t>
             </a:r>
             <a:r>
-              <a:rPr lang="en-US" dirty="0" err="1" smtClean="0"/>
+              <a:rPr lang="en-US" dirty="0" err="1"/>
               <a:t>first_pc</a:t>
             </a:r>
             <a:r>
-              <a:rPr lang="en-US" dirty="0" smtClean="0"/>
+              <a:rPr lang="en-US" dirty="0"/>
               <a:t>', </a:t>
             </a:r>
             <a:br>
-              <a:rPr lang="en-US" dirty="0" smtClean="0"/>
+              <a:rPr lang="en-US" dirty="0"/>
             </a:br>
             <a:r>
-              <a:rPr lang="en-US" dirty="0" smtClean="0"/>
+              <a:rPr lang="en-US" dirty="0"/>
               <a:t>    split(</a:t>
             </a:r>
             <a:r>
-              <a:rPr lang="en-US" dirty="0" err="1" smtClean="0"/>
+              <a:rPr lang="en-US" dirty="0" err="1"/>
               <a:t>df.postcode</a:t>
             </a:r>
             <a:r>
-              <a:rPr lang="en-US" dirty="0" smtClean="0"/>
+              <a:rPr lang="en-US" dirty="0"/>
               <a:t>, '\s’[0]).</a:t>
             </a:r>
             <a:br>
-              <a:rPr lang="en-US" dirty="0" smtClean="0"/>
+              <a:rPr lang="en-US" dirty="0"/>
             </a:br>
             <a:r>
-              <a:rPr lang="en-US" dirty="0" smtClean="0"/>
+              <a:rPr lang="en-US" dirty="0"/>
               <a:t>    where((col("</a:t>
             </a:r>
             <a:r>
-              <a:rPr lang="en-US" dirty="0" err="1" smtClean="0"/>
+              <a:rPr lang="en-US" dirty="0" err="1"/>
               <a:t>first_pc</a:t>
             </a:r>
             <a:r>
-              <a:rPr lang="en-US" dirty="0" smtClean="0"/>
+              <a:rPr lang="en-US" dirty="0"/>
               <a:t>") == 'SW11') or  </a:t>
             </a:r>
             <a:br>
-              <a:rPr lang="en-US" dirty="0" smtClean="0"/>
+              <a:rPr lang="en-US" dirty="0"/>
             </a:br>
             <a:r>
-              <a:rPr lang="en-US" dirty="0" smtClean="0"/>
+              <a:rPr lang="en-US" dirty="0"/>
               <a:t>                 (col("</a:t>
             </a:r>
             <a:r>
-              <a:rPr lang="en-US" dirty="0" err="1" smtClean="0"/>
+              <a:rPr lang="en-US" dirty="0" err="1"/>
               <a:t>first_pc</a:t>
             </a:r>
             <a:r>
-              <a:rPr lang="en-US" dirty="0" smtClean="0"/>
+              <a:rPr lang="en-US" dirty="0"/>
               <a:t>") == 'OX1')).</a:t>
             </a:r>
             <a:br>
-              <a:rPr lang="en-US" dirty="0" smtClean="0"/>
+              <a:rPr lang="en-US" dirty="0"/>
             </a:br>
             <a:r>
-              <a:rPr lang="en-US" dirty="0" smtClean="0"/>
+              <a:rPr lang="en-US" dirty="0"/>
               <a:t>     </a:t>
             </a:r>
             <a:r>
-              <a:rPr lang="en-US" dirty="0" err="1" smtClean="0"/>
+              <a:rPr lang="en-US" dirty="0" err="1"/>
               <a:t>groupBy</a:t>
             </a:r>
             <a:r>
-              <a:rPr lang="en-US" dirty="0" smtClean="0"/>
+              <a:rPr lang="en-US" dirty="0"/>
               <a:t>('</a:t>
             </a:r>
             <a:r>
-              <a:rPr lang="en-US" dirty="0" err="1" smtClean="0"/>
+              <a:rPr lang="en-US" dirty="0" err="1"/>
               <a:t>first_pc</a:t>
             </a:r>
             <a:r>
-              <a:rPr lang="en-US" dirty="0" smtClean="0"/>
+              <a:rPr lang="en-US" dirty="0"/>
               <a:t>').</a:t>
             </a:r>
             <a:br>
-              <a:rPr lang="en-US" dirty="0" smtClean="0"/>
+              <a:rPr lang="en-US" dirty="0"/>
             </a:br>
             <a:r>
-              <a:rPr lang="en-US" dirty="0" smtClean="0"/>
+              <a:rPr lang="en-US" dirty="0"/>
               <a:t>     </a:t>
             </a:r>
             <a:r>
-              <a:rPr lang="en-US" dirty="0" err="1" smtClean="0"/>
+              <a:rPr lang="en-US" dirty="0" err="1"/>
               <a:t>agg</a:t>
             </a:r>
             <a:r>
-              <a:rPr lang="en-US" dirty="0" smtClean="0"/>
+              <a:rPr lang="en-US" dirty="0"/>
               <a:t>({"id": "count"})</a:t>
             </a:r>
             <a:r>
-              <a:rPr lang="en-US" smtClean="0"/>
+              <a:rPr lang="en-US"/>
               <a:t>.show(</a:t>
             </a:r>
             <a:r>
-              <a:rPr lang="en-US" dirty="0" smtClean="0"/>
+              <a:rPr lang="en-US" dirty="0"/>
               <a:t>)</a:t>
             </a:r>
           </a:p>
@@ -7294,13 +7111,6 @@
   <p:clrMapOvr>
     <a:masterClrMapping/>
   </p:clrMapOvr>
-  <p:timing>
-    <p:tnLst>
-      <p:par>
-        <p:cTn xmlns:p14="http://schemas.microsoft.com/office/powerpoint/2010/main" id="1" dur="indefinite" restart="never" nodeType="tmRoot"/>
-      </p:par>
-    </p:tnLst>
-  </p:timing>
 </p:sld>
 </file>
 
@@ -7337,10 +7147,9 @@
           <a:lstStyle/>
           <a:p>
             <a:r>
-              <a:rPr lang="en-US" dirty="0" smtClean="0"/>
+              <a:rPr lang="en-US" dirty="0"/>
               <a:t>User Defined Functions</a:t>
             </a:r>
-            <a:endParaRPr lang="en-US" dirty="0"/>
           </a:p>
         </p:txBody>
       </p:sp>
@@ -7362,17 +7171,13 @@
           <a:lstStyle/>
           <a:p>
             <a:r>
-              <a:rPr lang="en-US" dirty="0" smtClean="0"/>
-              <a:t>In SQL a User Defined Function is an extension that </a:t>
-            </a:r>
-            <a:r>
-              <a:rPr lang="en-US" dirty="0" smtClean="0"/>
-              <a:t>helps perform other functions in SQL</a:t>
-            </a:r>
-          </a:p>
-          <a:p>
-            <a:r>
-              <a:rPr lang="en-US" dirty="0" smtClean="0"/>
+              <a:rPr lang="en-US" dirty="0"/>
+              <a:t>In SQL a User Defined Function is an extension that helps perform other functions in SQL</a:t>
+            </a:r>
+          </a:p>
+          <a:p>
+            <a:r>
+              <a:rPr lang="en-US" dirty="0"/>
               <a:t>In Spark we can add our own functions (e.g. written in Python)</a:t>
             </a:r>
           </a:p>
@@ -7423,64 +7228,36 @@
                 <a:latin typeface="Menlo Regular"/>
                 <a:cs typeface="Menlo Regular"/>
               </a:rPr>
-              <a:t>("</a:t>
-            </a:r>
-            <a:r>
-              <a:rPr lang="en-US" sz="2000" dirty="0" smtClean="0">
-                <a:latin typeface="Menlo Regular"/>
-                <a:cs typeface="Menlo Regular"/>
-              </a:rPr>
-              <a:t>squared"</a:t>
-            </a:r>
-            <a:r>
+              <a:t>("squared", squared)</a:t>
+            </a:r>
+            <a:br>
               <a:rPr lang="en-US" sz="2000" dirty="0">
                 <a:latin typeface="Menlo Regular"/>
                 <a:cs typeface="Menlo Regular"/>
               </a:rPr>
-              <a:t>, squared</a:t>
-            </a:r>
-            <a:r>
-              <a:rPr lang="en-US" sz="2000" dirty="0" smtClean="0">
+            </a:br>
+            <a:br>
+              <a:rPr lang="en-US" sz="2000" dirty="0">
                 <a:latin typeface="Menlo Regular"/>
                 <a:cs typeface="Menlo Regular"/>
               </a:rPr>
-              <a:t>)</a:t>
-            </a:r>
-            <a:br>
-              <a:rPr lang="en-US" sz="2000" dirty="0" smtClean="0">
+            </a:br>
+            <a:r>
+              <a:rPr lang="en-US" sz="2000" dirty="0">
                 <a:latin typeface="Menlo Regular"/>
                 <a:cs typeface="Menlo Regular"/>
               </a:rPr>
-            </a:br>
-            <a:r>
-              <a:rPr lang="en-US" sz="2000" dirty="0" smtClean="0">
+              <a:t>SELECT squared(age) as </a:t>
+            </a:r>
+            <a:r>
+              <a:rPr lang="en-US" sz="2000" dirty="0" err="1">
                 <a:latin typeface="Menlo Regular"/>
                 <a:cs typeface="Menlo Regular"/>
               </a:rPr>
-              <a:t/>
-            </a:r>
-            <a:br>
-              <a:rPr lang="en-US" sz="2000" dirty="0" smtClean="0">
-                <a:latin typeface="Menlo Regular"/>
-                <a:cs typeface="Menlo Regular"/>
-              </a:rPr>
-            </a:br>
-            <a:r>
-              <a:rPr lang="en-US" sz="2000" dirty="0" smtClean="0">
-                <a:latin typeface="Menlo Regular"/>
-                <a:cs typeface="Menlo Regular"/>
-              </a:rPr>
-              <a:t>SELECT squared(age) as </a:t>
-            </a:r>
-            <a:r>
-              <a:rPr lang="en-US" sz="2000" dirty="0" err="1" smtClean="0">
-                <a:latin typeface="Menlo Regular"/>
-                <a:cs typeface="Menlo Regular"/>
-              </a:rPr>
               <a:t>agesquared</a:t>
             </a:r>
             <a:r>
-              <a:rPr lang="en-US" sz="2000" smtClean="0">
+              <a:rPr lang="en-US" sz="2000">
                 <a:latin typeface="Menlo Regular"/>
                 <a:cs typeface="Menlo Regular"/>
               </a:rPr>
@@ -7539,10 +7316,9 @@
           <a:lstStyle/>
           <a:p>
             <a:r>
-              <a:rPr lang="en-US" dirty="0" smtClean="0"/>
+              <a:rPr lang="en-US" dirty="0"/>
               <a:t>Questions?</a:t>
             </a:r>
-            <a:endParaRPr lang="en-US" dirty="0"/>
           </a:p>
         </p:txBody>
       </p:sp>
@@ -7550,6 +7326,101 @@
     <p:extLst>
       <p:ext uri="{BB962C8B-B14F-4D97-AF65-F5344CB8AC3E}">
         <p14:creationId xmlns:p14="http://schemas.microsoft.com/office/powerpoint/2010/main" val="2250615443"/>
+      </p:ext>
+    </p:extLst>
+  </p:cSld>
+  <p:clrMapOvr>
+    <a:masterClrMapping/>
+  </p:clrMapOvr>
+</p:sld>
+</file>
+
+<file path=ppt/slides/slide28.xml><?xml version="1.0" encoding="utf-8"?>
+<p:sld xmlns:a="http://schemas.openxmlformats.org/drawingml/2006/main" xmlns:r="http://schemas.openxmlformats.org/officeDocument/2006/relationships" xmlns:p="http://schemas.openxmlformats.org/presentationml/2006/main">
+  <p:cSld>
+    <p:spTree>
+      <p:nvGrpSpPr>
+        <p:cNvPr id="1" name=""/>
+        <p:cNvGrpSpPr/>
+        <p:nvPr/>
+      </p:nvGrpSpPr>
+      <p:grpSpPr>
+        <a:xfrm>
+          <a:off x="0" y="0"/>
+          <a:ext cx="0" cy="0"/>
+          <a:chOff x="0" y="0"/>
+          <a:chExt cx="0" cy="0"/>
+        </a:xfrm>
+      </p:grpSpPr>
+      <p:sp>
+        <p:nvSpPr>
+          <p:cNvPr id="2" name="Title 1">
+            <a:extLst>
+              <a:ext uri="{FF2B5EF4-FFF2-40B4-BE49-F238E27FC236}">
+                <a16:creationId xmlns:a16="http://schemas.microsoft.com/office/drawing/2014/main" id="{3AFEA3A2-A8B3-4342-BA44-CE60A253C0EE}"/>
+              </a:ext>
+            </a:extLst>
+          </p:cNvPr>
+          <p:cNvSpPr>
+            <a:spLocks noGrp="1"/>
+          </p:cNvSpPr>
+          <p:nvPr>
+            <p:ph type="title"/>
+          </p:nvPr>
+        </p:nvSpPr>
+        <p:spPr/>
+        <p:txBody>
+          <a:bodyPr/>
+          <a:lstStyle/>
+          <a:p>
+            <a:r>
+              <a:rPr lang="en-US" dirty="0" err="1"/>
+              <a:t>Flintrock</a:t>
+            </a:r>
+            <a:endParaRPr lang="en-US" dirty="0"/>
+          </a:p>
+        </p:txBody>
+      </p:sp>
+      <p:sp>
+        <p:nvSpPr>
+          <p:cNvPr id="3" name="Content Placeholder 2">
+            <a:extLst>
+              <a:ext uri="{FF2B5EF4-FFF2-40B4-BE49-F238E27FC236}">
+                <a16:creationId xmlns:a16="http://schemas.microsoft.com/office/drawing/2014/main" id="{3F46534F-487A-964B-A318-B0F5E6C7DFC3}"/>
+              </a:ext>
+            </a:extLst>
+          </p:cNvPr>
+          <p:cNvSpPr>
+            <a:spLocks noGrp="1"/>
+          </p:cNvSpPr>
+          <p:nvPr>
+            <p:ph idx="1"/>
+          </p:nvPr>
+        </p:nvSpPr>
+        <p:spPr/>
+        <p:txBody>
+          <a:bodyPr/>
+          <a:lstStyle/>
+          <a:p>
+            <a:r>
+              <a:rPr lang="en-US" dirty="0"/>
+              <a:t>https://</a:t>
+            </a:r>
+            <a:r>
+              <a:rPr lang="en-US" dirty="0" err="1"/>
+              <a:t>databricks.com</a:t>
+            </a:r>
+            <a:r>
+              <a:rPr lang="en-US"/>
+              <a:t>/session/flintrock-a-faster-better-spark-ec2</a:t>
+            </a:r>
+          </a:p>
+        </p:txBody>
+      </p:sp>
+    </p:spTree>
+    <p:extLst>
+      <p:ext uri="{BB962C8B-B14F-4D97-AF65-F5344CB8AC3E}">
+        <p14:creationId xmlns:p14="http://schemas.microsoft.com/office/powerpoint/2010/main" val="2010850909"/>
       </p:ext>
     </p:extLst>
   </p:cSld>
@@ -7592,10 +7463,9 @@
           <a:lstStyle/>
           <a:p>
             <a:r>
-              <a:rPr lang="en-US" dirty="0" smtClean="0"/>
+              <a:rPr lang="en-US" dirty="0"/>
               <a:t>Structured Query Language</a:t>
             </a:r>
-            <a:endParaRPr lang="en-US" dirty="0"/>
           </a:p>
         </p:txBody>
       </p:sp>
@@ -7612,78 +7482,70 @@
         <p:spPr/>
         <p:txBody>
           <a:bodyPr>
-            <a:normAutofit fontScale="92500"/>
+            <a:normAutofit lnSpcReduction="10000"/>
           </a:bodyPr>
           <a:lstStyle/>
           <a:p>
             <a:r>
-              <a:rPr lang="en-US" dirty="0" smtClean="0"/>
+              <a:rPr lang="en-US" dirty="0"/>
               <a:t>Pronounced “Sequel”</a:t>
             </a:r>
           </a:p>
           <a:p>
             <a:pPr lvl="1"/>
             <a:r>
-              <a:rPr lang="en-US" dirty="0" smtClean="0"/>
+              <a:rPr lang="en-US" dirty="0"/>
               <a:t>Originally called Sequel but changed for trademark reasons</a:t>
             </a:r>
           </a:p>
           <a:p>
             <a:r>
-              <a:rPr lang="en-US" dirty="0" smtClean="0"/>
+              <a:rPr lang="en-US" dirty="0"/>
               <a:t>Dates to 1974</a:t>
             </a:r>
           </a:p>
           <a:p>
             <a:pPr lvl="1"/>
             <a:r>
-              <a:rPr lang="en-US" dirty="0" smtClean="0"/>
+              <a:rPr lang="en-US" dirty="0"/>
               <a:t>Written by IBM (Chamberlin and Boyce)</a:t>
             </a:r>
           </a:p>
           <a:p>
             <a:pPr lvl="1"/>
             <a:r>
-              <a:rPr lang="en-US" dirty="0" smtClean="0"/>
-              <a:t>Based </a:t>
-            </a:r>
-            <a:r>
-              <a:rPr lang="en-US" dirty="0"/>
-              <a:t>on “A Relational Model of Data for Large Shared Data </a:t>
-            </a:r>
-            <a:r>
-              <a:rPr lang="en-US" dirty="0" smtClean="0"/>
-              <a:t>Banks” by Edward </a:t>
-            </a:r>
-            <a:r>
-              <a:rPr lang="en-US" dirty="0" err="1" smtClean="0"/>
+              <a:rPr lang="en-US" dirty="0"/>
+              <a:t>Based on “A Relational Model of Data for Large Shared Data Banks” by Edward </a:t>
+            </a:r>
+            <a:r>
+              <a:rPr lang="en-US" dirty="0" err="1"/>
               <a:t>Codd</a:t>
             </a:r>
-            <a:endParaRPr lang="en-US" dirty="0" smtClean="0"/>
+            <a:endParaRPr lang="en-US" dirty="0"/>
           </a:p>
           <a:p>
             <a:pPr lvl="1"/>
             <a:r>
-              <a:rPr lang="en-US" dirty="0" smtClean="0"/>
+              <a:rPr lang="en-US" dirty="0"/>
               <a:t>First </a:t>
             </a:r>
             <a:r>
-              <a:rPr lang="en-US" dirty="0" err="1" smtClean="0"/>
+              <a:rPr lang="en-US" dirty="0" err="1"/>
               <a:t>commercialised</a:t>
             </a:r>
             <a:r>
-              <a:rPr lang="en-US" dirty="0" smtClean="0"/>
+              <a:rPr lang="en-US" dirty="0"/>
               <a:t> by Oracle</a:t>
             </a:r>
           </a:p>
           <a:p>
             <a:pPr lvl="1"/>
             <a:r>
-              <a:rPr lang="en-US" dirty="0" err="1" smtClean="0"/>
+              <a:rPr lang="en-US" dirty="0" err="1"/>
               <a:t>Standardised</a:t>
             </a:r>
             <a:r>
-              <a:rPr lang="en-US" dirty="0" smtClean="0"/>
+              <a:rPr lang="en-US" dirty="0"/>
               <a:t> in 1986</a:t>
             </a:r>
           </a:p>
@@ -7741,25 +7603,24 @@
           <a:lstStyle/>
           <a:p>
             <a:r>
-              <a:rPr lang="en-US" dirty="0" smtClean="0"/>
+              <a:rPr lang="en-US" dirty="0"/>
               <a:t>Relational terminology </a:t>
             </a:r>
             <a:br>
-              <a:rPr lang="en-US" dirty="0" smtClean="0"/>
+              <a:rPr lang="en-US" dirty="0"/>
             </a:br>
             <a:r>
-              <a:rPr lang="en-US" dirty="0" smtClean="0"/>
+              <a:rPr lang="en-US" dirty="0"/>
               <a:t>(from </a:t>
             </a:r>
             <a:r>
-              <a:rPr lang="en-US" dirty="0" err="1" smtClean="0"/>
+              <a:rPr lang="en-US" dirty="0" err="1"/>
               <a:t>Codd</a:t>
             </a:r>
             <a:r>
-              <a:rPr lang="en-US" dirty="0" smtClean="0"/>
+              <a:rPr lang="en-US" dirty="0"/>
               <a:t>)</a:t>
             </a:r>
-            <a:endParaRPr lang="en-US" dirty="0"/>
           </a:p>
         </p:txBody>
       </p:sp>
@@ -7833,10 +7694,9 @@
           <a:lstStyle/>
           <a:p>
             <a:r>
-              <a:rPr lang="en-US" dirty="0" smtClean="0"/>
+              <a:rPr lang="en-US" dirty="0"/>
               <a:t>Relational Database</a:t>
             </a:r>
-            <a:endParaRPr lang="en-US" dirty="0"/>
           </a:p>
         </p:txBody>
       </p:sp>
@@ -7856,29 +7716,28 @@
           <a:lstStyle/>
           <a:p>
             <a:r>
-              <a:rPr lang="en-US" dirty="0" smtClean="0"/>
+              <a:rPr lang="en-US" dirty="0"/>
               <a:t>Every row in a table has the same attributes (columns)</a:t>
             </a:r>
           </a:p>
           <a:p>
             <a:pPr lvl="1"/>
             <a:r>
-              <a:rPr lang="en-US" dirty="0" smtClean="0"/>
+              <a:rPr lang="en-US" dirty="0"/>
               <a:t>Relations are either tables or views on those tables</a:t>
             </a:r>
           </a:p>
           <a:p>
             <a:r>
-              <a:rPr lang="en-US" dirty="0" smtClean="0"/>
+              <a:rPr lang="en-US" dirty="0"/>
               <a:t>A primary key for each row uniquely identifies it</a:t>
             </a:r>
           </a:p>
           <a:p>
             <a:r>
-              <a:rPr lang="en-US" dirty="0" smtClean="0"/>
+              <a:rPr lang="en-US" dirty="0"/>
               <a:t>A foreign key points to another table’s primary key</a:t>
             </a:r>
-            <a:endParaRPr lang="en-US" dirty="0"/>
           </a:p>
         </p:txBody>
       </p:sp>
@@ -7928,10 +7787,9 @@
           <a:lstStyle/>
           <a:p>
             <a:r>
-              <a:rPr lang="en-US" dirty="0" smtClean="0"/>
+              <a:rPr lang="en-US" dirty="0"/>
               <a:t>Relational database</a:t>
             </a:r>
-            <a:endParaRPr lang="en-US" dirty="0"/>
           </a:p>
         </p:txBody>
       </p:sp>
@@ -7961,10 +7819,34 @@
                 <a:tableStyleId>{5C22544A-7EE6-4342-B048-85BDC9FD1C3A}</a:tableStyleId>
               </a:tblPr>
               <a:tblGrid>
-                <a:gridCol w="2057400"/>
-                <a:gridCol w="2057400"/>
-                <a:gridCol w="2057400"/>
-                <a:gridCol w="2057400"/>
+                <a:gridCol w="2057400">
+                  <a:extLst>
+                    <a:ext uri="{9D8B030D-6E8A-4147-A177-3AD203B41FA5}">
+                      <a16:colId xmlns:a16="http://schemas.microsoft.com/office/drawing/2014/main" val="20000"/>
+                    </a:ext>
+                  </a:extLst>
+                </a:gridCol>
+                <a:gridCol w="2057400">
+                  <a:extLst>
+                    <a:ext uri="{9D8B030D-6E8A-4147-A177-3AD203B41FA5}">
+                      <a16:colId xmlns:a16="http://schemas.microsoft.com/office/drawing/2014/main" val="20001"/>
+                    </a:ext>
+                  </a:extLst>
+                </a:gridCol>
+                <a:gridCol w="2057400">
+                  <a:extLst>
+                    <a:ext uri="{9D8B030D-6E8A-4147-A177-3AD203B41FA5}">
+                      <a16:colId xmlns:a16="http://schemas.microsoft.com/office/drawing/2014/main" val="20002"/>
+                    </a:ext>
+                  </a:extLst>
+                </a:gridCol>
+                <a:gridCol w="2057400">
+                  <a:extLst>
+                    <a:ext uri="{9D8B030D-6E8A-4147-A177-3AD203B41FA5}">
+                      <a16:colId xmlns:a16="http://schemas.microsoft.com/office/drawing/2014/main" val="20003"/>
+                    </a:ext>
+                  </a:extLst>
+                </a:gridCol>
               </a:tblGrid>
               <a:tr h="370840">
                 <a:tc>
@@ -7973,10 +7855,9 @@
                     <a:lstStyle/>
                     <a:p>
                       <a:r>
-                        <a:rPr lang="en-US" dirty="0" smtClean="0"/>
+                        <a:rPr lang="en-US" dirty="0"/>
                         <a:t>Id</a:t>
                       </a:r>
-                      <a:endParaRPr lang="en-US" dirty="0"/>
                     </a:p>
                   </a:txBody>
                   <a:tcPr/>
@@ -7987,7 +7868,7 @@
                     <a:lstStyle/>
                     <a:p>
                       <a:r>
-                        <a:rPr lang="en-US" dirty="0" err="1" smtClean="0"/>
+                        <a:rPr lang="en-US" dirty="0" err="1"/>
                         <a:t>Firstname</a:t>
                       </a:r>
                       <a:endParaRPr lang="en-US" dirty="0"/>
@@ -8001,7 +7882,7 @@
                     <a:lstStyle/>
                     <a:p>
                       <a:r>
-                        <a:rPr lang="en-US" dirty="0" err="1" smtClean="0"/>
+                        <a:rPr lang="en-US" dirty="0" err="1"/>
                         <a:t>Lastname</a:t>
                       </a:r>
                       <a:endParaRPr lang="en-US" dirty="0"/>
@@ -8015,14 +7896,18 @@
                     <a:lstStyle/>
                     <a:p>
                       <a:r>
-                        <a:rPr lang="en-US" dirty="0" smtClean="0"/>
+                        <a:rPr lang="en-US" dirty="0"/>
                         <a:t>birthdate</a:t>
                       </a:r>
-                      <a:endParaRPr lang="en-US" dirty="0"/>
                     </a:p>
                   </a:txBody>
                   <a:tcPr/>
                 </a:tc>
+                <a:extLst>
+                  <a:ext uri="{0D108BD9-81ED-4DB2-BD59-A6C34878D82A}">
+                    <a16:rowId xmlns:a16="http://schemas.microsoft.com/office/drawing/2014/main" val="10000"/>
+                  </a:ext>
+                </a:extLst>
               </a:tr>
               <a:tr h="370840">
                 <a:tc>
@@ -8031,10 +7916,9 @@
                     <a:lstStyle/>
                     <a:p>
                       <a:r>
-                        <a:rPr lang="en-US" dirty="0" smtClean="0"/>
+                        <a:rPr lang="en-US" dirty="0"/>
                         <a:t>2587</a:t>
                       </a:r>
-                      <a:endParaRPr lang="en-US" dirty="0"/>
                     </a:p>
                   </a:txBody>
                   <a:tcPr/>
@@ -8045,10 +7929,9 @@
                     <a:lstStyle/>
                     <a:p>
                       <a:r>
-                        <a:rPr lang="en-US" dirty="0" smtClean="0"/>
+                        <a:rPr lang="en-US" dirty="0"/>
                         <a:t>John</a:t>
                       </a:r>
-                      <a:endParaRPr lang="en-US" dirty="0"/>
                     </a:p>
                   </a:txBody>
                   <a:tcPr/>
@@ -8059,10 +7942,9 @@
                     <a:lstStyle/>
                     <a:p>
                       <a:r>
-                        <a:rPr lang="en-US" dirty="0" smtClean="0"/>
+                        <a:rPr lang="en-US" dirty="0"/>
                         <a:t>Hopkins</a:t>
                       </a:r>
-                      <a:endParaRPr lang="en-US" dirty="0"/>
                     </a:p>
                   </a:txBody>
                   <a:tcPr/>
@@ -8073,14 +7955,18 @@
                     <a:lstStyle/>
                     <a:p>
                       <a:r>
-                        <a:rPr lang="en-US" dirty="0" smtClean="0"/>
+                        <a:rPr lang="en-US" dirty="0"/>
                         <a:t>5/12/1973</a:t>
                       </a:r>
-                      <a:endParaRPr lang="en-US" dirty="0"/>
                     </a:p>
                   </a:txBody>
                   <a:tcPr/>
                 </a:tc>
+                <a:extLst>
+                  <a:ext uri="{0D108BD9-81ED-4DB2-BD59-A6C34878D82A}">
+                    <a16:rowId xmlns:a16="http://schemas.microsoft.com/office/drawing/2014/main" val="10001"/>
+                  </a:ext>
+                </a:extLst>
               </a:tr>
               <a:tr h="370840">
                 <a:tc>
@@ -8089,10 +7975,9 @@
                     <a:lstStyle/>
                     <a:p>
                       <a:r>
-                        <a:rPr lang="en-US" dirty="0" smtClean="0"/>
+                        <a:rPr lang="en-US" dirty="0"/>
                         <a:t>7789</a:t>
                       </a:r>
-                      <a:endParaRPr lang="en-US" dirty="0"/>
                     </a:p>
                   </a:txBody>
                   <a:tcPr/>
@@ -8103,10 +7988,9 @@
                     <a:lstStyle/>
                     <a:p>
                       <a:r>
-                        <a:rPr lang="en-US" dirty="0" smtClean="0"/>
+                        <a:rPr lang="en-US" dirty="0"/>
                         <a:t>Henry</a:t>
                       </a:r>
-                      <a:endParaRPr lang="en-US" dirty="0"/>
                     </a:p>
                   </a:txBody>
                   <a:tcPr/>
@@ -8117,10 +8001,9 @@
                     <a:lstStyle/>
                     <a:p>
                       <a:r>
-                        <a:rPr lang="en-US" dirty="0" smtClean="0"/>
+                        <a:rPr lang="en-US" dirty="0"/>
                         <a:t>Gleeson</a:t>
                       </a:r>
-                      <a:endParaRPr lang="en-US" dirty="0"/>
                     </a:p>
                   </a:txBody>
                   <a:tcPr/>
@@ -8131,14 +8014,18 @@
                     <a:lstStyle/>
                     <a:p>
                       <a:r>
-                        <a:rPr lang="en-US" dirty="0" smtClean="0"/>
+                        <a:rPr lang="en-US" dirty="0"/>
                         <a:t>1/5/1985</a:t>
                       </a:r>
-                      <a:endParaRPr lang="en-US" dirty="0"/>
                     </a:p>
                   </a:txBody>
                   <a:tcPr/>
                 </a:tc>
+                <a:extLst>
+                  <a:ext uri="{0D108BD9-81ED-4DB2-BD59-A6C34878D82A}">
+                    <a16:rowId xmlns:a16="http://schemas.microsoft.com/office/drawing/2014/main" val="10002"/>
+                  </a:ext>
+                </a:extLst>
               </a:tr>
               <a:tr h="370840">
                 <a:tc>
@@ -8147,10 +8034,9 @@
                     <a:lstStyle/>
                     <a:p>
                       <a:r>
-                        <a:rPr lang="en-US" dirty="0" smtClean="0"/>
+                        <a:rPr lang="en-US" dirty="0"/>
                         <a:t>22398</a:t>
                       </a:r>
-                      <a:endParaRPr lang="en-US" dirty="0"/>
                     </a:p>
                   </a:txBody>
                   <a:tcPr/>
@@ -8161,10 +8047,9 @@
                     <a:lstStyle/>
                     <a:p>
                       <a:r>
-                        <a:rPr lang="en-US" dirty="0" smtClean="0"/>
+                        <a:rPr lang="en-US" dirty="0"/>
                         <a:t>Eleanor</a:t>
                       </a:r>
-                      <a:endParaRPr lang="en-US" dirty="0"/>
                     </a:p>
                   </a:txBody>
                   <a:tcPr/>
@@ -8175,10 +8060,9 @@
                     <a:lstStyle/>
                     <a:p>
                       <a:r>
-                        <a:rPr lang="en-US" dirty="0" smtClean="0"/>
+                        <a:rPr lang="en-US" dirty="0"/>
                         <a:t>Richardson</a:t>
                       </a:r>
-                      <a:endParaRPr lang="en-US" dirty="0"/>
                     </a:p>
                   </a:txBody>
                   <a:tcPr/>
@@ -8189,14 +8073,18 @@
                     <a:lstStyle/>
                     <a:p>
                       <a:r>
-                        <a:rPr lang="en-US" dirty="0" smtClean="0"/>
+                        <a:rPr lang="en-US" dirty="0"/>
                         <a:t>10/6/1996</a:t>
                       </a:r>
-                      <a:endParaRPr lang="en-US" dirty="0"/>
                     </a:p>
                   </a:txBody>
                   <a:tcPr/>
                 </a:tc>
+                <a:extLst>
+                  <a:ext uri="{0D108BD9-81ED-4DB2-BD59-A6C34878D82A}">
+                    <a16:rowId xmlns:a16="http://schemas.microsoft.com/office/drawing/2014/main" val="10003"/>
+                  </a:ext>
+                </a:extLst>
               </a:tr>
               <a:tr h="370840">
                 <a:tc>
@@ -8239,6 +8127,11 @@
                   </a:txBody>
                   <a:tcPr/>
                 </a:tc>
+                <a:extLst>
+                  <a:ext uri="{0D108BD9-81ED-4DB2-BD59-A6C34878D82A}">
+                    <a16:rowId xmlns:a16="http://schemas.microsoft.com/office/drawing/2014/main" val="10004"/>
+                  </a:ext>
+                </a:extLst>
               </a:tr>
               <a:tr h="370840">
                 <a:tc>
@@ -8281,6 +8174,11 @@
                   </a:txBody>
                   <a:tcPr/>
                 </a:tc>
+                <a:extLst>
+                  <a:ext uri="{0D108BD9-81ED-4DB2-BD59-A6C34878D82A}">
+                    <a16:rowId xmlns:a16="http://schemas.microsoft.com/office/drawing/2014/main" val="10005"/>
+                  </a:ext>
+                </a:extLst>
               </a:tr>
             </a:tbl>
           </a:graphicData>
@@ -8329,15 +8227,14 @@
         <p:spPr/>
         <p:txBody>
           <a:bodyPr>
-            <a:normAutofit fontScale="90000"/>
+            <a:normAutofit/>
           </a:bodyPr>
           <a:lstStyle/>
           <a:p>
             <a:r>
-              <a:rPr lang="en-US" dirty="0" smtClean="0"/>
+              <a:rPr lang="en-US" dirty="0"/>
               <a:t>Why are we looking at SQL today?</a:t>
             </a:r>
-            <a:endParaRPr lang="en-US" dirty="0"/>
           </a:p>
         </p:txBody>
       </p:sp>
@@ -8354,74 +8251,73 @@
         <p:spPr/>
         <p:txBody>
           <a:bodyPr>
-            <a:normAutofit fontScale="92500"/>
+            <a:normAutofit/>
           </a:bodyPr>
           <a:lstStyle/>
           <a:p>
             <a:r>
-              <a:rPr lang="en-US" dirty="0" smtClean="0"/>
+              <a:rPr lang="en-US" dirty="0"/>
               <a:t>SQL and variations are widely used </a:t>
             </a:r>
           </a:p>
           <a:p>
             <a:pPr lvl="1"/>
             <a:r>
-              <a:rPr lang="en-US" dirty="0" smtClean="0"/>
+              <a:rPr lang="en-US" dirty="0"/>
               <a:t>Not just for relational databases</a:t>
             </a:r>
           </a:p>
           <a:p>
             <a:r>
-              <a:rPr lang="en-US" dirty="0" smtClean="0"/>
+              <a:rPr lang="en-US" dirty="0"/>
               <a:t>Hive / </a:t>
             </a:r>
             <a:r>
-              <a:rPr lang="en-US" dirty="0" err="1" smtClean="0"/>
+              <a:rPr lang="en-US" dirty="0" err="1"/>
               <a:t>SparkSQL</a:t>
             </a:r>
             <a:r>
-              <a:rPr lang="en-US" dirty="0" smtClean="0"/>
+              <a:rPr lang="en-US" dirty="0"/>
               <a:t> </a:t>
             </a:r>
           </a:p>
           <a:p>
             <a:pPr lvl="1"/>
             <a:r>
-              <a:rPr lang="en-US" dirty="0" smtClean="0"/>
+              <a:rPr lang="en-US" dirty="0"/>
               <a:t>SQL over big data using map-reduce techniques</a:t>
             </a:r>
           </a:p>
           <a:p>
             <a:r>
-              <a:rPr lang="en-US" dirty="0" smtClean="0"/>
+              <a:rPr lang="en-US" dirty="0"/>
               <a:t>Siddhi / KSQL / </a:t>
             </a:r>
             <a:r>
-              <a:rPr lang="en-US" dirty="0" err="1" smtClean="0"/>
+              <a:rPr lang="en-US" dirty="0" err="1"/>
               <a:t>StreamingSQL</a:t>
             </a:r>
-            <a:endParaRPr lang="en-US" dirty="0" smtClean="0"/>
+            <a:endParaRPr lang="en-US" dirty="0"/>
           </a:p>
           <a:p>
             <a:pPr lvl="1"/>
             <a:r>
-              <a:rPr lang="en-US" dirty="0" smtClean="0"/>
+              <a:rPr lang="en-US" dirty="0"/>
               <a:t>SQL queries over real-time streaming data</a:t>
             </a:r>
           </a:p>
           <a:p>
             <a:r>
-              <a:rPr lang="en-US" dirty="0" smtClean="0"/>
+              <a:rPr lang="en-US" dirty="0"/>
               <a:t>Other SQL interfaces</a:t>
             </a:r>
           </a:p>
           <a:p>
             <a:pPr lvl="1"/>
             <a:r>
-              <a:rPr lang="en-US" dirty="0" smtClean="0"/>
+              <a:rPr lang="en-US" dirty="0"/>
               <a:t>e.g. SQL into Sloan Digital Sky Survey</a:t>
             </a:r>
-            <a:endParaRPr lang="en-US" dirty="0"/>
           </a:p>
         </p:txBody>
       </p:sp>
@@ -8471,10 +8367,9 @@
           <a:lstStyle/>
           <a:p>
             <a:r>
-              <a:rPr lang="en-US" dirty="0" smtClean="0"/>
+              <a:rPr lang="en-US" dirty="0"/>
               <a:t>Entity Relationship Diagram</a:t>
             </a:r>
-            <a:endParaRPr lang="en-US" dirty="0"/>
           </a:p>
         </p:txBody>
       </p:sp>
@@ -8550,17 +8445,16 @@
           <a:lstStyle/>
           <a:p>
             <a:r>
-              <a:rPr lang="en-US" dirty="0" smtClean="0"/>
+              <a:rPr lang="en-US" dirty="0"/>
               <a:t>SQL STATEMENTS </a:t>
             </a:r>
             <a:br>
-              <a:rPr lang="en-US" dirty="0" smtClean="0"/>
+              <a:rPr lang="en-US" dirty="0"/>
             </a:br>
             <a:r>
-              <a:rPr lang="en-US" sz="3100" dirty="0" smtClean="0"/>
+              <a:rPr lang="en-US" sz="3100" dirty="0"/>
               <a:t>corresponding to the previous diagram</a:t>
             </a:r>
-            <a:endParaRPr lang="en-US" sz="3100" dirty="0"/>
           </a:p>
         </p:txBody>
       </p:sp>

--- a/pres-source/04-sql.pptx
+++ b/pres-source/04-sql.pptx
@@ -5,7 +5,7 @@
     <p:sldMasterId id="2147483648" r:id="rId1"/>
   </p:sldMasterIdLst>
   <p:notesMasterIdLst>
-    <p:notesMasterId r:id="rId30"/>
+    <p:notesMasterId r:id="rId31"/>
   </p:notesMasterIdLst>
   <p:sldIdLst>
     <p:sldId id="256" r:id="rId2"/>
@@ -22,20 +22,21 @@
     <p:sldId id="273" r:id="rId13"/>
     <p:sldId id="274" r:id="rId14"/>
     <p:sldId id="275" r:id="rId15"/>
-    <p:sldId id="276" r:id="rId16"/>
-    <p:sldId id="277" r:id="rId17"/>
-    <p:sldId id="271" r:id="rId18"/>
-    <p:sldId id="278" r:id="rId19"/>
-    <p:sldId id="269" r:id="rId20"/>
-    <p:sldId id="284" r:id="rId21"/>
-    <p:sldId id="285" r:id="rId22"/>
-    <p:sldId id="279" r:id="rId23"/>
-    <p:sldId id="280" r:id="rId24"/>
-    <p:sldId id="281" r:id="rId25"/>
-    <p:sldId id="282" r:id="rId26"/>
-    <p:sldId id="283" r:id="rId27"/>
-    <p:sldId id="270" r:id="rId28"/>
-    <p:sldId id="286" r:id="rId29"/>
+    <p:sldId id="287" r:id="rId16"/>
+    <p:sldId id="288" r:id="rId17"/>
+    <p:sldId id="276" r:id="rId18"/>
+    <p:sldId id="277" r:id="rId19"/>
+    <p:sldId id="271" r:id="rId20"/>
+    <p:sldId id="278" r:id="rId21"/>
+    <p:sldId id="269" r:id="rId22"/>
+    <p:sldId id="284" r:id="rId23"/>
+    <p:sldId id="285" r:id="rId24"/>
+    <p:sldId id="279" r:id="rId25"/>
+    <p:sldId id="280" r:id="rId26"/>
+    <p:sldId id="281" r:id="rId27"/>
+    <p:sldId id="282" r:id="rId28"/>
+    <p:sldId id="283" r:id="rId29"/>
+    <p:sldId id="270" r:id="rId30"/>
   </p:sldIdLst>
   <p:sldSz cx="9144000" cy="6858000" type="screen4x3"/>
   <p:notesSz cx="6858000" cy="9144000"/>
@@ -240,7 +241,7 @@
             <a:fld id="{7307762F-A706-E543-A832-3C298AA3103F}" type="datetimeFigureOut">
               <a:rPr lang="en-US" smtClean="0"/>
               <a:pPr/>
-              <a:t>2/16/19</a:t>
+              <a:t>2/20/19</a:t>
             </a:fld>
             <a:endParaRPr lang="en-US" dirty="0"/>
           </a:p>
@@ -512,6 +513,284 @@
 </p:notesMaster>
 </file>
 
+<file path=ppt/notesSlides/notesSlide1.xml><?xml version="1.0" encoding="utf-8"?>
+<p:notes xmlns:a="http://schemas.openxmlformats.org/drawingml/2006/main" xmlns:r="http://schemas.openxmlformats.org/officeDocument/2006/relationships" xmlns:p="http://schemas.openxmlformats.org/presentationml/2006/main">
+  <p:cSld>
+    <p:spTree>
+      <p:nvGrpSpPr>
+        <p:cNvPr id="1" name=""/>
+        <p:cNvGrpSpPr/>
+        <p:nvPr/>
+      </p:nvGrpSpPr>
+      <p:grpSpPr>
+        <a:xfrm>
+          <a:off x="0" y="0"/>
+          <a:ext cx="0" cy="0"/>
+          <a:chOff x="0" y="0"/>
+          <a:chExt cx="0" cy="0"/>
+        </a:xfrm>
+      </p:grpSpPr>
+      <p:sp>
+        <p:nvSpPr>
+          <p:cNvPr id="2" name="Slide Image Placeholder 1"/>
+          <p:cNvSpPr>
+            <a:spLocks noGrp="1" noRot="1" noChangeAspect="1"/>
+          </p:cNvSpPr>
+          <p:nvPr>
+            <p:ph type="sldImg"/>
+          </p:nvPr>
+        </p:nvSpPr>
+        <p:spPr/>
+      </p:sp>
+      <p:sp>
+        <p:nvSpPr>
+          <p:cNvPr id="3" name="Notes Placeholder 2"/>
+          <p:cNvSpPr>
+            <a:spLocks noGrp="1"/>
+          </p:cNvSpPr>
+          <p:nvPr>
+            <p:ph type="body" idx="1"/>
+          </p:nvPr>
+        </p:nvSpPr>
+        <p:spPr/>
+        <p:txBody>
+          <a:bodyPr/>
+          <a:lstStyle/>
+          <a:p>
+            <a:r>
+              <a:rPr lang="en-US" dirty="0"/>
+              <a:t>Siddhi = open-source software for processing data streams in real time, written in Java, </a:t>
+            </a:r>
+            <a:r>
+              <a:rPr lang="en-US" dirty="0" err="1"/>
+              <a:t>optimised</a:t>
+            </a:r>
+            <a:r>
+              <a:rPr lang="en-US" dirty="0"/>
+              <a:t> for high performance; used by companies like Uber and </a:t>
+            </a:r>
+            <a:r>
+              <a:rPr lang="en-US" dirty="0" err="1"/>
+              <a:t>Ebay</a:t>
+            </a:r>
+            <a:endParaRPr lang="en-US" dirty="0"/>
+          </a:p>
+          <a:p>
+            <a:r>
+              <a:rPr lang="en-US" dirty="0"/>
+              <a:t>KSQL = </a:t>
+            </a:r>
+            <a:r>
+              <a:rPr lang="en-US" dirty="0" err="1"/>
+              <a:t>strraming</a:t>
+            </a:r>
+            <a:r>
+              <a:rPr lang="en-US" dirty="0"/>
+              <a:t> </a:t>
+            </a:r>
+            <a:r>
+              <a:rPr lang="en-US" dirty="0" err="1"/>
+              <a:t>sql</a:t>
+            </a:r>
+            <a:r>
+              <a:rPr lang="en-US" dirty="0"/>
+              <a:t> for apache </a:t>
+            </a:r>
+            <a:r>
+              <a:rPr lang="en-US" dirty="0" err="1"/>
+              <a:t>karka</a:t>
+            </a:r>
+            <a:endParaRPr lang="en-US" dirty="0"/>
+          </a:p>
+          <a:p>
+            <a:r>
+              <a:rPr lang="en-US" dirty="0"/>
+              <a:t>Sloan digital sky survey = detailed three dimensional maps of the universe</a:t>
+            </a:r>
+          </a:p>
+        </p:txBody>
+      </p:sp>
+      <p:sp>
+        <p:nvSpPr>
+          <p:cNvPr id="4" name="Slide Number Placeholder 3"/>
+          <p:cNvSpPr>
+            <a:spLocks noGrp="1"/>
+          </p:cNvSpPr>
+          <p:nvPr>
+            <p:ph type="sldNum" sz="quarter" idx="5"/>
+          </p:nvPr>
+        </p:nvSpPr>
+        <p:spPr/>
+        <p:txBody>
+          <a:bodyPr/>
+          <a:lstStyle/>
+          <a:p>
+            <a:fld id="{BC39F3E1-B436-EB4D-8332-DAA0486A7B2B}" type="slidenum">
+              <a:rPr lang="en-US" smtClean="0"/>
+              <a:pPr/>
+              <a:t>7</a:t>
+            </a:fld>
+            <a:endParaRPr lang="en-US" dirty="0"/>
+          </a:p>
+        </p:txBody>
+      </p:sp>
+    </p:spTree>
+    <p:extLst>
+      <p:ext uri="{BB962C8B-B14F-4D97-AF65-F5344CB8AC3E}">
+        <p14:creationId xmlns:p14="http://schemas.microsoft.com/office/powerpoint/2010/main" val="1716614446"/>
+      </p:ext>
+    </p:extLst>
+  </p:cSld>
+  <p:clrMapOvr>
+    <a:masterClrMapping/>
+  </p:clrMapOvr>
+</p:notes>
+</file>
+
+<file path=ppt/notesSlides/notesSlide2.xml><?xml version="1.0" encoding="utf-8"?>
+<p:notes xmlns:a="http://schemas.openxmlformats.org/drawingml/2006/main" xmlns:r="http://schemas.openxmlformats.org/officeDocument/2006/relationships" xmlns:p="http://schemas.openxmlformats.org/presentationml/2006/main">
+  <p:cSld>
+    <p:spTree>
+      <p:nvGrpSpPr>
+        <p:cNvPr id="1" name=""/>
+        <p:cNvGrpSpPr/>
+        <p:nvPr/>
+      </p:nvGrpSpPr>
+      <p:grpSpPr>
+        <a:xfrm>
+          <a:off x="0" y="0"/>
+          <a:ext cx="0" cy="0"/>
+          <a:chOff x="0" y="0"/>
+          <a:chExt cx="0" cy="0"/>
+        </a:xfrm>
+      </p:grpSpPr>
+      <p:sp>
+        <p:nvSpPr>
+          <p:cNvPr id="2" name="Slide Image Placeholder 1"/>
+          <p:cNvSpPr>
+            <a:spLocks noGrp="1" noRot="1" noChangeAspect="1"/>
+          </p:cNvSpPr>
+          <p:nvPr>
+            <p:ph type="sldImg"/>
+          </p:nvPr>
+        </p:nvSpPr>
+        <p:spPr/>
+      </p:sp>
+      <p:sp>
+        <p:nvSpPr>
+          <p:cNvPr id="3" name="Notes Placeholder 2"/>
+          <p:cNvSpPr>
+            <a:spLocks noGrp="1"/>
+          </p:cNvSpPr>
+          <p:nvPr>
+            <p:ph type="body" idx="1"/>
+          </p:nvPr>
+        </p:nvSpPr>
+        <p:spPr/>
+        <p:txBody>
+          <a:bodyPr/>
+          <a:lstStyle/>
+          <a:p>
+            <a:r>
+              <a:rPr lang="en-US" dirty="0"/>
+              <a:t>What is this trying to do?</a:t>
+            </a:r>
+          </a:p>
+          <a:p>
+            <a:r>
+              <a:rPr lang="en-US" dirty="0"/>
+              <a:t>What errors can you see?  </a:t>
+            </a:r>
+          </a:p>
+          <a:p>
+            <a:r>
+              <a:rPr lang="en-US" dirty="0"/>
+              <a:t>The [0] should be outside the brackets on the 4</a:t>
+            </a:r>
+            <a:r>
+              <a:rPr lang="en-US" baseline="30000" dirty="0"/>
+              <a:t>th</a:t>
+            </a:r>
+            <a:r>
+              <a:rPr lang="en-US" dirty="0"/>
+              <a:t> line.  There is also a </a:t>
+            </a:r>
+            <a:r>
+              <a:rPr lang="en-US" dirty="0" err="1"/>
+              <a:t>probem</a:t>
+            </a:r>
+            <a:r>
+              <a:rPr lang="en-US" dirty="0"/>
+              <a:t> with using </a:t>
+            </a:r>
+            <a:r>
+              <a:rPr lang="en-US" dirty="0" err="1"/>
+              <a:t>withColumn</a:t>
+            </a:r>
+            <a:r>
+              <a:rPr lang="en-US" dirty="0"/>
+              <a:t> like this.</a:t>
+            </a:r>
+          </a:p>
+          <a:p>
+            <a:r>
+              <a:rPr lang="en-US" dirty="0"/>
+              <a:t>There is an end bracket missing at the end of the where statement</a:t>
+            </a:r>
+          </a:p>
+          <a:p>
+            <a:r>
+              <a:rPr lang="en-US" dirty="0"/>
+              <a:t>Can’t use split </a:t>
+            </a:r>
+            <a:r>
+              <a:rPr lang="en-US"/>
+              <a:t>like this</a:t>
+            </a:r>
+            <a:endParaRPr lang="en-US" dirty="0"/>
+          </a:p>
+          <a:p>
+            <a:endParaRPr lang="en-US" dirty="0"/>
+          </a:p>
+        </p:txBody>
+      </p:sp>
+      <p:sp>
+        <p:nvSpPr>
+          <p:cNvPr id="4" name="Slide Number Placeholder 3"/>
+          <p:cNvSpPr>
+            <a:spLocks noGrp="1"/>
+          </p:cNvSpPr>
+          <p:nvPr>
+            <p:ph type="sldNum" sz="quarter" idx="5"/>
+          </p:nvPr>
+        </p:nvSpPr>
+        <p:spPr/>
+        <p:txBody>
+          <a:bodyPr/>
+          <a:lstStyle/>
+          <a:p>
+            <a:fld id="{BC39F3E1-B436-EB4D-8332-DAA0486A7B2B}" type="slidenum">
+              <a:rPr lang="en-US" smtClean="0"/>
+              <a:pPr/>
+              <a:t>27</a:t>
+            </a:fld>
+            <a:endParaRPr lang="en-US" dirty="0"/>
+          </a:p>
+        </p:txBody>
+      </p:sp>
+    </p:spTree>
+    <p:extLst>
+      <p:ext uri="{BB962C8B-B14F-4D97-AF65-F5344CB8AC3E}">
+        <p14:creationId xmlns:p14="http://schemas.microsoft.com/office/powerpoint/2010/main" val="1945953459"/>
+      </p:ext>
+    </p:extLst>
+  </p:cSld>
+  <p:clrMapOvr>
+    <a:masterClrMapping/>
+  </p:clrMapOvr>
+</p:notes>
+</file>
+
 <file path=ppt/slideLayouts/slideLayout1.xml><?xml version="1.0" encoding="utf-8"?>
 <p:sldLayout xmlns:a="http://schemas.openxmlformats.org/drawingml/2006/main" xmlns:r="http://schemas.openxmlformats.org/officeDocument/2006/relationships" xmlns:p="http://schemas.openxmlformats.org/presentationml/2006/main" type="title" preserve="1">
   <p:cSld name="Title Slide">
@@ -802,7 +1081,7 @@
           <a:p>
             <a:fld id="{875CF0EB-321F-0749-B37A-89BBA859503C}" type="datetimeFigureOut">
               <a:rPr lang="en-US" smtClean="0"/>
-              <a:t>2/16/19</a:t>
+              <a:t>2/20/19</a:t>
             </a:fld>
             <a:endParaRPr lang="en-US"/>
           </a:p>
@@ -1004,7 +1283,7 @@
           <a:p>
             <a:fld id="{875CF0EB-321F-0749-B37A-89BBA859503C}" type="datetimeFigureOut">
               <a:rPr lang="en-US" smtClean="0"/>
-              <a:t>2/16/19</a:t>
+              <a:t>2/20/19</a:t>
             </a:fld>
             <a:endParaRPr lang="en-US"/>
           </a:p>
@@ -1196,7 +1475,7 @@
           <a:p>
             <a:fld id="{875CF0EB-321F-0749-B37A-89BBA859503C}" type="datetimeFigureOut">
               <a:rPr lang="en-US" smtClean="0"/>
-              <a:t>2/16/19</a:t>
+              <a:t>2/20/19</a:t>
             </a:fld>
             <a:endParaRPr lang="en-US"/>
           </a:p>
@@ -1465,7 +1744,7 @@
           <a:p>
             <a:fld id="{875CF0EB-321F-0749-B37A-89BBA859503C}" type="datetimeFigureOut">
               <a:rPr lang="en-US" smtClean="0"/>
-              <a:t>2/16/19</a:t>
+              <a:t>2/20/19</a:t>
             </a:fld>
             <a:endParaRPr lang="en-US"/>
           </a:p>
@@ -1774,7 +2053,7 @@
           <a:p>
             <a:fld id="{875CF0EB-321F-0749-B37A-89BBA859503C}" type="datetimeFigureOut">
               <a:rPr lang="en-US" smtClean="0"/>
-              <a:t>2/16/19</a:t>
+              <a:t>2/20/19</a:t>
             </a:fld>
             <a:endParaRPr lang="en-US"/>
           </a:p>
@@ -2217,7 +2496,7 @@
           <a:p>
             <a:fld id="{875CF0EB-321F-0749-B37A-89BBA859503C}" type="datetimeFigureOut">
               <a:rPr lang="en-US" smtClean="0"/>
-              <a:t>2/16/19</a:t>
+              <a:t>2/20/19</a:t>
             </a:fld>
             <a:endParaRPr lang="en-US"/>
           </a:p>
@@ -2358,7 +2637,7 @@
           <a:p>
             <a:fld id="{875CF0EB-321F-0749-B37A-89BBA859503C}" type="datetimeFigureOut">
               <a:rPr lang="en-US" smtClean="0"/>
-              <a:t>2/16/19</a:t>
+              <a:t>2/20/19</a:t>
             </a:fld>
             <a:endParaRPr lang="en-US"/>
           </a:p>
@@ -2477,7 +2756,7 @@
           <a:p>
             <a:fld id="{875CF0EB-321F-0749-B37A-89BBA859503C}" type="datetimeFigureOut">
               <a:rPr lang="en-US" smtClean="0"/>
-              <a:t>2/16/19</a:t>
+              <a:t>2/20/19</a:t>
             </a:fld>
             <a:endParaRPr lang="en-US"/>
           </a:p>
@@ -2776,7 +3055,7 @@
           <a:p>
             <a:fld id="{875CF0EB-321F-0749-B37A-89BBA859503C}" type="datetimeFigureOut">
               <a:rPr lang="en-US" smtClean="0"/>
-              <a:t>2/16/19</a:t>
+              <a:t>2/20/19</a:t>
             </a:fld>
             <a:endParaRPr lang="en-US"/>
           </a:p>
@@ -3052,7 +3331,7 @@
           <a:p>
             <a:fld id="{875CF0EB-321F-0749-B37A-89BBA859503C}" type="datetimeFigureOut">
               <a:rPr lang="en-US" smtClean="0"/>
-              <a:t>2/16/19</a:t>
+              <a:t>2/20/19</a:t>
             </a:fld>
             <a:endParaRPr lang="en-US"/>
           </a:p>
@@ -3266,14 +3545,14 @@
           </a:ln>
           <a:extLst>
             <a:ext uri="{909E8E84-426E-40dd-AFC4-6F175D3DCCD1}">
-              <a14:hiddenFill xmlns:a14="http://schemas.microsoft.com/office/drawing/2010/main" xmlns="">
+              <a14:hiddenFill xmlns="" xmlns:a14="http://schemas.microsoft.com/office/drawing/2010/main">
                 <a:solidFill>
                   <a:srgbClr val="FFFFFF"/>
                 </a:solidFill>
               </a14:hiddenFill>
             </a:ext>
             <a:ext uri="{91240B29-F687-4f45-9708-019B960494DF}">
-              <a14:hiddenLine xmlns:a14="http://schemas.microsoft.com/office/drawing/2010/main" xmlns="" w="9525">
+              <a14:hiddenLine xmlns="" xmlns:a14="http://schemas.microsoft.com/office/drawing/2010/main" w="9525">
                 <a:solidFill>
                   <a:srgbClr val="000000"/>
                 </a:solidFill>
@@ -3827,14 +4106,14 @@
           <a:noFill/>
           <a:extLst>
             <a:ext uri="{909E8E84-426E-40dd-AFC4-6F175D3DCCD1}">
-              <a14:hiddenFill xmlns:a14="http://schemas.microsoft.com/office/drawing/2010/main" xmlns="">
+              <a14:hiddenFill xmlns="" xmlns:a14="http://schemas.microsoft.com/office/drawing/2010/main">
                 <a:solidFill>
                   <a:srgbClr val="FFFFFF"/>
                 </a:solidFill>
               </a14:hiddenFill>
             </a:ext>
             <a:ext uri="{91240B29-F687-4f45-9708-019B960494DF}">
-              <a14:hiddenLine xmlns:a14="http://schemas.microsoft.com/office/drawing/2010/main" xmlns="" w="9525">
+              <a14:hiddenLine xmlns="" xmlns:a14="http://schemas.microsoft.com/office/drawing/2010/main" w="9525">
                 <a:solidFill>
                   <a:srgbClr val="000000"/>
                 </a:solidFill>
@@ -3883,14 +4162,14 @@
           <a:noFill/>
           <a:extLst>
             <a:ext uri="{909E8E84-426E-40dd-AFC4-6F175D3DCCD1}">
-              <a14:hiddenFill xmlns:a14="http://schemas.microsoft.com/office/drawing/2010/main" xmlns="">
+              <a14:hiddenFill xmlns="" xmlns:a14="http://schemas.microsoft.com/office/drawing/2010/main">
                 <a:solidFill>
                   <a:srgbClr val="FFFFFF"/>
                 </a:solidFill>
               </a14:hiddenFill>
             </a:ext>
             <a:ext uri="{91240B29-F687-4f45-9708-019B960494DF}">
-              <a14:hiddenLine xmlns:a14="http://schemas.microsoft.com/office/drawing/2010/main" xmlns="" w="9525">
+              <a14:hiddenLine xmlns="" xmlns:a14="http://schemas.microsoft.com/office/drawing/2010/main" w="9525">
                 <a:solidFill>
                   <a:srgbClr val="000000"/>
                 </a:solidFill>
@@ -3916,7 +4195,17 @@
                 <a:ea typeface="ヒラギノ角ゴ ProN W3" charset="0"/>
                 <a:cs typeface="ヒラギノ角ゴ ProN W3" charset="0"/>
               </a:rPr>
-              <a:t>Dec 2017</a:t>
+              <a:t>Julie Weeds</a:t>
+            </a:r>
+          </a:p>
+          <a:p>
+            <a:pPr eaLnBrk="1" hangingPunct="1"/>
+            <a:r>
+              <a:rPr lang="en-US" dirty="0">
+                <a:ea typeface="ヒラギノ角ゴ ProN W3" charset="0"/>
+                <a:cs typeface="ヒラギノ角ゴ ProN W3" charset="0"/>
+              </a:rPr>
+              <a:t>March 2019</a:t>
             </a:r>
           </a:p>
         </p:txBody>
@@ -4064,7 +4353,7 @@
             </a:br>
             <a:r>
               <a:rPr lang="en-US" dirty="0"/>
-              <a:t>	(2343, "Eleanor", "Smith", "1995-1-9");</a:t>
+              <a:t>	(2343, "Eleanor", "Gleeson", "1995-1-9");</a:t>
             </a:r>
           </a:p>
           <a:p>
@@ -4225,7 +4514,35 @@
                 <a:latin typeface="Menlo Bold"/>
                 <a:cs typeface="Menlo Bold"/>
               </a:rPr>
-              <a:t>2343        Eleanor     Smith       1995-1-9  </a:t>
+              <a:t>2343        </a:t>
+            </a:r>
+            <a:r>
+              <a:rPr lang="mr-IN" sz="2000" dirty="0" err="1">
+                <a:latin typeface="Menlo Bold"/>
+                <a:cs typeface="Menlo Bold"/>
+              </a:rPr>
+              <a:t>Eleanor</a:t>
+            </a:r>
+            <a:r>
+              <a:rPr lang="mr-IN" sz="2000" dirty="0">
+                <a:latin typeface="Menlo Bold"/>
+                <a:cs typeface="Menlo Bold"/>
+              </a:rPr>
+              <a:t>     </a:t>
+            </a:r>
+            <a:r>
+              <a:rPr lang="en-GB" sz="2000" dirty="0">
+                <a:latin typeface="Menlo Bold"/>
+                <a:cs typeface="Menlo Bold"/>
+              </a:rPr>
+              <a:t>Gleeson</a:t>
+            </a:r>
+            <a:r>
+              <a:rPr lang="mr-IN" sz="2000" dirty="0">
+                <a:latin typeface="Menlo Bold"/>
+                <a:cs typeface="Menlo Bold"/>
+              </a:rPr>
+              <a:t>       1995-1-9  </a:t>
             </a:r>
           </a:p>
           <a:p>
@@ -4534,7 +4851,35 @@
                 <a:latin typeface="Menlo Bold"/>
                 <a:cs typeface="Menlo Bold"/>
               </a:rPr>
-              <a:t>2343        Eleanor     Smith       1995-1-9  </a:t>
+              <a:t>2343        </a:t>
+            </a:r>
+            <a:r>
+              <a:rPr lang="mr-IN" sz="2000" dirty="0" err="1">
+                <a:latin typeface="Menlo Bold"/>
+                <a:cs typeface="Menlo Bold"/>
+              </a:rPr>
+              <a:t>Eleanor</a:t>
+            </a:r>
+            <a:r>
+              <a:rPr lang="mr-IN" sz="2000" dirty="0">
+                <a:latin typeface="Menlo Bold"/>
+                <a:cs typeface="Menlo Bold"/>
+              </a:rPr>
+              <a:t>     </a:t>
+            </a:r>
+            <a:r>
+              <a:rPr lang="en-GB" sz="2000" dirty="0">
+                <a:latin typeface="Menlo Bold"/>
+                <a:cs typeface="Menlo Bold"/>
+              </a:rPr>
+              <a:t>Gleeson</a:t>
+            </a:r>
+            <a:r>
+              <a:rPr lang="mr-IN" sz="2000" dirty="0">
+                <a:latin typeface="Menlo Bold"/>
+                <a:cs typeface="Menlo Bold"/>
+              </a:rPr>
+              <a:t>       1995-1-9  </a:t>
             </a:r>
           </a:p>
           <a:p>
@@ -4772,7 +5117,7 @@
           <a:p>
             <a:r>
               <a:rPr lang="en-US" dirty="0"/>
-              <a:t>SELECT </a:t>
+              <a:t>SELECT</a:t>
             </a:r>
           </a:p>
         </p:txBody>
@@ -4798,76 +5143,36 @@
               <a:buNone/>
             </a:pPr>
             <a:r>
-              <a:rPr lang="en-US" sz="2400" dirty="0">
-                <a:latin typeface="Menlo Bold"/>
-                <a:cs typeface="Menlo Bold"/>
-              </a:rPr>
+              <a:rPr lang="en-US" sz="2800" dirty="0"/>
               <a:t>SELECT </a:t>
             </a:r>
             <a:r>
-              <a:rPr lang="en-US" sz="2400" dirty="0" err="1">
-                <a:latin typeface="Menlo Bold"/>
-                <a:cs typeface="Menlo Bold"/>
-              </a:rPr>
+              <a:rPr lang="en-US" sz="2800" dirty="0" err="1"/>
+              <a:t>lastname</a:t>
+            </a:r>
+            <a:r>
+              <a:rPr lang="en-US" sz="2800" dirty="0"/>
+              <a:t> FROM person     </a:t>
+            </a:r>
+            <a:br>
+              <a:rPr lang="en-US" sz="2800" dirty="0"/>
+            </a:br>
+            <a:r>
+              <a:rPr lang="en-US" sz="2800" dirty="0"/>
+              <a:t>     ORDER BY </a:t>
+            </a:r>
+            <a:r>
+              <a:rPr lang="en-US" sz="2800" dirty="0" err="1"/>
               <a:t>firstname</a:t>
             </a:r>
             <a:r>
-              <a:rPr lang="en-US" sz="2400" dirty="0">
-                <a:latin typeface="Menlo Bold"/>
-                <a:cs typeface="Menlo Bold"/>
-              </a:rPr>
-              <a:t>, </a:t>
-            </a:r>
-            <a:r>
-              <a:rPr lang="en-US" sz="2400" dirty="0" err="1">
-                <a:latin typeface="Menlo Bold"/>
-                <a:cs typeface="Menlo Bold"/>
-              </a:rPr>
-              <a:t>lastname</a:t>
-            </a:r>
-            <a:r>
-              <a:rPr lang="en-US" sz="2400" dirty="0">
-                <a:latin typeface="Menlo Bold"/>
-                <a:cs typeface="Menlo Bold"/>
-              </a:rPr>
-              <a:t> FROM person </a:t>
+              <a:rPr lang="en-US" sz="2800" dirty="0"/>
+              <a:t>;</a:t>
             </a:r>
             <a:br>
-              <a:rPr lang="en-US" sz="2400" dirty="0">
-                <a:latin typeface="Menlo Bold"/>
-                <a:cs typeface="Menlo Bold"/>
-              </a:rPr>
+              <a:rPr lang="en-US" sz="2800" dirty="0"/>
             </a:br>
-            <a:r>
-              <a:rPr lang="en-US" sz="2400" dirty="0">
-                <a:latin typeface="Menlo Bold"/>
-                <a:cs typeface="Menlo Bold"/>
-              </a:rPr>
-              <a:t>	ORDER BY </a:t>
-            </a:r>
-            <a:r>
-              <a:rPr lang="en-US" sz="2400" dirty="0" err="1">
-                <a:latin typeface="Menlo Bold"/>
-                <a:cs typeface="Menlo Bold"/>
-              </a:rPr>
-              <a:t>lastname</a:t>
-            </a:r>
-            <a:r>
-              <a:rPr lang="en-US" sz="2400" dirty="0">
-                <a:latin typeface="Menlo Bold"/>
-                <a:cs typeface="Menlo Bold"/>
-              </a:rPr>
-              <a:t> LIMIT 1;</a:t>
-            </a:r>
-          </a:p>
-          <a:p>
-            <a:pPr marL="0" indent="0">
-              <a:buNone/>
-            </a:pPr>
-            <a:endParaRPr lang="en-US" sz="2800" dirty="0">
-              <a:latin typeface="Menlo Bold"/>
-              <a:cs typeface="Menlo Bold"/>
-            </a:endParaRPr>
+            <a:endParaRPr lang="en-US" sz="2800" dirty="0"/>
           </a:p>
           <a:p>
             <a:pPr marL="0" indent="0">
@@ -4878,28 +5183,26 @@
                 <a:latin typeface="Menlo Bold"/>
                 <a:cs typeface="Menlo Bold"/>
               </a:rPr>
-              <a:t>firstname</a:t>
+              <a:t>lastname</a:t>
             </a:r>
             <a:r>
               <a:rPr lang="en-US" sz="2800" dirty="0">
                 <a:latin typeface="Menlo Bold"/>
                 <a:cs typeface="Menlo Bold"/>
               </a:rPr>
-              <a:t>   </a:t>
-            </a:r>
-            <a:r>
-              <a:rPr lang="en-US" sz="2800" dirty="0" err="1">
-                <a:latin typeface="Menlo Bold"/>
-                <a:cs typeface="Menlo Bold"/>
-              </a:rPr>
-              <a:t>lastname</a:t>
-            </a:r>
+              <a:t>  </a:t>
+            </a:r>
+          </a:p>
+          <a:p>
+            <a:pPr marL="0" indent="0">
+              <a:buNone/>
+            </a:pPr>
             <a:r>
               <a:rPr lang="en-US" sz="2800" dirty="0">
                 <a:latin typeface="Menlo Bold"/>
                 <a:cs typeface="Menlo Bold"/>
               </a:rPr>
-              <a:t>  </a:t>
+              <a:t>----------</a:t>
             </a:r>
           </a:p>
           <a:p>
@@ -4911,7 +5214,7 @@
                 <a:latin typeface="Menlo Bold"/>
                 <a:cs typeface="Menlo Bold"/>
               </a:rPr>
-              <a:t>----------  ----------</a:t>
+              <a:t>Gleeson</a:t>
             </a:r>
           </a:p>
           <a:p>
@@ -4923,24 +5226,94 @@
                 <a:latin typeface="Menlo Bold"/>
                 <a:cs typeface="Menlo Bold"/>
               </a:rPr>
-              <a:t>Henry       Gleeson   </a:t>
-            </a:r>
-          </a:p>
-          <a:p>
-            <a:pPr marL="0" indent="0">
-              <a:buNone/>
-            </a:pPr>
-            <a:endParaRPr lang="en-US" sz="2800" dirty="0">
-              <a:latin typeface="Menlo Bold"/>
-              <a:cs typeface="Menlo Bold"/>
-            </a:endParaRPr>
+              <a:t>Gleeson           </a:t>
+            </a:r>
+          </a:p>
+        </p:txBody>
+      </p:sp>
+      <p:sp>
+        <p:nvSpPr>
+          <p:cNvPr id="4" name="Right Brace 3">
+            <a:extLst>
+              <a:ext uri="{FF2B5EF4-FFF2-40B4-BE49-F238E27FC236}">
+                <a16:creationId xmlns:a16="http://schemas.microsoft.com/office/drawing/2014/main" id="{FA106073-DF24-1E4F-AC6E-D3E8C4C2CF10}"/>
+              </a:ext>
+            </a:extLst>
+          </p:cNvPr>
+          <p:cNvSpPr/>
+          <p:nvPr/>
+        </p:nvSpPr>
+        <p:spPr>
+          <a:xfrm>
+            <a:off x="4216400" y="3860800"/>
+            <a:ext cx="372533" cy="1185333"/>
+          </a:xfrm>
+          <a:prstGeom prst="rightBrace">
+            <a:avLst/>
+          </a:prstGeom>
+        </p:spPr>
+        <p:style>
+          <a:lnRef idx="2">
+            <a:schemeClr val="accent1"/>
+          </a:lnRef>
+          <a:fillRef idx="0">
+            <a:schemeClr val="accent1"/>
+          </a:fillRef>
+          <a:effectRef idx="1">
+            <a:schemeClr val="accent1"/>
+          </a:effectRef>
+          <a:fontRef idx="minor">
+            <a:schemeClr val="tx1"/>
+          </a:fontRef>
+        </p:style>
+        <p:txBody>
+          <a:bodyPr rtlCol="0" anchor="ctr"/>
+          <a:lstStyle/>
+          <a:p>
+            <a:pPr algn="ctr"/>
+            <a:endParaRPr lang="en-US"/>
+          </a:p>
+        </p:txBody>
+      </p:sp>
+      <p:sp>
+        <p:nvSpPr>
+          <p:cNvPr id="5" name="TextBox 4">
+            <a:extLst>
+              <a:ext uri="{FF2B5EF4-FFF2-40B4-BE49-F238E27FC236}">
+                <a16:creationId xmlns:a16="http://schemas.microsoft.com/office/drawing/2014/main" id="{C24D46F8-BF8A-2744-8164-38D2BEAE4482}"/>
+              </a:ext>
+            </a:extLst>
+          </p:cNvPr>
+          <p:cNvSpPr txBox="1"/>
+          <p:nvPr/>
+        </p:nvSpPr>
+        <p:spPr>
+          <a:xfrm>
+            <a:off x="4792134" y="4268799"/>
+            <a:ext cx="4182534" cy="646331"/>
+          </a:xfrm>
+          <a:prstGeom prst="rect">
+            <a:avLst/>
+          </a:prstGeom>
+          <a:noFill/>
+        </p:spPr>
+        <p:txBody>
+          <a:bodyPr wrap="square" rtlCol="0">
+            <a:spAutoFit/>
+          </a:bodyPr>
+          <a:lstStyle/>
+          <a:p>
+            <a:r>
+              <a:rPr lang="en-US" dirty="0"/>
+              <a:t>duplicate rows means that an SQL database is not really a relational database</a:t>
+            </a:r>
           </a:p>
         </p:txBody>
       </p:sp>
     </p:spTree>
     <p:extLst>
       <p:ext uri="{BB962C8B-B14F-4D97-AF65-F5344CB8AC3E}">
-        <p14:creationId xmlns:p14="http://schemas.microsoft.com/office/powerpoint/2010/main" val="1687311541"/>
+        <p14:creationId xmlns:p14="http://schemas.microsoft.com/office/powerpoint/2010/main" val="3274672097"/>
       </p:ext>
     </p:extLst>
   </p:cSld>
@@ -5001,28 +5374,64 @@
         </p:nvSpPr>
         <p:spPr/>
         <p:txBody>
-          <a:bodyPr/>
+          <a:bodyPr>
+            <a:normAutofit/>
+          </a:bodyPr>
           <a:lstStyle/>
           <a:p>
             <a:pPr marL="0" indent="0">
               <a:buNone/>
             </a:pPr>
+            <a:r>
+              <a:rPr lang="en-US" sz="2800" dirty="0"/>
+              <a:t>SELECT DISTINCT </a:t>
+            </a:r>
+            <a:r>
+              <a:rPr lang="en-US" sz="2800" dirty="0" err="1"/>
+              <a:t>lastname</a:t>
+            </a:r>
+            <a:r>
+              <a:rPr lang="en-US" sz="2800" dirty="0"/>
+              <a:t> FROM person     </a:t>
+            </a:r>
+            <a:br>
+              <a:rPr lang="en-US" sz="2800" dirty="0"/>
+            </a:br>
+            <a:r>
+              <a:rPr lang="en-US" sz="2800" dirty="0"/>
+              <a:t>     ORDER BY </a:t>
+            </a:r>
+            <a:r>
+              <a:rPr lang="en-US" sz="2800" dirty="0" err="1"/>
+              <a:t>firstname</a:t>
+            </a:r>
+            <a:r>
+              <a:rPr lang="en-US" sz="2800" dirty="0"/>
+              <a:t>;</a:t>
+            </a:r>
+            <a:br>
+              <a:rPr lang="en-US" sz="2800" dirty="0"/>
+            </a:br>
+            <a:endParaRPr lang="en-US" sz="2800" dirty="0"/>
+          </a:p>
+          <a:p>
+            <a:pPr marL="0" indent="0">
+              <a:buNone/>
+            </a:pPr>
+            <a:r>
+              <a:rPr lang="en-US" sz="2800" dirty="0" err="1">
+                <a:latin typeface="Menlo Bold"/>
+                <a:cs typeface="Menlo Bold"/>
+              </a:rPr>
+              <a:t>lastname</a:t>
+            </a:r>
             <a:r>
               <a:rPr lang="en-US" sz="2800" dirty="0">
                 <a:latin typeface="Menlo Bold"/>
                 <a:cs typeface="Menlo Bold"/>
               </a:rPr>
-              <a:t>SELECT AVG(birthdate) FROM person;</a:t>
-            </a:r>
-          </a:p>
-          <a:p>
-            <a:pPr marL="0" indent="0">
-              <a:buNone/>
-            </a:pPr>
-            <a:endParaRPr lang="en-US" dirty="0">
-              <a:latin typeface="Menlo Bold"/>
-              <a:cs typeface="Menlo Bold"/>
-            </a:endParaRPr>
+              <a:t>  </a:t>
+            </a:r>
           </a:p>
           <a:p>
             <a:pPr marL="0" indent="0">
@@ -5033,7 +5442,7 @@
                 <a:latin typeface="Menlo Bold"/>
                 <a:cs typeface="Menlo Bold"/>
               </a:rPr>
-              <a:t>AVG(birthdate)</a:t>
+              <a:t>----------</a:t>
             </a:r>
           </a:p>
           <a:p>
@@ -5045,36 +5454,15 @@
                 <a:latin typeface="Menlo Bold"/>
                 <a:cs typeface="Menlo Bold"/>
               </a:rPr>
-              <a:t>--------------</a:t>
-            </a:r>
-          </a:p>
-          <a:p>
-            <a:pPr marL="0" indent="0">
-              <a:buNone/>
-            </a:pPr>
-            <a:r>
-              <a:rPr lang="mr-IN" sz="2800" dirty="0">
-                <a:latin typeface="Menlo Bold"/>
-                <a:cs typeface="Menlo Bold"/>
-              </a:rPr>
-              <a:t>1981.5        </a:t>
-            </a:r>
-          </a:p>
-          <a:p>
-            <a:pPr marL="0" indent="0">
-              <a:buNone/>
-            </a:pPr>
-            <a:endParaRPr lang="en-US" dirty="0">
-              <a:latin typeface="Menlo Bold"/>
-              <a:cs typeface="Menlo Bold"/>
-            </a:endParaRPr>
+              <a:t>Gleeson          </a:t>
+            </a:r>
           </a:p>
         </p:txBody>
       </p:sp>
     </p:spTree>
     <p:extLst>
       <p:ext uri="{BB962C8B-B14F-4D97-AF65-F5344CB8AC3E}">
-        <p14:creationId xmlns:p14="http://schemas.microsoft.com/office/powerpoint/2010/main" val="1955749782"/>
+        <p14:creationId xmlns:p14="http://schemas.microsoft.com/office/powerpoint/2010/main" val="2776671552"/>
       </p:ext>
     </p:extLst>
   </p:cSld>
@@ -5118,7 +5506,7 @@
           <a:p>
             <a:r>
               <a:rPr lang="en-US" dirty="0"/>
-              <a:t>Functions</a:t>
+              <a:t>SELECT </a:t>
             </a:r>
           </a:p>
         </p:txBody>
@@ -5135,47 +5523,158 @@
         </p:nvSpPr>
         <p:spPr/>
         <p:txBody>
-          <a:bodyPr/>
-          <a:lstStyle/>
-          <a:p>
-            <a:r>
-              <a:rPr lang="en-US" dirty="0"/>
-              <a:t>MIN</a:t>
-            </a:r>
-          </a:p>
-          <a:p>
-            <a:r>
-              <a:rPr lang="en-US" dirty="0"/>
-              <a:t>MAX</a:t>
-            </a:r>
-          </a:p>
-          <a:p>
-            <a:r>
-              <a:rPr lang="en-US" dirty="0"/>
-              <a:t>AVG</a:t>
-            </a:r>
-          </a:p>
-          <a:p>
-            <a:r>
-              <a:rPr lang="en-US" dirty="0"/>
-              <a:t>COUNT</a:t>
-            </a:r>
-          </a:p>
-          <a:p>
-            <a:r>
-              <a:rPr lang="en-US" dirty="0"/>
-              <a:t>SUM</a:t>
-            </a:r>
-          </a:p>
-          <a:p>
-            <a:endParaRPr lang="en-US" dirty="0"/>
+          <a:bodyPr>
+            <a:normAutofit/>
+          </a:bodyPr>
+          <a:lstStyle/>
+          <a:p>
+            <a:pPr marL="0" indent="0">
+              <a:buNone/>
+            </a:pPr>
+            <a:r>
+              <a:rPr lang="en-US" sz="2400" dirty="0">
+                <a:latin typeface="Menlo Bold"/>
+                <a:cs typeface="Menlo Bold"/>
+              </a:rPr>
+              <a:t>SELECT </a:t>
+            </a:r>
+            <a:r>
+              <a:rPr lang="en-US" sz="2400" dirty="0" err="1">
+                <a:latin typeface="Menlo Bold"/>
+                <a:cs typeface="Menlo Bold"/>
+              </a:rPr>
+              <a:t>firstname</a:t>
+            </a:r>
+            <a:r>
+              <a:rPr lang="en-US" sz="2400" dirty="0">
+                <a:latin typeface="Menlo Bold"/>
+                <a:cs typeface="Menlo Bold"/>
+              </a:rPr>
+              <a:t>, </a:t>
+            </a:r>
+            <a:r>
+              <a:rPr lang="en-US" sz="2400" dirty="0" err="1">
+                <a:latin typeface="Menlo Bold"/>
+                <a:cs typeface="Menlo Bold"/>
+              </a:rPr>
+              <a:t>lastname</a:t>
+            </a:r>
+            <a:r>
+              <a:rPr lang="en-US" sz="2400" dirty="0">
+                <a:latin typeface="Menlo Bold"/>
+                <a:cs typeface="Menlo Bold"/>
+              </a:rPr>
+              <a:t> FROM person </a:t>
+            </a:r>
+            <a:br>
+              <a:rPr lang="en-US" sz="2400" dirty="0">
+                <a:latin typeface="Menlo Bold"/>
+                <a:cs typeface="Menlo Bold"/>
+              </a:rPr>
+            </a:br>
+            <a:r>
+              <a:rPr lang="en-US" sz="2400" dirty="0">
+                <a:latin typeface="Menlo Bold"/>
+                <a:cs typeface="Menlo Bold"/>
+              </a:rPr>
+              <a:t>	ORDER BY </a:t>
+            </a:r>
+            <a:r>
+              <a:rPr lang="en-US" sz="2400" dirty="0" err="1">
+                <a:latin typeface="Menlo Bold"/>
+                <a:cs typeface="Menlo Bold"/>
+              </a:rPr>
+              <a:t>lastname</a:t>
+            </a:r>
+            <a:r>
+              <a:rPr lang="en-US" sz="2400" dirty="0">
+                <a:latin typeface="Menlo Bold"/>
+                <a:cs typeface="Menlo Bold"/>
+              </a:rPr>
+              <a:t> LIMIT 1;</a:t>
+            </a:r>
+          </a:p>
+          <a:p>
+            <a:pPr marL="0" indent="0">
+              <a:buNone/>
+            </a:pPr>
+            <a:endParaRPr lang="en-US" sz="2800" dirty="0">
+              <a:latin typeface="Menlo Bold"/>
+              <a:cs typeface="Menlo Bold"/>
+            </a:endParaRPr>
+          </a:p>
+          <a:p>
+            <a:pPr marL="0" indent="0">
+              <a:buNone/>
+            </a:pPr>
+            <a:r>
+              <a:rPr lang="en-US" sz="2800" dirty="0" err="1">
+                <a:latin typeface="Menlo Bold"/>
+                <a:cs typeface="Menlo Bold"/>
+              </a:rPr>
+              <a:t>firstname</a:t>
+            </a:r>
+            <a:r>
+              <a:rPr lang="en-US" sz="2800" dirty="0">
+                <a:latin typeface="Menlo Bold"/>
+                <a:cs typeface="Menlo Bold"/>
+              </a:rPr>
+              <a:t>   </a:t>
+            </a:r>
+            <a:r>
+              <a:rPr lang="en-US" sz="2800" dirty="0" err="1">
+                <a:latin typeface="Menlo Bold"/>
+                <a:cs typeface="Menlo Bold"/>
+              </a:rPr>
+              <a:t>lastname</a:t>
+            </a:r>
+            <a:r>
+              <a:rPr lang="en-US" sz="2800" dirty="0">
+                <a:latin typeface="Menlo Bold"/>
+                <a:cs typeface="Menlo Bold"/>
+              </a:rPr>
+              <a:t>  </a:t>
+            </a:r>
+          </a:p>
+          <a:p>
+            <a:pPr marL="0" indent="0">
+              <a:buNone/>
+            </a:pPr>
+            <a:r>
+              <a:rPr lang="en-US" sz="2800" dirty="0">
+                <a:latin typeface="Menlo Bold"/>
+                <a:cs typeface="Menlo Bold"/>
+              </a:rPr>
+              <a:t>----------  ----------</a:t>
+            </a:r>
+          </a:p>
+          <a:p>
+            <a:pPr marL="0" indent="0">
+              <a:buNone/>
+            </a:pPr>
+            <a:r>
+              <a:rPr lang="en-US" sz="2800" dirty="0">
+                <a:latin typeface="Menlo Bold"/>
+                <a:cs typeface="Menlo Bold"/>
+              </a:rPr>
+              <a:t>Henry       Gleeson   </a:t>
+            </a:r>
+          </a:p>
+          <a:p>
+            <a:pPr marL="0" indent="0">
+              <a:buNone/>
+            </a:pPr>
+            <a:endParaRPr lang="en-US" sz="2800" dirty="0">
+              <a:latin typeface="Menlo Bold"/>
+              <a:cs typeface="Menlo Bold"/>
+            </a:endParaRPr>
           </a:p>
         </p:txBody>
       </p:sp>
     </p:spTree>
     <p:extLst>
       <p:ext uri="{BB962C8B-B14F-4D97-AF65-F5344CB8AC3E}">
-        <p14:creationId xmlns:p14="http://schemas.microsoft.com/office/powerpoint/2010/main" val="5801882"/>
+        <p14:creationId xmlns:p14="http://schemas.microsoft.com/office/powerpoint/2010/main" val="1687311541"/>
       </p:ext>
     </p:extLst>
   </p:cSld>
@@ -5219,7 +5718,7 @@
           <a:p>
             <a:r>
               <a:rPr lang="en-US" dirty="0"/>
-              <a:t>OTHER COMMANDS</a:t>
+              <a:t>SELECT</a:t>
             </a:r>
           </a:p>
         </p:txBody>
@@ -5236,57 +5735,51 @@
         </p:nvSpPr>
         <p:spPr/>
         <p:txBody>
-          <a:bodyPr>
-            <a:normAutofit/>
-          </a:bodyPr>
-          <a:lstStyle/>
-          <a:p>
-            <a:r>
-              <a:rPr lang="en-US" dirty="0"/>
-              <a:t>DELETE</a:t>
-            </a:r>
-          </a:p>
+          <a:bodyPr/>
+          <a:lstStyle/>
           <a:p>
             <a:pPr marL="0" indent="0">
               <a:buNone/>
             </a:pPr>
             <a:r>
-              <a:rPr lang="en-US" dirty="0"/>
-              <a:t>	</a:t>
+              <a:rPr lang="en-US" sz="2800" dirty="0">
+                <a:latin typeface="Menlo Bold"/>
+                <a:cs typeface="Menlo Bold"/>
+              </a:rPr>
+              <a:t>SELECT AVG(birthdate) FROM person;</a:t>
             </a:r>
           </a:p>
           <a:p>
             <a:pPr marL="0" indent="0">
               <a:buNone/>
             </a:pPr>
-            <a:r>
-              <a:rPr lang="en-US" sz="2800" dirty="0"/>
-              <a:t>	DELETE FROM person WHERE ID=564;</a:t>
-            </a:r>
-            <a:br>
-              <a:rPr lang="en-US" sz="2800" dirty="0"/>
-            </a:br>
-            <a:endParaRPr lang="en-US" sz="2800" dirty="0"/>
-          </a:p>
-          <a:p>
-            <a:r>
-              <a:rPr lang="en-US" dirty="0"/>
-              <a:t>UPDATE</a:t>
-            </a:r>
+            <a:endParaRPr lang="en-US" dirty="0">
+              <a:latin typeface="Menlo Bold"/>
+              <a:cs typeface="Menlo Bold"/>
+            </a:endParaRPr>
           </a:p>
           <a:p>
             <a:pPr marL="0" indent="0">
               <a:buNone/>
             </a:pPr>
-            <a:endParaRPr lang="en-US" dirty="0"/>
+            <a:r>
+              <a:rPr lang="en-US" sz="2800" dirty="0">
+                <a:latin typeface="Menlo Bold"/>
+                <a:cs typeface="Menlo Bold"/>
+              </a:rPr>
+              <a:t>AVG(birthdate)</a:t>
+            </a:r>
           </a:p>
           <a:p>
             <a:pPr marL="0" indent="0">
               <a:buNone/>
             </a:pPr>
             <a:r>
-              <a:rPr lang="en-US" sz="2400" dirty="0"/>
-              <a:t>	UPDATE PERSON </a:t>
+              <a:rPr lang="en-US" sz="2800" dirty="0">
+                <a:latin typeface="Menlo Bold"/>
+                <a:cs typeface="Menlo Bold"/>
+              </a:rPr>
+              <a:t>--------------</a:t>
             </a:r>
           </a:p>
           <a:p>
@@ -5294,24 +5787,28 @@
               <a:buNone/>
             </a:pPr>
             <a:r>
-              <a:rPr lang="en-US" sz="2400" dirty="0"/>
-              <a:t>		   SET </a:t>
-            </a:r>
-            <a:r>
-              <a:rPr lang="en-US" sz="2400" dirty="0" err="1"/>
-              <a:t>firstname</a:t>
-            </a:r>
-            <a:r>
-              <a:rPr lang="en-US" sz="2400" dirty="0"/>
-              <a:t> = Henrietta WHERE ID=564;</a:t>
-            </a:r>
+              <a:rPr lang="mr-IN" sz="2800" dirty="0">
+                <a:latin typeface="Menlo Bold"/>
+                <a:cs typeface="Menlo Bold"/>
+              </a:rPr>
+              <a:t>1981.5        </a:t>
+            </a:r>
+          </a:p>
+          <a:p>
+            <a:pPr marL="0" indent="0">
+              <a:buNone/>
+            </a:pPr>
+            <a:endParaRPr lang="en-US" dirty="0">
+              <a:latin typeface="Menlo Bold"/>
+              <a:cs typeface="Menlo Bold"/>
+            </a:endParaRPr>
           </a:p>
         </p:txBody>
       </p:sp>
     </p:spTree>
     <p:extLst>
       <p:ext uri="{BB962C8B-B14F-4D97-AF65-F5344CB8AC3E}">
-        <p14:creationId xmlns:p14="http://schemas.microsoft.com/office/powerpoint/2010/main" val="1184883047"/>
+        <p14:creationId xmlns:p14="http://schemas.microsoft.com/office/powerpoint/2010/main" val="1955749782"/>
       </p:ext>
     </p:extLst>
   </p:cSld>
@@ -5350,14 +5847,12 @@
         </p:nvSpPr>
         <p:spPr/>
         <p:txBody>
-          <a:bodyPr>
-            <a:normAutofit/>
-          </a:bodyPr>
-          <a:lstStyle/>
-          <a:p>
-            <a:r>
-              <a:rPr lang="en-US" dirty="0"/>
-              <a:t>This is a very brief introduction!</a:t>
+          <a:bodyPr/>
+          <a:lstStyle/>
+          <a:p>
+            <a:r>
+              <a:rPr lang="en-US" dirty="0"/>
+              <a:t>Functions</a:t>
             </a:r>
           </a:p>
         </p:txBody>
@@ -5379,20 +5874,31 @@
           <a:p>
             <a:r>
               <a:rPr lang="en-US" dirty="0"/>
-              <a:t>We will learn more from the exercises</a:t>
-            </a:r>
-          </a:p>
-          <a:p>
-            <a:r>
-              <a:rPr lang="en-US" dirty="0"/>
-              <a:t>There are lots of </a:t>
-            </a:r>
-            <a:br>
-              <a:rPr lang="en-US" dirty="0"/>
-            </a:br>
-            <a:r>
-              <a:rPr lang="en-US" dirty="0"/>
-              <a:t>resources on the Web</a:t>
+              <a:t>MIN</a:t>
+            </a:r>
+          </a:p>
+          <a:p>
+            <a:r>
+              <a:rPr lang="en-US" dirty="0"/>
+              <a:t>MAX</a:t>
+            </a:r>
+          </a:p>
+          <a:p>
+            <a:r>
+              <a:rPr lang="en-US" dirty="0"/>
+              <a:t>AVG</a:t>
+            </a:r>
+          </a:p>
+          <a:p>
+            <a:r>
+              <a:rPr lang="en-US" dirty="0"/>
+              <a:t>COUNT</a:t>
+            </a:r>
+          </a:p>
+          <a:p>
+            <a:r>
+              <a:rPr lang="en-US" dirty="0"/>
+              <a:t>SUM</a:t>
             </a:r>
           </a:p>
           <a:p>
@@ -5400,34 +5906,10 @@
           </a:p>
         </p:txBody>
       </p:sp>
-      <p:pic>
-        <p:nvPicPr>
-          <p:cNvPr id="4" name="Picture 3"/>
-          <p:cNvPicPr>
-            <a:picLocks noChangeAspect="1"/>
-          </p:cNvPicPr>
-          <p:nvPr/>
-        </p:nvPicPr>
-        <p:blipFill>
-          <a:blip r:embed="rId2"/>
-          <a:stretch>
-            <a:fillRect/>
-          </a:stretch>
-        </p:blipFill>
-        <p:spPr>
-          <a:xfrm>
-            <a:off x="5585789" y="2429346"/>
-            <a:ext cx="3019446" cy="3955474"/>
-          </a:xfrm>
-          <a:prstGeom prst="rect">
-            <a:avLst/>
-          </a:prstGeom>
-        </p:spPr>
-      </p:pic>
     </p:spTree>
     <p:extLst>
       <p:ext uri="{BB962C8B-B14F-4D97-AF65-F5344CB8AC3E}">
-        <p14:creationId xmlns:p14="http://schemas.microsoft.com/office/powerpoint/2010/main" val="1446645057"/>
+        <p14:creationId xmlns:p14="http://schemas.microsoft.com/office/powerpoint/2010/main" val="5801882"/>
       </p:ext>
     </p:extLst>
   </p:cSld>
@@ -5520,6 +6002,258 @@
         </p:nvSpPr>
         <p:spPr/>
         <p:txBody>
+          <a:bodyPr/>
+          <a:lstStyle/>
+          <a:p>
+            <a:r>
+              <a:rPr lang="en-US" dirty="0"/>
+              <a:t>OTHER COMMANDS</a:t>
+            </a:r>
+          </a:p>
+        </p:txBody>
+      </p:sp>
+      <p:sp>
+        <p:nvSpPr>
+          <p:cNvPr id="3" name="Content Placeholder 2"/>
+          <p:cNvSpPr>
+            <a:spLocks noGrp="1"/>
+          </p:cNvSpPr>
+          <p:nvPr>
+            <p:ph idx="1"/>
+          </p:nvPr>
+        </p:nvSpPr>
+        <p:spPr/>
+        <p:txBody>
+          <a:bodyPr>
+            <a:normAutofit/>
+          </a:bodyPr>
+          <a:lstStyle/>
+          <a:p>
+            <a:r>
+              <a:rPr lang="en-US" dirty="0"/>
+              <a:t>DELETE</a:t>
+            </a:r>
+          </a:p>
+          <a:p>
+            <a:pPr marL="0" indent="0">
+              <a:buNone/>
+            </a:pPr>
+            <a:r>
+              <a:rPr lang="en-US" dirty="0"/>
+              <a:t>	</a:t>
+            </a:r>
+          </a:p>
+          <a:p>
+            <a:pPr marL="0" indent="0">
+              <a:buNone/>
+            </a:pPr>
+            <a:r>
+              <a:rPr lang="en-US" sz="2800" dirty="0"/>
+              <a:t>	DELETE FROM person WHERE ID=564;</a:t>
+            </a:r>
+            <a:br>
+              <a:rPr lang="en-US" sz="2800" dirty="0"/>
+            </a:br>
+            <a:endParaRPr lang="en-US" sz="2800" dirty="0"/>
+          </a:p>
+          <a:p>
+            <a:r>
+              <a:rPr lang="en-US" dirty="0"/>
+              <a:t>UPDATE</a:t>
+            </a:r>
+          </a:p>
+          <a:p>
+            <a:pPr marL="0" indent="0">
+              <a:buNone/>
+            </a:pPr>
+            <a:endParaRPr lang="en-US" dirty="0"/>
+          </a:p>
+          <a:p>
+            <a:pPr marL="0" indent="0">
+              <a:buNone/>
+            </a:pPr>
+            <a:r>
+              <a:rPr lang="en-US" sz="2400" dirty="0"/>
+              <a:t>	UPDATE PERSON </a:t>
+            </a:r>
+          </a:p>
+          <a:p>
+            <a:pPr marL="0" indent="0">
+              <a:buNone/>
+            </a:pPr>
+            <a:r>
+              <a:rPr lang="en-US" sz="2400" dirty="0"/>
+              <a:t>		   SET </a:t>
+            </a:r>
+            <a:r>
+              <a:rPr lang="en-US" sz="2400" dirty="0" err="1"/>
+              <a:t>firstname</a:t>
+            </a:r>
+            <a:r>
+              <a:rPr lang="en-US" sz="2400" dirty="0"/>
+              <a:t> = Henrietta WHERE ID=564;</a:t>
+            </a:r>
+          </a:p>
+        </p:txBody>
+      </p:sp>
+    </p:spTree>
+    <p:extLst>
+      <p:ext uri="{BB962C8B-B14F-4D97-AF65-F5344CB8AC3E}">
+        <p14:creationId xmlns:p14="http://schemas.microsoft.com/office/powerpoint/2010/main" val="1184883047"/>
+      </p:ext>
+    </p:extLst>
+  </p:cSld>
+  <p:clrMapOvr>
+    <a:masterClrMapping/>
+  </p:clrMapOvr>
+</p:sld>
+</file>
+
+<file path=ppt/slides/slide21.xml><?xml version="1.0" encoding="utf-8"?>
+<p:sld xmlns:a="http://schemas.openxmlformats.org/drawingml/2006/main" xmlns:r="http://schemas.openxmlformats.org/officeDocument/2006/relationships" xmlns:p="http://schemas.openxmlformats.org/presentationml/2006/main">
+  <p:cSld>
+    <p:spTree>
+      <p:nvGrpSpPr>
+        <p:cNvPr id="1" name=""/>
+        <p:cNvGrpSpPr/>
+        <p:nvPr/>
+      </p:nvGrpSpPr>
+      <p:grpSpPr>
+        <a:xfrm>
+          <a:off x="0" y="0"/>
+          <a:ext cx="0" cy="0"/>
+          <a:chOff x="0" y="0"/>
+          <a:chExt cx="0" cy="0"/>
+        </a:xfrm>
+      </p:grpSpPr>
+      <p:sp>
+        <p:nvSpPr>
+          <p:cNvPr id="2" name="Title 1"/>
+          <p:cNvSpPr>
+            <a:spLocks noGrp="1"/>
+          </p:cNvSpPr>
+          <p:nvPr>
+            <p:ph type="title"/>
+          </p:nvPr>
+        </p:nvSpPr>
+        <p:spPr/>
+        <p:txBody>
+          <a:bodyPr>
+            <a:normAutofit/>
+          </a:bodyPr>
+          <a:lstStyle/>
+          <a:p>
+            <a:r>
+              <a:rPr lang="en-US" dirty="0"/>
+              <a:t>This is a very brief introduction!</a:t>
+            </a:r>
+          </a:p>
+        </p:txBody>
+      </p:sp>
+      <p:sp>
+        <p:nvSpPr>
+          <p:cNvPr id="3" name="Content Placeholder 2"/>
+          <p:cNvSpPr>
+            <a:spLocks noGrp="1"/>
+          </p:cNvSpPr>
+          <p:nvPr>
+            <p:ph idx="1"/>
+          </p:nvPr>
+        </p:nvSpPr>
+        <p:spPr/>
+        <p:txBody>
+          <a:bodyPr/>
+          <a:lstStyle/>
+          <a:p>
+            <a:r>
+              <a:rPr lang="en-US" dirty="0"/>
+              <a:t>We will learn more from the exercises</a:t>
+            </a:r>
+          </a:p>
+          <a:p>
+            <a:r>
+              <a:rPr lang="en-US" dirty="0"/>
+              <a:t>There are lots of </a:t>
+            </a:r>
+            <a:br>
+              <a:rPr lang="en-US" dirty="0"/>
+            </a:br>
+            <a:r>
+              <a:rPr lang="en-US" dirty="0"/>
+              <a:t>resources on the Web</a:t>
+            </a:r>
+          </a:p>
+          <a:p>
+            <a:endParaRPr lang="en-US" dirty="0"/>
+          </a:p>
+        </p:txBody>
+      </p:sp>
+      <p:pic>
+        <p:nvPicPr>
+          <p:cNvPr id="4" name="Picture 3"/>
+          <p:cNvPicPr>
+            <a:picLocks noChangeAspect="1"/>
+          </p:cNvPicPr>
+          <p:nvPr/>
+        </p:nvPicPr>
+        <p:blipFill>
+          <a:blip r:embed="rId2"/>
+          <a:stretch>
+            <a:fillRect/>
+          </a:stretch>
+        </p:blipFill>
+        <p:spPr>
+          <a:xfrm>
+            <a:off x="5585789" y="2429346"/>
+            <a:ext cx="3019446" cy="3955474"/>
+          </a:xfrm>
+          <a:prstGeom prst="rect">
+            <a:avLst/>
+          </a:prstGeom>
+        </p:spPr>
+      </p:pic>
+    </p:spTree>
+    <p:extLst>
+      <p:ext uri="{BB962C8B-B14F-4D97-AF65-F5344CB8AC3E}">
+        <p14:creationId xmlns:p14="http://schemas.microsoft.com/office/powerpoint/2010/main" val="1446645057"/>
+      </p:ext>
+    </p:extLst>
+  </p:cSld>
+  <p:clrMapOvr>
+    <a:masterClrMapping/>
+  </p:clrMapOvr>
+</p:sld>
+</file>
+
+<file path=ppt/slides/slide22.xml><?xml version="1.0" encoding="utf-8"?>
+<p:sld xmlns:a="http://schemas.openxmlformats.org/drawingml/2006/main" xmlns:r="http://schemas.openxmlformats.org/officeDocument/2006/relationships" xmlns:p="http://schemas.openxmlformats.org/presentationml/2006/main">
+  <p:cSld>
+    <p:spTree>
+      <p:nvGrpSpPr>
+        <p:cNvPr id="1" name=""/>
+        <p:cNvGrpSpPr/>
+        <p:nvPr/>
+      </p:nvGrpSpPr>
+      <p:grpSpPr>
+        <a:xfrm>
+          <a:off x="0" y="0"/>
+          <a:ext cx="0" cy="0"/>
+          <a:chOff x="0" y="0"/>
+          <a:chExt cx="0" cy="0"/>
+        </a:xfrm>
+      </p:grpSpPr>
+      <p:sp>
+        <p:nvSpPr>
+          <p:cNvPr id="2" name="Title 1"/>
+          <p:cNvSpPr>
+            <a:spLocks noGrp="1"/>
+          </p:cNvSpPr>
+          <p:nvPr>
+            <p:ph type="title"/>
+          </p:nvPr>
+        </p:nvSpPr>
+        <p:spPr/>
+        <p:txBody>
           <a:bodyPr>
             <a:normAutofit fontScale="90000"/>
           </a:bodyPr>
@@ -5643,594 +6377,6 @@
 </p:sld>
 </file>
 
-<file path=ppt/slides/slide21.xml><?xml version="1.0" encoding="utf-8"?>
-<p:sld xmlns:a="http://schemas.openxmlformats.org/drawingml/2006/main" xmlns:r="http://schemas.openxmlformats.org/officeDocument/2006/relationships" xmlns:p="http://schemas.openxmlformats.org/presentationml/2006/main">
-  <p:cSld>
-    <p:spTree>
-      <p:nvGrpSpPr>
-        <p:cNvPr id="1" name=""/>
-        <p:cNvGrpSpPr/>
-        <p:nvPr/>
-      </p:nvGrpSpPr>
-      <p:grpSpPr>
-        <a:xfrm>
-          <a:off x="0" y="0"/>
-          <a:ext cx="0" cy="0"/>
-          <a:chOff x="0" y="0"/>
-          <a:chExt cx="0" cy="0"/>
-        </a:xfrm>
-      </p:grpSpPr>
-      <p:sp>
-        <p:nvSpPr>
-          <p:cNvPr id="2" name="Title 1"/>
-          <p:cNvSpPr>
-            <a:spLocks noGrp="1"/>
-          </p:cNvSpPr>
-          <p:nvPr>
-            <p:ph type="title"/>
-          </p:nvPr>
-        </p:nvSpPr>
-        <p:spPr/>
-        <p:txBody>
-          <a:bodyPr/>
-          <a:lstStyle/>
-          <a:p>
-            <a:r>
-              <a:rPr lang="en-US" dirty="0"/>
-              <a:t>Hive example</a:t>
-            </a:r>
-          </a:p>
-        </p:txBody>
-      </p:sp>
-      <p:sp>
-        <p:nvSpPr>
-          <p:cNvPr id="3" name="Content Placeholder 2"/>
-          <p:cNvSpPr>
-            <a:spLocks noGrp="1"/>
-          </p:cNvSpPr>
-          <p:nvPr>
-            <p:ph idx="1"/>
-          </p:nvPr>
-        </p:nvSpPr>
-        <p:spPr/>
-        <p:txBody>
-          <a:bodyPr>
-            <a:normAutofit fontScale="47500" lnSpcReduction="20000"/>
-          </a:bodyPr>
-          <a:lstStyle/>
-          <a:p>
-            <a:pPr marL="0" indent="0">
-              <a:buNone/>
-            </a:pPr>
-            <a:r>
-              <a:rPr lang="en-US" dirty="0">
-                <a:latin typeface="Lucida Console"/>
-                <a:cs typeface="Lucida Console"/>
-              </a:rPr>
-              <a:t>CREATE TABLE </a:t>
-            </a:r>
-            <a:r>
-              <a:rPr lang="en-US" dirty="0" err="1">
-                <a:latin typeface="Lucida Console"/>
-                <a:cs typeface="Lucida Console"/>
-              </a:rPr>
-              <a:t>page_view</a:t>
-            </a:r>
-            <a:r>
-              <a:rPr lang="en-US" dirty="0">
-                <a:latin typeface="Lucida Console"/>
-                <a:cs typeface="Lucida Console"/>
-              </a:rPr>
-              <a:t>(</a:t>
-            </a:r>
-            <a:r>
-              <a:rPr lang="en-US" dirty="0" err="1">
-                <a:latin typeface="Lucida Console"/>
-                <a:cs typeface="Lucida Console"/>
-              </a:rPr>
-              <a:t>viewTime</a:t>
-            </a:r>
-            <a:r>
-              <a:rPr lang="en-US" dirty="0">
-                <a:latin typeface="Lucida Console"/>
-                <a:cs typeface="Lucida Console"/>
-              </a:rPr>
-              <a:t> INT, </a:t>
-            </a:r>
-            <a:r>
-              <a:rPr lang="en-US" dirty="0" err="1">
-                <a:latin typeface="Lucida Console"/>
-                <a:cs typeface="Lucida Console"/>
-              </a:rPr>
-              <a:t>userid</a:t>
-            </a:r>
-            <a:r>
-              <a:rPr lang="en-US" dirty="0">
-                <a:latin typeface="Lucida Console"/>
-                <a:cs typeface="Lucida Console"/>
-              </a:rPr>
-              <a:t> BIGINT,</a:t>
-            </a:r>
-          </a:p>
-          <a:p>
-            <a:pPr marL="0" indent="0">
-              <a:buNone/>
-            </a:pPr>
-            <a:r>
-              <a:rPr lang="en-US" dirty="0">
-                <a:latin typeface="Lucida Console"/>
-                <a:cs typeface="Lucida Console"/>
-              </a:rPr>
-              <a:t>                </a:t>
-            </a:r>
-            <a:r>
-              <a:rPr lang="en-US" dirty="0" err="1">
-                <a:latin typeface="Lucida Console"/>
-                <a:cs typeface="Lucida Console"/>
-              </a:rPr>
-              <a:t>page_url</a:t>
-            </a:r>
-            <a:r>
-              <a:rPr lang="en-US" dirty="0">
-                <a:latin typeface="Lucida Console"/>
-                <a:cs typeface="Lucida Console"/>
-              </a:rPr>
-              <a:t> STRING, </a:t>
-            </a:r>
-            <a:r>
-              <a:rPr lang="en-US" dirty="0" err="1">
-                <a:latin typeface="Lucida Console"/>
-                <a:cs typeface="Lucida Console"/>
-              </a:rPr>
-              <a:t>referrer_url</a:t>
-            </a:r>
-            <a:r>
-              <a:rPr lang="en-US" dirty="0">
-                <a:latin typeface="Lucida Console"/>
-                <a:cs typeface="Lucida Console"/>
-              </a:rPr>
-              <a:t> STRING,</a:t>
-            </a:r>
-          </a:p>
-          <a:p>
-            <a:pPr marL="0" indent="0">
-              <a:buNone/>
-            </a:pPr>
-            <a:r>
-              <a:rPr lang="en-US" dirty="0">
-                <a:latin typeface="Lucida Console"/>
-                <a:cs typeface="Lucida Console"/>
-              </a:rPr>
-              <a:t>                </a:t>
-            </a:r>
-            <a:r>
-              <a:rPr lang="en-US" dirty="0" err="1">
-                <a:latin typeface="Lucida Console"/>
-                <a:cs typeface="Lucida Console"/>
-              </a:rPr>
-              <a:t>ip</a:t>
-            </a:r>
-            <a:r>
-              <a:rPr lang="en-US" dirty="0">
-                <a:latin typeface="Lucida Console"/>
-                <a:cs typeface="Lucida Console"/>
-              </a:rPr>
-              <a:t> STRING COMMENT 'IP Address of the User')</a:t>
-            </a:r>
-          </a:p>
-          <a:p>
-            <a:pPr marL="0" indent="0">
-              <a:buNone/>
-            </a:pPr>
-            <a:r>
-              <a:rPr lang="en-US" dirty="0">
-                <a:latin typeface="Lucida Console"/>
-                <a:cs typeface="Lucida Console"/>
-              </a:rPr>
-              <a:t>COMMENT 'This is the page view table'</a:t>
-            </a:r>
-          </a:p>
-          <a:p>
-            <a:pPr marL="0" indent="0">
-              <a:buNone/>
-            </a:pPr>
-            <a:r>
-              <a:rPr lang="en-US" dirty="0">
-                <a:latin typeface="Lucida Console"/>
-                <a:cs typeface="Lucida Console"/>
-              </a:rPr>
-              <a:t>PARTITIONED BY(</a:t>
-            </a:r>
-            <a:r>
-              <a:rPr lang="en-US" dirty="0" err="1">
-                <a:latin typeface="Lucida Console"/>
-                <a:cs typeface="Lucida Console"/>
-              </a:rPr>
-              <a:t>dt</a:t>
-            </a:r>
-            <a:r>
-              <a:rPr lang="en-US" dirty="0">
-                <a:latin typeface="Lucida Console"/>
-                <a:cs typeface="Lucida Console"/>
-              </a:rPr>
-              <a:t> STRING, country STRING)</a:t>
-            </a:r>
-          </a:p>
-          <a:p>
-            <a:pPr marL="0" indent="0">
-              <a:buNone/>
-            </a:pPr>
-            <a:r>
-              <a:rPr lang="en-US" dirty="0">
-                <a:latin typeface="Lucida Console"/>
-                <a:cs typeface="Lucida Console"/>
-              </a:rPr>
-              <a:t>STORED AS SEQUENCEFILE;</a:t>
-            </a:r>
-          </a:p>
-          <a:p>
-            <a:pPr marL="0" indent="0">
-              <a:buNone/>
-            </a:pPr>
-            <a:endParaRPr lang="en-US" dirty="0">
-              <a:latin typeface="Lucida Console"/>
-              <a:cs typeface="Lucida Console"/>
-            </a:endParaRPr>
-          </a:p>
-          <a:p>
-            <a:pPr marL="0" indent="0">
-              <a:buNone/>
-            </a:pPr>
-            <a:endParaRPr lang="en-US" dirty="0">
-              <a:latin typeface="Lucida Console"/>
-              <a:cs typeface="Lucida Console"/>
-            </a:endParaRPr>
-          </a:p>
-          <a:p>
-            <a:pPr marL="0" indent="0">
-              <a:buNone/>
-            </a:pPr>
-            <a:r>
-              <a:rPr lang="en-US" dirty="0">
-                <a:latin typeface="Lucida Console"/>
-                <a:cs typeface="Lucida Console"/>
-              </a:rPr>
-              <a:t>LOAD DATA LOCAL INPATH /</a:t>
-            </a:r>
-            <a:r>
-              <a:rPr lang="en-US" dirty="0" err="1">
-                <a:latin typeface="Lucida Console"/>
-                <a:cs typeface="Lucida Console"/>
-              </a:rPr>
-              <a:t>tmp</a:t>
-            </a:r>
-            <a:r>
-              <a:rPr lang="en-US" dirty="0">
-                <a:latin typeface="Lucida Console"/>
-                <a:cs typeface="Lucida Console"/>
-              </a:rPr>
-              <a:t>/pv_2008-06-08_us.txt INTO TABLE </a:t>
-            </a:r>
-            <a:r>
-              <a:rPr lang="en-US" dirty="0" err="1">
-                <a:latin typeface="Lucida Console"/>
-                <a:cs typeface="Lucida Console"/>
-              </a:rPr>
-              <a:t>page_view</a:t>
-            </a:r>
-            <a:r>
-              <a:rPr lang="en-US" dirty="0">
-                <a:latin typeface="Lucida Console"/>
-                <a:cs typeface="Lucida Console"/>
-              </a:rPr>
-              <a:t> PARTITION(date='2008-06-08', country='US')</a:t>
-            </a:r>
-          </a:p>
-          <a:p>
-            <a:pPr marL="0" indent="0">
-              <a:buNone/>
-            </a:pPr>
-            <a:endParaRPr lang="en-US" dirty="0">
-              <a:latin typeface="Lucida Console"/>
-              <a:cs typeface="Lucida Console"/>
-            </a:endParaRPr>
-          </a:p>
-          <a:p>
-            <a:pPr marL="0" indent="0">
-              <a:buNone/>
-            </a:pPr>
-            <a:r>
-              <a:rPr lang="en-US" dirty="0">
-                <a:latin typeface="Lucida Console"/>
-                <a:cs typeface="Lucida Console"/>
-              </a:rPr>
-              <a:t>INSERT OVERWRITE TABLE </a:t>
-            </a:r>
-            <a:r>
-              <a:rPr lang="en-US" dirty="0" err="1">
-                <a:latin typeface="Lucida Console"/>
-                <a:cs typeface="Lucida Console"/>
-              </a:rPr>
-              <a:t>xyz_com_page_views</a:t>
-            </a:r>
-            <a:endParaRPr lang="en-US" dirty="0">
-              <a:latin typeface="Lucida Console"/>
-              <a:cs typeface="Lucida Console"/>
-            </a:endParaRPr>
-          </a:p>
-          <a:p>
-            <a:pPr marL="0" indent="0">
-              <a:buNone/>
-            </a:pPr>
-            <a:r>
-              <a:rPr lang="en-US" dirty="0">
-                <a:latin typeface="Lucida Console"/>
-                <a:cs typeface="Lucida Console"/>
-              </a:rPr>
-              <a:t>SELECT </a:t>
-            </a:r>
-            <a:r>
-              <a:rPr lang="en-US" dirty="0" err="1">
-                <a:latin typeface="Lucida Console"/>
-                <a:cs typeface="Lucida Console"/>
-              </a:rPr>
-              <a:t>page_views</a:t>
-            </a:r>
-            <a:r>
-              <a:rPr lang="en-US" dirty="0">
-                <a:latin typeface="Lucida Console"/>
-                <a:cs typeface="Lucida Console"/>
-              </a:rPr>
-              <a:t>.*</a:t>
-            </a:r>
-          </a:p>
-          <a:p>
-            <a:pPr marL="0" indent="0">
-              <a:buNone/>
-            </a:pPr>
-            <a:r>
-              <a:rPr lang="en-US" dirty="0">
-                <a:latin typeface="Lucida Console"/>
-                <a:cs typeface="Lucida Console"/>
-              </a:rPr>
-              <a:t>FROM </a:t>
-            </a:r>
-            <a:r>
-              <a:rPr lang="en-US" dirty="0" err="1">
-                <a:latin typeface="Lucida Console"/>
-                <a:cs typeface="Lucida Console"/>
-              </a:rPr>
-              <a:t>page_views</a:t>
-            </a:r>
-            <a:endParaRPr lang="en-US" dirty="0">
-              <a:latin typeface="Lucida Console"/>
-              <a:cs typeface="Lucida Console"/>
-            </a:endParaRPr>
-          </a:p>
-          <a:p>
-            <a:pPr marL="0" indent="0">
-              <a:buNone/>
-            </a:pPr>
-            <a:r>
-              <a:rPr lang="en-US" dirty="0">
-                <a:latin typeface="Lucida Console"/>
-                <a:cs typeface="Lucida Console"/>
-              </a:rPr>
-              <a:t>WHERE </a:t>
-            </a:r>
-            <a:r>
-              <a:rPr lang="en-US" dirty="0" err="1">
-                <a:latin typeface="Lucida Console"/>
-                <a:cs typeface="Lucida Console"/>
-              </a:rPr>
-              <a:t>page_views.date</a:t>
-            </a:r>
-            <a:r>
-              <a:rPr lang="en-US" dirty="0">
-                <a:latin typeface="Lucida Console"/>
-                <a:cs typeface="Lucida Console"/>
-              </a:rPr>
-              <a:t> &gt;= '2008-03-01' AND </a:t>
-            </a:r>
-            <a:r>
-              <a:rPr lang="en-US" dirty="0" err="1">
-                <a:latin typeface="Lucida Console"/>
-                <a:cs typeface="Lucida Console"/>
-              </a:rPr>
-              <a:t>page_views.date</a:t>
-            </a:r>
-            <a:r>
-              <a:rPr lang="en-US" dirty="0">
-                <a:latin typeface="Lucida Console"/>
-                <a:cs typeface="Lucida Console"/>
-              </a:rPr>
-              <a:t> &lt;= '2008-03-31' AND</a:t>
-            </a:r>
-          </a:p>
-          <a:p>
-            <a:pPr marL="0" indent="0">
-              <a:buNone/>
-            </a:pPr>
-            <a:r>
-              <a:rPr lang="en-US" dirty="0">
-                <a:latin typeface="Lucida Console"/>
-                <a:cs typeface="Lucida Console"/>
-              </a:rPr>
-              <a:t>      </a:t>
-            </a:r>
-            <a:r>
-              <a:rPr lang="en-US" dirty="0" err="1">
-                <a:latin typeface="Lucida Console"/>
-                <a:cs typeface="Lucida Console"/>
-              </a:rPr>
-              <a:t>page_views.referrer_url</a:t>
-            </a:r>
-            <a:r>
-              <a:rPr lang="en-US" dirty="0">
-                <a:latin typeface="Lucida Console"/>
-                <a:cs typeface="Lucida Console"/>
-              </a:rPr>
-              <a:t> like '%</a:t>
-            </a:r>
-            <a:r>
-              <a:rPr lang="en-US" dirty="0" err="1">
-                <a:latin typeface="Lucida Console"/>
-                <a:cs typeface="Lucida Console"/>
-              </a:rPr>
-              <a:t>xyz.com</a:t>
-            </a:r>
-            <a:r>
-              <a:rPr lang="en-US" dirty="0">
-                <a:latin typeface="Lucida Console"/>
-                <a:cs typeface="Lucida Console"/>
-              </a:rPr>
-              <a:t>';</a:t>
-            </a:r>
-          </a:p>
-        </p:txBody>
-      </p:sp>
-    </p:spTree>
-    <p:extLst>
-      <p:ext uri="{BB962C8B-B14F-4D97-AF65-F5344CB8AC3E}">
-        <p14:creationId xmlns:p14="http://schemas.microsoft.com/office/powerpoint/2010/main" val="2489775350"/>
-      </p:ext>
-    </p:extLst>
-  </p:cSld>
-  <p:clrMapOvr>
-    <a:masterClrMapping/>
-  </p:clrMapOvr>
-</p:sld>
-</file>
-
-<file path=ppt/slides/slide22.xml><?xml version="1.0" encoding="utf-8"?>
-<p:sld xmlns:a="http://schemas.openxmlformats.org/drawingml/2006/main" xmlns:r="http://schemas.openxmlformats.org/officeDocument/2006/relationships" xmlns:p="http://schemas.openxmlformats.org/presentationml/2006/main">
-  <p:cSld>
-    <p:spTree>
-      <p:nvGrpSpPr>
-        <p:cNvPr id="1" name=""/>
-        <p:cNvGrpSpPr/>
-        <p:nvPr/>
-      </p:nvGrpSpPr>
-      <p:grpSpPr>
-        <a:xfrm>
-          <a:off x="0" y="0"/>
-          <a:ext cx="0" cy="0"/>
-          <a:chOff x="0" y="0"/>
-          <a:chExt cx="0" cy="0"/>
-        </a:xfrm>
-      </p:grpSpPr>
-      <p:sp>
-        <p:nvSpPr>
-          <p:cNvPr id="2" name="Title 1"/>
-          <p:cNvSpPr>
-            <a:spLocks noGrp="1"/>
-          </p:cNvSpPr>
-          <p:nvPr>
-            <p:ph type="title"/>
-          </p:nvPr>
-        </p:nvSpPr>
-        <p:spPr/>
-        <p:txBody>
-          <a:bodyPr/>
-          <a:lstStyle/>
-          <a:p>
-            <a:r>
-              <a:rPr lang="en-US" dirty="0" err="1"/>
-              <a:t>SparkSQL</a:t>
-            </a:r>
-            <a:endParaRPr lang="en-US" dirty="0"/>
-          </a:p>
-        </p:txBody>
-      </p:sp>
-      <p:sp>
-        <p:nvSpPr>
-          <p:cNvPr id="3" name="Content Placeholder 2"/>
-          <p:cNvSpPr>
-            <a:spLocks noGrp="1"/>
-          </p:cNvSpPr>
-          <p:nvPr>
-            <p:ph idx="1"/>
-          </p:nvPr>
-        </p:nvSpPr>
-        <p:spPr/>
-        <p:txBody>
-          <a:bodyPr>
-            <a:normAutofit/>
-          </a:bodyPr>
-          <a:lstStyle/>
-          <a:p>
-            <a:r>
-              <a:rPr lang="en-US" dirty="0"/>
-              <a:t>Integrates into existing Spark programs</a:t>
-            </a:r>
-          </a:p>
-          <a:p>
-            <a:pPr lvl="1"/>
-            <a:r>
-              <a:rPr lang="en-US" dirty="0"/>
-              <a:t>Mixes SQL with Python, </a:t>
-            </a:r>
-            <a:r>
-              <a:rPr lang="en-US" dirty="0" err="1"/>
-              <a:t>Scala</a:t>
-            </a:r>
-            <a:r>
-              <a:rPr lang="en-US" dirty="0"/>
-              <a:t> or Java</a:t>
-            </a:r>
-          </a:p>
-          <a:p>
-            <a:r>
-              <a:rPr lang="en-US" dirty="0"/>
-              <a:t>Integrates data from CSV, Avro, Parquet, JDBC, ODBC, JSON, </a:t>
-            </a:r>
-            <a:r>
-              <a:rPr lang="en-US" dirty="0" err="1"/>
-              <a:t>etc</a:t>
-            </a:r>
-            <a:endParaRPr lang="en-US" dirty="0"/>
-          </a:p>
-          <a:p>
-            <a:pPr lvl="1"/>
-            <a:r>
-              <a:rPr lang="en-US" dirty="0"/>
-              <a:t>Including joins across them</a:t>
-            </a:r>
-          </a:p>
-          <a:p>
-            <a:r>
-              <a:rPr lang="en-US" dirty="0"/>
-              <a:t>Fully supports Apache Hive</a:t>
-            </a:r>
-          </a:p>
-          <a:p>
-            <a:pPr lvl="1"/>
-            <a:r>
-              <a:rPr lang="en-US" i="1" dirty="0"/>
-              <a:t>If you build it with Hive support</a:t>
-            </a:r>
-          </a:p>
-          <a:p>
-            <a:r>
-              <a:rPr lang="en-US" dirty="0"/>
-              <a:t>Fits into the resilient scalable model of Spark</a:t>
-            </a:r>
-          </a:p>
-        </p:txBody>
-      </p:sp>
-    </p:spTree>
-    <p:extLst>
-      <p:ext uri="{BB962C8B-B14F-4D97-AF65-F5344CB8AC3E}">
-        <p14:creationId xmlns:p14="http://schemas.microsoft.com/office/powerpoint/2010/main" val="3825801356"/>
-      </p:ext>
-    </p:extLst>
-  </p:cSld>
-  <p:clrMapOvr>
-    <a:masterClrMapping/>
-  </p:clrMapOvr>
-</p:sld>
-</file>
-
 <file path=ppt/slides/slide23.xml><?xml version="1.0" encoding="utf-8"?>
 <p:sld xmlns:a="http://schemas.openxmlformats.org/drawingml/2006/main" xmlns:r="http://schemas.openxmlformats.org/officeDocument/2006/relationships" xmlns:p="http://schemas.openxmlformats.org/presentationml/2006/main">
   <p:cSld>
@@ -6265,6 +6411,594 @@
           <a:p>
             <a:r>
               <a:rPr lang="en-US" dirty="0"/>
+              <a:t>Hive example</a:t>
+            </a:r>
+          </a:p>
+        </p:txBody>
+      </p:sp>
+      <p:sp>
+        <p:nvSpPr>
+          <p:cNvPr id="3" name="Content Placeholder 2"/>
+          <p:cNvSpPr>
+            <a:spLocks noGrp="1"/>
+          </p:cNvSpPr>
+          <p:nvPr>
+            <p:ph idx="1"/>
+          </p:nvPr>
+        </p:nvSpPr>
+        <p:spPr/>
+        <p:txBody>
+          <a:bodyPr>
+            <a:normAutofit fontScale="47500" lnSpcReduction="20000"/>
+          </a:bodyPr>
+          <a:lstStyle/>
+          <a:p>
+            <a:pPr marL="0" indent="0">
+              <a:buNone/>
+            </a:pPr>
+            <a:r>
+              <a:rPr lang="en-US" dirty="0">
+                <a:latin typeface="Lucida Console"/>
+                <a:cs typeface="Lucida Console"/>
+              </a:rPr>
+              <a:t>CREATE TABLE </a:t>
+            </a:r>
+            <a:r>
+              <a:rPr lang="en-US" dirty="0" err="1">
+                <a:latin typeface="Lucida Console"/>
+                <a:cs typeface="Lucida Console"/>
+              </a:rPr>
+              <a:t>page_view</a:t>
+            </a:r>
+            <a:r>
+              <a:rPr lang="en-US" dirty="0">
+                <a:latin typeface="Lucida Console"/>
+                <a:cs typeface="Lucida Console"/>
+              </a:rPr>
+              <a:t>(</a:t>
+            </a:r>
+            <a:r>
+              <a:rPr lang="en-US" dirty="0" err="1">
+                <a:latin typeface="Lucida Console"/>
+                <a:cs typeface="Lucida Console"/>
+              </a:rPr>
+              <a:t>viewTime</a:t>
+            </a:r>
+            <a:r>
+              <a:rPr lang="en-US" dirty="0">
+                <a:latin typeface="Lucida Console"/>
+                <a:cs typeface="Lucida Console"/>
+              </a:rPr>
+              <a:t> INT, </a:t>
+            </a:r>
+            <a:r>
+              <a:rPr lang="en-US" dirty="0" err="1">
+                <a:latin typeface="Lucida Console"/>
+                <a:cs typeface="Lucida Console"/>
+              </a:rPr>
+              <a:t>userid</a:t>
+            </a:r>
+            <a:r>
+              <a:rPr lang="en-US" dirty="0">
+                <a:latin typeface="Lucida Console"/>
+                <a:cs typeface="Lucida Console"/>
+              </a:rPr>
+              <a:t> BIGINT,</a:t>
+            </a:r>
+          </a:p>
+          <a:p>
+            <a:pPr marL="0" indent="0">
+              <a:buNone/>
+            </a:pPr>
+            <a:r>
+              <a:rPr lang="en-US" dirty="0">
+                <a:latin typeface="Lucida Console"/>
+                <a:cs typeface="Lucida Console"/>
+              </a:rPr>
+              <a:t>                </a:t>
+            </a:r>
+            <a:r>
+              <a:rPr lang="en-US" dirty="0" err="1">
+                <a:latin typeface="Lucida Console"/>
+                <a:cs typeface="Lucida Console"/>
+              </a:rPr>
+              <a:t>page_url</a:t>
+            </a:r>
+            <a:r>
+              <a:rPr lang="en-US" dirty="0">
+                <a:latin typeface="Lucida Console"/>
+                <a:cs typeface="Lucida Console"/>
+              </a:rPr>
+              <a:t> STRING, </a:t>
+            </a:r>
+            <a:r>
+              <a:rPr lang="en-US" dirty="0" err="1">
+                <a:latin typeface="Lucida Console"/>
+                <a:cs typeface="Lucida Console"/>
+              </a:rPr>
+              <a:t>referrer_url</a:t>
+            </a:r>
+            <a:r>
+              <a:rPr lang="en-US" dirty="0">
+                <a:latin typeface="Lucida Console"/>
+                <a:cs typeface="Lucida Console"/>
+              </a:rPr>
+              <a:t> STRING,</a:t>
+            </a:r>
+          </a:p>
+          <a:p>
+            <a:pPr marL="0" indent="0">
+              <a:buNone/>
+            </a:pPr>
+            <a:r>
+              <a:rPr lang="en-US" dirty="0">
+                <a:latin typeface="Lucida Console"/>
+                <a:cs typeface="Lucida Console"/>
+              </a:rPr>
+              <a:t>                </a:t>
+            </a:r>
+            <a:r>
+              <a:rPr lang="en-US" dirty="0" err="1">
+                <a:latin typeface="Lucida Console"/>
+                <a:cs typeface="Lucida Console"/>
+              </a:rPr>
+              <a:t>ip</a:t>
+            </a:r>
+            <a:r>
+              <a:rPr lang="en-US" dirty="0">
+                <a:latin typeface="Lucida Console"/>
+                <a:cs typeface="Lucida Console"/>
+              </a:rPr>
+              <a:t> STRING COMMENT 'IP Address of the User')</a:t>
+            </a:r>
+          </a:p>
+          <a:p>
+            <a:pPr marL="0" indent="0">
+              <a:buNone/>
+            </a:pPr>
+            <a:r>
+              <a:rPr lang="en-US" dirty="0">
+                <a:latin typeface="Lucida Console"/>
+                <a:cs typeface="Lucida Console"/>
+              </a:rPr>
+              <a:t>COMMENT 'This is the page view table'</a:t>
+            </a:r>
+          </a:p>
+          <a:p>
+            <a:pPr marL="0" indent="0">
+              <a:buNone/>
+            </a:pPr>
+            <a:r>
+              <a:rPr lang="en-US" dirty="0">
+                <a:latin typeface="Lucida Console"/>
+                <a:cs typeface="Lucida Console"/>
+              </a:rPr>
+              <a:t>PARTITIONED BY(</a:t>
+            </a:r>
+            <a:r>
+              <a:rPr lang="en-US" dirty="0" err="1">
+                <a:latin typeface="Lucida Console"/>
+                <a:cs typeface="Lucida Console"/>
+              </a:rPr>
+              <a:t>dt</a:t>
+            </a:r>
+            <a:r>
+              <a:rPr lang="en-US" dirty="0">
+                <a:latin typeface="Lucida Console"/>
+                <a:cs typeface="Lucida Console"/>
+              </a:rPr>
+              <a:t> STRING, country STRING)</a:t>
+            </a:r>
+          </a:p>
+          <a:p>
+            <a:pPr marL="0" indent="0">
+              <a:buNone/>
+            </a:pPr>
+            <a:r>
+              <a:rPr lang="en-US" dirty="0">
+                <a:latin typeface="Lucida Console"/>
+                <a:cs typeface="Lucida Console"/>
+              </a:rPr>
+              <a:t>STORED AS SEQUENCEFILE;</a:t>
+            </a:r>
+          </a:p>
+          <a:p>
+            <a:pPr marL="0" indent="0">
+              <a:buNone/>
+            </a:pPr>
+            <a:endParaRPr lang="en-US" dirty="0">
+              <a:latin typeface="Lucida Console"/>
+              <a:cs typeface="Lucida Console"/>
+            </a:endParaRPr>
+          </a:p>
+          <a:p>
+            <a:pPr marL="0" indent="0">
+              <a:buNone/>
+            </a:pPr>
+            <a:endParaRPr lang="en-US" dirty="0">
+              <a:latin typeface="Lucida Console"/>
+              <a:cs typeface="Lucida Console"/>
+            </a:endParaRPr>
+          </a:p>
+          <a:p>
+            <a:pPr marL="0" indent="0">
+              <a:buNone/>
+            </a:pPr>
+            <a:r>
+              <a:rPr lang="en-US" dirty="0">
+                <a:latin typeface="Lucida Console"/>
+                <a:cs typeface="Lucida Console"/>
+              </a:rPr>
+              <a:t>LOAD DATA LOCAL INPATH /</a:t>
+            </a:r>
+            <a:r>
+              <a:rPr lang="en-US" dirty="0" err="1">
+                <a:latin typeface="Lucida Console"/>
+                <a:cs typeface="Lucida Console"/>
+              </a:rPr>
+              <a:t>tmp</a:t>
+            </a:r>
+            <a:r>
+              <a:rPr lang="en-US" dirty="0">
+                <a:latin typeface="Lucida Console"/>
+                <a:cs typeface="Lucida Console"/>
+              </a:rPr>
+              <a:t>/pv_2008-06-08_us.txt INTO TABLE </a:t>
+            </a:r>
+            <a:r>
+              <a:rPr lang="en-US" dirty="0" err="1">
+                <a:latin typeface="Lucida Console"/>
+                <a:cs typeface="Lucida Console"/>
+              </a:rPr>
+              <a:t>page_view</a:t>
+            </a:r>
+            <a:r>
+              <a:rPr lang="en-US" dirty="0">
+                <a:latin typeface="Lucida Console"/>
+                <a:cs typeface="Lucida Console"/>
+              </a:rPr>
+              <a:t> PARTITION(date='2008-06-08', country='US')</a:t>
+            </a:r>
+          </a:p>
+          <a:p>
+            <a:pPr marL="0" indent="0">
+              <a:buNone/>
+            </a:pPr>
+            <a:endParaRPr lang="en-US" dirty="0">
+              <a:latin typeface="Lucida Console"/>
+              <a:cs typeface="Lucida Console"/>
+            </a:endParaRPr>
+          </a:p>
+          <a:p>
+            <a:pPr marL="0" indent="0">
+              <a:buNone/>
+            </a:pPr>
+            <a:r>
+              <a:rPr lang="en-US" dirty="0">
+                <a:latin typeface="Lucida Console"/>
+                <a:cs typeface="Lucida Console"/>
+              </a:rPr>
+              <a:t>INSERT OVERWRITE TABLE </a:t>
+            </a:r>
+            <a:r>
+              <a:rPr lang="en-US" dirty="0" err="1">
+                <a:latin typeface="Lucida Console"/>
+                <a:cs typeface="Lucida Console"/>
+              </a:rPr>
+              <a:t>xyz_com_page_views</a:t>
+            </a:r>
+            <a:endParaRPr lang="en-US" dirty="0">
+              <a:latin typeface="Lucida Console"/>
+              <a:cs typeface="Lucida Console"/>
+            </a:endParaRPr>
+          </a:p>
+          <a:p>
+            <a:pPr marL="0" indent="0">
+              <a:buNone/>
+            </a:pPr>
+            <a:r>
+              <a:rPr lang="en-US" dirty="0">
+                <a:latin typeface="Lucida Console"/>
+                <a:cs typeface="Lucida Console"/>
+              </a:rPr>
+              <a:t>SELECT </a:t>
+            </a:r>
+            <a:r>
+              <a:rPr lang="en-US" dirty="0" err="1">
+                <a:latin typeface="Lucida Console"/>
+                <a:cs typeface="Lucida Console"/>
+              </a:rPr>
+              <a:t>page_views</a:t>
+            </a:r>
+            <a:r>
+              <a:rPr lang="en-US" dirty="0">
+                <a:latin typeface="Lucida Console"/>
+                <a:cs typeface="Lucida Console"/>
+              </a:rPr>
+              <a:t>.*</a:t>
+            </a:r>
+          </a:p>
+          <a:p>
+            <a:pPr marL="0" indent="0">
+              <a:buNone/>
+            </a:pPr>
+            <a:r>
+              <a:rPr lang="en-US" dirty="0">
+                <a:latin typeface="Lucida Console"/>
+                <a:cs typeface="Lucida Console"/>
+              </a:rPr>
+              <a:t>FROM </a:t>
+            </a:r>
+            <a:r>
+              <a:rPr lang="en-US" dirty="0" err="1">
+                <a:latin typeface="Lucida Console"/>
+                <a:cs typeface="Lucida Console"/>
+              </a:rPr>
+              <a:t>page_views</a:t>
+            </a:r>
+            <a:endParaRPr lang="en-US" dirty="0">
+              <a:latin typeface="Lucida Console"/>
+              <a:cs typeface="Lucida Console"/>
+            </a:endParaRPr>
+          </a:p>
+          <a:p>
+            <a:pPr marL="0" indent="0">
+              <a:buNone/>
+            </a:pPr>
+            <a:r>
+              <a:rPr lang="en-US" dirty="0">
+                <a:latin typeface="Lucida Console"/>
+                <a:cs typeface="Lucida Console"/>
+              </a:rPr>
+              <a:t>WHERE </a:t>
+            </a:r>
+            <a:r>
+              <a:rPr lang="en-US" dirty="0" err="1">
+                <a:latin typeface="Lucida Console"/>
+                <a:cs typeface="Lucida Console"/>
+              </a:rPr>
+              <a:t>page_views.date</a:t>
+            </a:r>
+            <a:r>
+              <a:rPr lang="en-US" dirty="0">
+                <a:latin typeface="Lucida Console"/>
+                <a:cs typeface="Lucida Console"/>
+              </a:rPr>
+              <a:t> &gt;= '2008-03-01' AND </a:t>
+            </a:r>
+            <a:r>
+              <a:rPr lang="en-US" dirty="0" err="1">
+                <a:latin typeface="Lucida Console"/>
+                <a:cs typeface="Lucida Console"/>
+              </a:rPr>
+              <a:t>page_views.date</a:t>
+            </a:r>
+            <a:r>
+              <a:rPr lang="en-US" dirty="0">
+                <a:latin typeface="Lucida Console"/>
+                <a:cs typeface="Lucida Console"/>
+              </a:rPr>
+              <a:t> &lt;= '2008-03-31' AND</a:t>
+            </a:r>
+          </a:p>
+          <a:p>
+            <a:pPr marL="0" indent="0">
+              <a:buNone/>
+            </a:pPr>
+            <a:r>
+              <a:rPr lang="en-US" dirty="0">
+                <a:latin typeface="Lucida Console"/>
+                <a:cs typeface="Lucida Console"/>
+              </a:rPr>
+              <a:t>      </a:t>
+            </a:r>
+            <a:r>
+              <a:rPr lang="en-US" dirty="0" err="1">
+                <a:latin typeface="Lucida Console"/>
+                <a:cs typeface="Lucida Console"/>
+              </a:rPr>
+              <a:t>page_views.referrer_url</a:t>
+            </a:r>
+            <a:r>
+              <a:rPr lang="en-US" dirty="0">
+                <a:latin typeface="Lucida Console"/>
+                <a:cs typeface="Lucida Console"/>
+              </a:rPr>
+              <a:t> like '%</a:t>
+            </a:r>
+            <a:r>
+              <a:rPr lang="en-US" dirty="0" err="1">
+                <a:latin typeface="Lucida Console"/>
+                <a:cs typeface="Lucida Console"/>
+              </a:rPr>
+              <a:t>xyz.com</a:t>
+            </a:r>
+            <a:r>
+              <a:rPr lang="en-US" dirty="0">
+                <a:latin typeface="Lucida Console"/>
+                <a:cs typeface="Lucida Console"/>
+              </a:rPr>
+              <a:t>';</a:t>
+            </a:r>
+          </a:p>
+        </p:txBody>
+      </p:sp>
+    </p:spTree>
+    <p:extLst>
+      <p:ext uri="{BB962C8B-B14F-4D97-AF65-F5344CB8AC3E}">
+        <p14:creationId xmlns:p14="http://schemas.microsoft.com/office/powerpoint/2010/main" val="2489775350"/>
+      </p:ext>
+    </p:extLst>
+  </p:cSld>
+  <p:clrMapOvr>
+    <a:masterClrMapping/>
+  </p:clrMapOvr>
+</p:sld>
+</file>
+
+<file path=ppt/slides/slide24.xml><?xml version="1.0" encoding="utf-8"?>
+<p:sld xmlns:a="http://schemas.openxmlformats.org/drawingml/2006/main" xmlns:r="http://schemas.openxmlformats.org/officeDocument/2006/relationships" xmlns:p="http://schemas.openxmlformats.org/presentationml/2006/main">
+  <p:cSld>
+    <p:spTree>
+      <p:nvGrpSpPr>
+        <p:cNvPr id="1" name=""/>
+        <p:cNvGrpSpPr/>
+        <p:nvPr/>
+      </p:nvGrpSpPr>
+      <p:grpSpPr>
+        <a:xfrm>
+          <a:off x="0" y="0"/>
+          <a:ext cx="0" cy="0"/>
+          <a:chOff x="0" y="0"/>
+          <a:chExt cx="0" cy="0"/>
+        </a:xfrm>
+      </p:grpSpPr>
+      <p:sp>
+        <p:nvSpPr>
+          <p:cNvPr id="2" name="Title 1"/>
+          <p:cNvSpPr>
+            <a:spLocks noGrp="1"/>
+          </p:cNvSpPr>
+          <p:nvPr>
+            <p:ph type="title"/>
+          </p:nvPr>
+        </p:nvSpPr>
+        <p:spPr/>
+        <p:txBody>
+          <a:bodyPr/>
+          <a:lstStyle/>
+          <a:p>
+            <a:r>
+              <a:rPr lang="en-US" dirty="0" err="1"/>
+              <a:t>SparkSQL</a:t>
+            </a:r>
+            <a:endParaRPr lang="en-US" dirty="0"/>
+          </a:p>
+        </p:txBody>
+      </p:sp>
+      <p:sp>
+        <p:nvSpPr>
+          <p:cNvPr id="3" name="Content Placeholder 2"/>
+          <p:cNvSpPr>
+            <a:spLocks noGrp="1"/>
+          </p:cNvSpPr>
+          <p:nvPr>
+            <p:ph idx="1"/>
+          </p:nvPr>
+        </p:nvSpPr>
+        <p:spPr/>
+        <p:txBody>
+          <a:bodyPr>
+            <a:normAutofit/>
+          </a:bodyPr>
+          <a:lstStyle/>
+          <a:p>
+            <a:r>
+              <a:rPr lang="en-US" dirty="0"/>
+              <a:t>Integrates into existing Spark programs</a:t>
+            </a:r>
+          </a:p>
+          <a:p>
+            <a:pPr lvl="1"/>
+            <a:r>
+              <a:rPr lang="en-US" dirty="0"/>
+              <a:t>Mixes SQL with Python, </a:t>
+            </a:r>
+            <a:r>
+              <a:rPr lang="en-US" dirty="0" err="1"/>
+              <a:t>Scala</a:t>
+            </a:r>
+            <a:r>
+              <a:rPr lang="en-US" dirty="0"/>
+              <a:t> or Java</a:t>
+            </a:r>
+          </a:p>
+          <a:p>
+            <a:r>
+              <a:rPr lang="en-US" dirty="0"/>
+              <a:t>Integrates data from CSV, Avro, Parquet, JDBC, ODBC, JSON, </a:t>
+            </a:r>
+            <a:r>
+              <a:rPr lang="en-US" dirty="0" err="1"/>
+              <a:t>etc</a:t>
+            </a:r>
+            <a:endParaRPr lang="en-US" dirty="0"/>
+          </a:p>
+          <a:p>
+            <a:pPr lvl="1"/>
+            <a:r>
+              <a:rPr lang="en-US" dirty="0"/>
+              <a:t>Including joins across them</a:t>
+            </a:r>
+          </a:p>
+          <a:p>
+            <a:r>
+              <a:rPr lang="en-US" dirty="0"/>
+              <a:t>Fully supports Apache Hive</a:t>
+            </a:r>
+          </a:p>
+          <a:p>
+            <a:pPr lvl="1"/>
+            <a:r>
+              <a:rPr lang="en-US" i="1" dirty="0"/>
+              <a:t>If you build it with Hive support</a:t>
+            </a:r>
+          </a:p>
+          <a:p>
+            <a:r>
+              <a:rPr lang="en-US" dirty="0"/>
+              <a:t>Fits into the resilient scalable model of Spark</a:t>
+            </a:r>
+          </a:p>
+        </p:txBody>
+      </p:sp>
+    </p:spTree>
+    <p:extLst>
+      <p:ext uri="{BB962C8B-B14F-4D97-AF65-F5344CB8AC3E}">
+        <p14:creationId xmlns:p14="http://schemas.microsoft.com/office/powerpoint/2010/main" val="3825801356"/>
+      </p:ext>
+    </p:extLst>
+  </p:cSld>
+  <p:clrMapOvr>
+    <a:masterClrMapping/>
+  </p:clrMapOvr>
+</p:sld>
+</file>
+
+<file path=ppt/slides/slide25.xml><?xml version="1.0" encoding="utf-8"?>
+<p:sld xmlns:a="http://schemas.openxmlformats.org/drawingml/2006/main" xmlns:r="http://schemas.openxmlformats.org/officeDocument/2006/relationships" xmlns:p="http://schemas.openxmlformats.org/presentationml/2006/main">
+  <p:cSld>
+    <p:spTree>
+      <p:nvGrpSpPr>
+        <p:cNvPr id="1" name=""/>
+        <p:cNvGrpSpPr/>
+        <p:nvPr/>
+      </p:nvGrpSpPr>
+      <p:grpSpPr>
+        <a:xfrm>
+          <a:off x="0" y="0"/>
+          <a:ext cx="0" cy="0"/>
+          <a:chOff x="0" y="0"/>
+          <a:chExt cx="0" cy="0"/>
+        </a:xfrm>
+      </p:grpSpPr>
+      <p:sp>
+        <p:nvSpPr>
+          <p:cNvPr id="2" name="Title 1"/>
+          <p:cNvSpPr>
+            <a:spLocks noGrp="1"/>
+          </p:cNvSpPr>
+          <p:nvPr>
+            <p:ph type="title"/>
+          </p:nvPr>
+        </p:nvSpPr>
+        <p:spPr/>
+        <p:txBody>
+          <a:bodyPr/>
+          <a:lstStyle/>
+          <a:p>
+            <a:r>
+              <a:rPr lang="en-US" dirty="0"/>
               <a:t>Spark SQL example</a:t>
             </a:r>
           </a:p>
@@ -6749,7 +7483,7 @@
 </p:sld>
 </file>
 
-<file path=ppt/slides/slide24.xml><?xml version="1.0" encoding="utf-8"?>
+<file path=ppt/slides/slide26.xml><?xml version="1.0" encoding="utf-8"?>
 <p:sld xmlns:a="http://schemas.openxmlformats.org/drawingml/2006/main" xmlns:r="http://schemas.openxmlformats.org/officeDocument/2006/relationships" xmlns:p="http://schemas.openxmlformats.org/presentationml/2006/main">
   <p:cSld>
     <p:spTree>
@@ -6901,388 +7635,6 @@
 </p:sld>
 </file>
 
-<file path=ppt/slides/slide25.xml><?xml version="1.0" encoding="utf-8"?>
-<p:sld xmlns:a="http://schemas.openxmlformats.org/drawingml/2006/main" xmlns:r="http://schemas.openxmlformats.org/officeDocument/2006/relationships" xmlns:p="http://schemas.openxmlformats.org/presentationml/2006/main">
-  <p:cSld>
-    <p:spTree>
-      <p:nvGrpSpPr>
-        <p:cNvPr id="1" name=""/>
-        <p:cNvGrpSpPr/>
-        <p:nvPr/>
-      </p:nvGrpSpPr>
-      <p:grpSpPr>
-        <a:xfrm>
-          <a:off x="0" y="0"/>
-          <a:ext cx="0" cy="0"/>
-          <a:chOff x="0" y="0"/>
-          <a:chExt cx="0" cy="0"/>
-        </a:xfrm>
-      </p:grpSpPr>
-      <p:sp>
-        <p:nvSpPr>
-          <p:cNvPr id="2" name="Title 1"/>
-          <p:cNvSpPr>
-            <a:spLocks noGrp="1"/>
-          </p:cNvSpPr>
-          <p:nvPr>
-            <p:ph type="title"/>
-          </p:nvPr>
-        </p:nvSpPr>
-        <p:spPr/>
-        <p:txBody>
-          <a:bodyPr/>
-          <a:lstStyle/>
-          <a:p>
-            <a:r>
-              <a:rPr lang="en-US" dirty="0"/>
-              <a:t>More SQL</a:t>
-            </a:r>
-          </a:p>
-        </p:txBody>
-      </p:sp>
-      <p:sp>
-        <p:nvSpPr>
-          <p:cNvPr id="3" name="Content Placeholder 2"/>
-          <p:cNvSpPr>
-            <a:spLocks noGrp="1"/>
-          </p:cNvSpPr>
-          <p:nvPr>
-            <p:ph idx="1"/>
-          </p:nvPr>
-        </p:nvSpPr>
-        <p:spPr/>
-        <p:txBody>
-          <a:bodyPr/>
-          <a:lstStyle/>
-          <a:p>
-            <a:pPr marL="0" indent="0">
-              <a:buNone/>
-            </a:pPr>
-            <a:r>
-              <a:rPr lang="en-US" dirty="0" err="1"/>
-              <a:t>df</a:t>
-            </a:r>
-            <a:r>
-              <a:rPr lang="en-US" dirty="0"/>
-              <a:t>.</a:t>
-            </a:r>
-            <a:br>
-              <a:rPr lang="en-US" dirty="0"/>
-            </a:br>
-            <a:r>
-              <a:rPr lang="en-US" dirty="0"/>
-              <a:t>  select('</a:t>
-            </a:r>
-            <a:r>
-              <a:rPr lang="en-US" dirty="0" err="1"/>
-              <a:t>postcode’,’id</a:t>
-            </a:r>
-            <a:r>
-              <a:rPr lang="en-US" dirty="0"/>
-              <a:t>').</a:t>
-            </a:r>
-            <a:br>
-              <a:rPr lang="en-US" dirty="0"/>
-            </a:br>
-            <a:r>
-              <a:rPr lang="en-US" dirty="0"/>
-              <a:t>  </a:t>
-            </a:r>
-            <a:r>
-              <a:rPr lang="en-US" dirty="0" err="1"/>
-              <a:t>withColumn</a:t>
-            </a:r>
-            <a:r>
-              <a:rPr lang="en-US" dirty="0"/>
-              <a:t>('</a:t>
-            </a:r>
-            <a:r>
-              <a:rPr lang="en-US" dirty="0" err="1"/>
-              <a:t>first_pc</a:t>
-            </a:r>
-            <a:r>
-              <a:rPr lang="en-US" dirty="0"/>
-              <a:t>', </a:t>
-            </a:r>
-            <a:br>
-              <a:rPr lang="en-US" dirty="0"/>
-            </a:br>
-            <a:r>
-              <a:rPr lang="en-US" dirty="0"/>
-              <a:t>    split(</a:t>
-            </a:r>
-            <a:r>
-              <a:rPr lang="en-US" dirty="0" err="1"/>
-              <a:t>df.postcode</a:t>
-            </a:r>
-            <a:r>
-              <a:rPr lang="en-US" dirty="0"/>
-              <a:t>, '\s’[0]).</a:t>
-            </a:r>
-            <a:br>
-              <a:rPr lang="en-US" dirty="0"/>
-            </a:br>
-            <a:r>
-              <a:rPr lang="en-US" dirty="0"/>
-              <a:t>    where((col("</a:t>
-            </a:r>
-            <a:r>
-              <a:rPr lang="en-US" dirty="0" err="1"/>
-              <a:t>first_pc</a:t>
-            </a:r>
-            <a:r>
-              <a:rPr lang="en-US" dirty="0"/>
-              <a:t>") == 'SW11') or  </a:t>
-            </a:r>
-            <a:br>
-              <a:rPr lang="en-US" dirty="0"/>
-            </a:br>
-            <a:r>
-              <a:rPr lang="en-US" dirty="0"/>
-              <a:t>                 (col("</a:t>
-            </a:r>
-            <a:r>
-              <a:rPr lang="en-US" dirty="0" err="1"/>
-              <a:t>first_pc</a:t>
-            </a:r>
-            <a:r>
-              <a:rPr lang="en-US" dirty="0"/>
-              <a:t>") == 'OX1')).</a:t>
-            </a:r>
-            <a:br>
-              <a:rPr lang="en-US" dirty="0"/>
-            </a:br>
-            <a:r>
-              <a:rPr lang="en-US" dirty="0"/>
-              <a:t>     </a:t>
-            </a:r>
-            <a:r>
-              <a:rPr lang="en-US" dirty="0" err="1"/>
-              <a:t>groupBy</a:t>
-            </a:r>
-            <a:r>
-              <a:rPr lang="en-US" dirty="0"/>
-              <a:t>('</a:t>
-            </a:r>
-            <a:r>
-              <a:rPr lang="en-US" dirty="0" err="1"/>
-              <a:t>first_pc</a:t>
-            </a:r>
-            <a:r>
-              <a:rPr lang="en-US" dirty="0"/>
-              <a:t>').</a:t>
-            </a:r>
-            <a:br>
-              <a:rPr lang="en-US" dirty="0"/>
-            </a:br>
-            <a:r>
-              <a:rPr lang="en-US" dirty="0"/>
-              <a:t>     </a:t>
-            </a:r>
-            <a:r>
-              <a:rPr lang="en-US" dirty="0" err="1"/>
-              <a:t>agg</a:t>
-            </a:r>
-            <a:r>
-              <a:rPr lang="en-US" dirty="0"/>
-              <a:t>({"id": "count"})</a:t>
-            </a:r>
-            <a:r>
-              <a:rPr lang="en-US"/>
-              <a:t>.show(</a:t>
-            </a:r>
-            <a:r>
-              <a:rPr lang="en-US" dirty="0"/>
-              <a:t>)</a:t>
-            </a:r>
-          </a:p>
-          <a:p>
-            <a:endParaRPr lang="en-US" dirty="0"/>
-          </a:p>
-        </p:txBody>
-      </p:sp>
-    </p:spTree>
-    <p:extLst>
-      <p:ext uri="{BB962C8B-B14F-4D97-AF65-F5344CB8AC3E}">
-        <p14:creationId xmlns:p14="http://schemas.microsoft.com/office/powerpoint/2010/main" val="2781459140"/>
-      </p:ext>
-    </p:extLst>
-  </p:cSld>
-  <p:clrMapOvr>
-    <a:masterClrMapping/>
-  </p:clrMapOvr>
-</p:sld>
-</file>
-
-<file path=ppt/slides/slide26.xml><?xml version="1.0" encoding="utf-8"?>
-<p:sld xmlns:a="http://schemas.openxmlformats.org/drawingml/2006/main" xmlns:r="http://schemas.openxmlformats.org/officeDocument/2006/relationships" xmlns:p="http://schemas.openxmlformats.org/presentationml/2006/main">
-  <p:cSld>
-    <p:spTree>
-      <p:nvGrpSpPr>
-        <p:cNvPr id="1" name=""/>
-        <p:cNvGrpSpPr/>
-        <p:nvPr/>
-      </p:nvGrpSpPr>
-      <p:grpSpPr>
-        <a:xfrm>
-          <a:off x="0" y="0"/>
-          <a:ext cx="0" cy="0"/>
-          <a:chOff x="0" y="0"/>
-          <a:chExt cx="0" cy="0"/>
-        </a:xfrm>
-      </p:grpSpPr>
-      <p:sp>
-        <p:nvSpPr>
-          <p:cNvPr id="2" name="Title 1"/>
-          <p:cNvSpPr>
-            <a:spLocks noGrp="1"/>
-          </p:cNvSpPr>
-          <p:nvPr>
-            <p:ph type="title"/>
-          </p:nvPr>
-        </p:nvSpPr>
-        <p:spPr/>
-        <p:txBody>
-          <a:bodyPr/>
-          <a:lstStyle/>
-          <a:p>
-            <a:r>
-              <a:rPr lang="en-US" dirty="0"/>
-              <a:t>User Defined Functions</a:t>
-            </a:r>
-          </a:p>
-        </p:txBody>
-      </p:sp>
-      <p:sp>
-        <p:nvSpPr>
-          <p:cNvPr id="3" name="Content Placeholder 2"/>
-          <p:cNvSpPr>
-            <a:spLocks noGrp="1"/>
-          </p:cNvSpPr>
-          <p:nvPr>
-            <p:ph idx="1"/>
-          </p:nvPr>
-        </p:nvSpPr>
-        <p:spPr/>
-        <p:txBody>
-          <a:bodyPr>
-            <a:normAutofit/>
-          </a:bodyPr>
-          <a:lstStyle/>
-          <a:p>
-            <a:r>
-              <a:rPr lang="en-US" dirty="0"/>
-              <a:t>In SQL a User Defined Function is an extension that helps perform other functions in SQL</a:t>
-            </a:r>
-          </a:p>
-          <a:p>
-            <a:r>
-              <a:rPr lang="en-US" dirty="0"/>
-              <a:t>In Spark we can add our own functions (e.g. written in Python)</a:t>
-            </a:r>
-          </a:p>
-          <a:p>
-            <a:pPr marL="0" indent="0">
-              <a:buNone/>
-            </a:pPr>
-            <a:r>
-              <a:rPr lang="en-US" sz="2000" dirty="0" err="1">
-                <a:latin typeface="Menlo Regular"/>
-                <a:cs typeface="Menlo Regular"/>
-              </a:rPr>
-              <a:t>def</a:t>
-            </a:r>
-            <a:r>
-              <a:rPr lang="en-US" sz="2000" dirty="0">
-                <a:latin typeface="Menlo Regular"/>
-                <a:cs typeface="Menlo Regular"/>
-              </a:rPr>
-              <a:t> squared(s):</a:t>
-            </a:r>
-          </a:p>
-          <a:p>
-            <a:pPr marL="0" indent="0">
-              <a:buNone/>
-            </a:pPr>
-            <a:r>
-              <a:rPr lang="en-US" sz="2000" dirty="0">
-                <a:latin typeface="Menlo Regular"/>
-                <a:cs typeface="Menlo Regular"/>
-              </a:rPr>
-              <a:t>  return s * s</a:t>
-            </a:r>
-          </a:p>
-          <a:p>
-            <a:pPr marL="0" indent="0">
-              <a:buNone/>
-            </a:pPr>
-            <a:r>
-              <a:rPr lang="en-US" sz="2000" dirty="0" err="1">
-                <a:latin typeface="Menlo Regular"/>
-                <a:cs typeface="Menlo Regular"/>
-              </a:rPr>
-              <a:t>sqlContext.udf.register</a:t>
-            </a:r>
-            <a:r>
-              <a:rPr lang="en-US" sz="2000" dirty="0">
-                <a:latin typeface="Menlo Regular"/>
-                <a:cs typeface="Menlo Regular"/>
-              </a:rPr>
-              <a:t>("squared", squared)</a:t>
-            </a:r>
-            <a:br>
-              <a:rPr lang="en-US" sz="2000" dirty="0">
-                <a:latin typeface="Menlo Regular"/>
-                <a:cs typeface="Menlo Regular"/>
-              </a:rPr>
-            </a:br>
-            <a:br>
-              <a:rPr lang="en-US" sz="2000" dirty="0">
-                <a:latin typeface="Menlo Regular"/>
-                <a:cs typeface="Menlo Regular"/>
-              </a:rPr>
-            </a:br>
-            <a:r>
-              <a:rPr lang="en-US" sz="2000" dirty="0">
-                <a:latin typeface="Menlo Regular"/>
-                <a:cs typeface="Menlo Regular"/>
-              </a:rPr>
-              <a:t>SELECT squared(age) as </a:t>
-            </a:r>
-            <a:r>
-              <a:rPr lang="en-US" sz="2000" dirty="0" err="1">
-                <a:latin typeface="Menlo Regular"/>
-                <a:cs typeface="Menlo Regular"/>
-              </a:rPr>
-              <a:t>agesquared</a:t>
-            </a:r>
-            <a:r>
-              <a:rPr lang="en-US" sz="2000">
-                <a:latin typeface="Menlo Regular"/>
-                <a:cs typeface="Menlo Regular"/>
-              </a:rPr>
-              <a:t> from PERSON</a:t>
-            </a:r>
-            <a:endParaRPr lang="en-US" sz="2000" dirty="0">
-              <a:latin typeface="Menlo Regular"/>
-              <a:cs typeface="Menlo Regular"/>
-            </a:endParaRPr>
-          </a:p>
-        </p:txBody>
-      </p:sp>
-    </p:spTree>
-    <p:extLst>
-      <p:ext uri="{BB962C8B-B14F-4D97-AF65-F5344CB8AC3E}">
-        <p14:creationId xmlns:p14="http://schemas.microsoft.com/office/powerpoint/2010/main" val="239102712"/>
-      </p:ext>
-    </p:extLst>
-  </p:cSld>
-  <p:clrMapOvr>
-    <a:masterClrMapping/>
-  </p:clrMapOvr>
-</p:sld>
-</file>
-
 <file path=ppt/slides/slide27.xml><?xml version="1.0" encoding="utf-8"?>
 <p:sld xmlns:a="http://schemas.openxmlformats.org/drawingml/2006/main" xmlns:r="http://schemas.openxmlformats.org/officeDocument/2006/relationships" xmlns:p="http://schemas.openxmlformats.org/presentationml/2006/main">
   <p:cSld>
@@ -7317,15 +7669,168 @@
           <a:p>
             <a:r>
               <a:rPr lang="en-US" dirty="0"/>
-              <a:t>Questions?</a:t>
-            </a:r>
+              <a:t>More SQL</a:t>
+            </a:r>
+          </a:p>
+        </p:txBody>
+      </p:sp>
+      <p:sp>
+        <p:nvSpPr>
+          <p:cNvPr id="3" name="Content Placeholder 2"/>
+          <p:cNvSpPr>
+            <a:spLocks noGrp="1"/>
+          </p:cNvSpPr>
+          <p:nvPr>
+            <p:ph idx="1"/>
+          </p:nvPr>
+        </p:nvSpPr>
+        <p:spPr/>
+        <p:txBody>
+          <a:bodyPr/>
+          <a:lstStyle/>
+          <a:p>
+            <a:pPr marL="0" indent="0">
+              <a:buNone/>
+            </a:pPr>
+            <a:r>
+              <a:rPr lang="en-US" dirty="0" err="1"/>
+              <a:t>df</a:t>
+            </a:r>
+            <a:r>
+              <a:rPr lang="en-US" dirty="0"/>
+              <a:t>.</a:t>
+            </a:r>
+            <a:br>
+              <a:rPr lang="en-US" dirty="0"/>
+            </a:br>
+            <a:r>
+              <a:rPr lang="en-US" dirty="0"/>
+              <a:t>  select('</a:t>
+            </a:r>
+            <a:r>
+              <a:rPr lang="en-US" dirty="0" err="1"/>
+              <a:t>postcode’,’id</a:t>
+            </a:r>
+            <a:r>
+              <a:rPr lang="en-US" dirty="0"/>
+              <a:t>').</a:t>
+            </a:r>
+            <a:br>
+              <a:rPr lang="en-US" dirty="0"/>
+            </a:br>
+            <a:r>
+              <a:rPr lang="en-US" dirty="0"/>
+              <a:t>  </a:t>
+            </a:r>
+            <a:r>
+              <a:rPr lang="en-US" dirty="0" err="1"/>
+              <a:t>withColumn</a:t>
+            </a:r>
+            <a:r>
+              <a:rPr lang="en-US" dirty="0"/>
+              <a:t>('</a:t>
+            </a:r>
+            <a:r>
+              <a:rPr lang="en-US" dirty="0" err="1"/>
+              <a:t>first_pc</a:t>
+            </a:r>
+            <a:r>
+              <a:rPr lang="en-US" dirty="0"/>
+              <a:t>', </a:t>
+            </a:r>
+            <a:br>
+              <a:rPr lang="en-US" dirty="0"/>
+            </a:br>
+            <a:r>
+              <a:rPr lang="en-US" dirty="0"/>
+              <a:t>    split(</a:t>
+            </a:r>
+            <a:r>
+              <a:rPr lang="en-US" dirty="0" err="1"/>
+              <a:t>df.postcode</a:t>
+            </a:r>
+            <a:r>
+              <a:rPr lang="en-US" dirty="0"/>
+              <a:t>, ‘\s’[0]).</a:t>
+            </a:r>
+            <a:br>
+              <a:rPr lang="en-US" dirty="0"/>
+            </a:br>
+            <a:r>
+              <a:rPr lang="en-US" dirty="0"/>
+              <a:t>    where((col("</a:t>
+            </a:r>
+            <a:r>
+              <a:rPr lang="en-US" dirty="0" err="1"/>
+              <a:t>first_pc</a:t>
+            </a:r>
+            <a:r>
+              <a:rPr lang="en-US" dirty="0"/>
+              <a:t>") == 'SW11') or  </a:t>
+            </a:r>
+            <a:br>
+              <a:rPr lang="en-US" dirty="0"/>
+            </a:br>
+            <a:r>
+              <a:rPr lang="en-US" dirty="0"/>
+              <a:t>                 (col("</a:t>
+            </a:r>
+            <a:r>
+              <a:rPr lang="en-US" dirty="0" err="1"/>
+              <a:t>first_pc</a:t>
+            </a:r>
+            <a:r>
+              <a:rPr lang="en-US" dirty="0"/>
+              <a:t>") == 'OX1')).</a:t>
+            </a:r>
+            <a:br>
+              <a:rPr lang="en-US" dirty="0"/>
+            </a:br>
+            <a:r>
+              <a:rPr lang="en-US" dirty="0"/>
+              <a:t>     </a:t>
+            </a:r>
+            <a:r>
+              <a:rPr lang="en-US" dirty="0" err="1"/>
+              <a:t>groupBy</a:t>
+            </a:r>
+            <a:r>
+              <a:rPr lang="en-US" dirty="0"/>
+              <a:t>('</a:t>
+            </a:r>
+            <a:r>
+              <a:rPr lang="en-US" dirty="0" err="1"/>
+              <a:t>first_pc</a:t>
+            </a:r>
+            <a:r>
+              <a:rPr lang="en-US" dirty="0"/>
+              <a:t>').</a:t>
+            </a:r>
+            <a:br>
+              <a:rPr lang="en-US" dirty="0"/>
+            </a:br>
+            <a:r>
+              <a:rPr lang="en-US" dirty="0"/>
+              <a:t>     </a:t>
+            </a:r>
+            <a:r>
+              <a:rPr lang="en-US" dirty="0" err="1"/>
+              <a:t>agg</a:t>
+            </a:r>
+            <a:r>
+              <a:rPr lang="en-US" dirty="0"/>
+              <a:t>({"id": "count"}).show()</a:t>
+            </a:r>
+          </a:p>
+          <a:p>
+            <a:endParaRPr lang="en-US" dirty="0"/>
           </a:p>
         </p:txBody>
       </p:sp>
     </p:spTree>
     <p:extLst>
       <p:ext uri="{BB962C8B-B14F-4D97-AF65-F5344CB8AC3E}">
-        <p14:creationId xmlns:p14="http://schemas.microsoft.com/office/powerpoint/2010/main" val="2250615443"/>
+        <p14:creationId xmlns:p14="http://schemas.microsoft.com/office/powerpoint/2010/main" val="2781459140"/>
       </p:ext>
     </p:extLst>
   </p:cSld>
@@ -7354,13 +7859,7 @@
       </p:grpSpPr>
       <p:sp>
         <p:nvSpPr>
-          <p:cNvPr id="2" name="Title 1">
-            <a:extLst>
-              <a:ext uri="{FF2B5EF4-FFF2-40B4-BE49-F238E27FC236}">
-                <a16:creationId xmlns:a16="http://schemas.microsoft.com/office/drawing/2014/main" id="{3AFEA3A2-A8B3-4342-BA44-CE60A253C0EE}"/>
-              </a:ext>
-            </a:extLst>
-          </p:cNvPr>
+          <p:cNvPr id="2" name="Title 1"/>
           <p:cNvSpPr>
             <a:spLocks noGrp="1"/>
           </p:cNvSpPr>
@@ -7374,22 +7873,15 @@
           <a:lstStyle/>
           <a:p>
             <a:r>
-              <a:rPr lang="en-US" dirty="0" err="1"/>
-              <a:t>Flintrock</a:t>
-            </a:r>
-            <a:endParaRPr lang="en-US" dirty="0"/>
-          </a:p>
-        </p:txBody>
-      </p:sp>
-      <p:sp>
-        <p:nvSpPr>
-          <p:cNvPr id="3" name="Content Placeholder 2">
-            <a:extLst>
-              <a:ext uri="{FF2B5EF4-FFF2-40B4-BE49-F238E27FC236}">
-                <a16:creationId xmlns:a16="http://schemas.microsoft.com/office/drawing/2014/main" id="{3F46534F-487A-964B-A318-B0F5E6C7DFC3}"/>
-              </a:ext>
-            </a:extLst>
-          </p:cNvPr>
+              <a:rPr lang="en-US" dirty="0"/>
+              <a:t>User Defined Functions</a:t>
+            </a:r>
+          </a:p>
+        </p:txBody>
+      </p:sp>
+      <p:sp>
+        <p:nvSpPr>
+          <p:cNvPr id="3" name="Content Placeholder 2"/>
           <p:cNvSpPr>
             <a:spLocks noGrp="1"/>
           </p:cNvSpPr>
@@ -7399,28 +7891,167 @@
         </p:nvSpPr>
         <p:spPr/>
         <p:txBody>
-          <a:bodyPr/>
-          <a:lstStyle/>
-          <a:p>
-            <a:r>
-              <a:rPr lang="en-US" dirty="0"/>
-              <a:t>https://</a:t>
-            </a:r>
-            <a:r>
-              <a:rPr lang="en-US" dirty="0" err="1"/>
-              <a:t>databricks.com</a:t>
-            </a:r>
-            <a:r>
-              <a:rPr lang="en-US"/>
-              <a:t>/session/flintrock-a-faster-better-spark-ec2</a:t>
-            </a:r>
+          <a:bodyPr>
+            <a:normAutofit/>
+          </a:bodyPr>
+          <a:lstStyle/>
+          <a:p>
+            <a:r>
+              <a:rPr lang="en-US" dirty="0"/>
+              <a:t>In SQL a User Defined Function is an extension that helps perform other functions in SQL</a:t>
+            </a:r>
+          </a:p>
+          <a:p>
+            <a:r>
+              <a:rPr lang="en-US" dirty="0"/>
+              <a:t>In Spark we can add our own functions (e.g. written in Python)</a:t>
+            </a:r>
+          </a:p>
+          <a:p>
+            <a:pPr marL="0" indent="0">
+              <a:buNone/>
+            </a:pPr>
+            <a:r>
+              <a:rPr lang="en-US" sz="2000" dirty="0" err="1">
+                <a:latin typeface="Menlo Regular"/>
+                <a:cs typeface="Menlo Regular"/>
+              </a:rPr>
+              <a:t>def</a:t>
+            </a:r>
+            <a:r>
+              <a:rPr lang="en-US" sz="2000" dirty="0">
+                <a:latin typeface="Menlo Regular"/>
+                <a:cs typeface="Menlo Regular"/>
+              </a:rPr>
+              <a:t> squared(s):</a:t>
+            </a:r>
+          </a:p>
+          <a:p>
+            <a:pPr marL="0" indent="0">
+              <a:buNone/>
+            </a:pPr>
+            <a:r>
+              <a:rPr lang="en-US" sz="2000" dirty="0">
+                <a:latin typeface="Menlo Regular"/>
+                <a:cs typeface="Menlo Regular"/>
+              </a:rPr>
+              <a:t>  return s * s</a:t>
+            </a:r>
+          </a:p>
+          <a:p>
+            <a:pPr marL="0" indent="0">
+              <a:buNone/>
+            </a:pPr>
+            <a:r>
+              <a:rPr lang="en-US" sz="2000" dirty="0" err="1">
+                <a:latin typeface="Menlo Regular"/>
+                <a:cs typeface="Menlo Regular"/>
+              </a:rPr>
+              <a:t>sqlContext.udf.register</a:t>
+            </a:r>
+            <a:r>
+              <a:rPr lang="en-US" sz="2000" dirty="0">
+                <a:latin typeface="Menlo Regular"/>
+                <a:cs typeface="Menlo Regular"/>
+              </a:rPr>
+              <a:t>("squared", squared)</a:t>
+            </a:r>
+            <a:br>
+              <a:rPr lang="en-US" sz="2000" dirty="0">
+                <a:latin typeface="Menlo Regular"/>
+                <a:cs typeface="Menlo Regular"/>
+              </a:rPr>
+            </a:br>
+            <a:br>
+              <a:rPr lang="en-US" sz="2000" dirty="0">
+                <a:latin typeface="Menlo Regular"/>
+                <a:cs typeface="Menlo Regular"/>
+              </a:rPr>
+            </a:br>
+            <a:r>
+              <a:rPr lang="en-US" sz="2000" dirty="0">
+                <a:latin typeface="Menlo Regular"/>
+                <a:cs typeface="Menlo Regular"/>
+              </a:rPr>
+              <a:t>SELECT squared(age) as </a:t>
+            </a:r>
+            <a:r>
+              <a:rPr lang="en-US" sz="2000" dirty="0" err="1">
+                <a:latin typeface="Menlo Regular"/>
+                <a:cs typeface="Menlo Regular"/>
+              </a:rPr>
+              <a:t>agesquared</a:t>
+            </a:r>
+            <a:r>
+              <a:rPr lang="en-US" sz="2000">
+                <a:latin typeface="Menlo Regular"/>
+                <a:cs typeface="Menlo Regular"/>
+              </a:rPr>
+              <a:t> from PERSON</a:t>
+            </a:r>
+            <a:endParaRPr lang="en-US" sz="2000" dirty="0">
+              <a:latin typeface="Menlo Regular"/>
+              <a:cs typeface="Menlo Regular"/>
+            </a:endParaRPr>
           </a:p>
         </p:txBody>
       </p:sp>
     </p:spTree>
     <p:extLst>
       <p:ext uri="{BB962C8B-B14F-4D97-AF65-F5344CB8AC3E}">
-        <p14:creationId xmlns:p14="http://schemas.microsoft.com/office/powerpoint/2010/main" val="2010850909"/>
+        <p14:creationId xmlns:p14="http://schemas.microsoft.com/office/powerpoint/2010/main" val="239102712"/>
+      </p:ext>
+    </p:extLst>
+  </p:cSld>
+  <p:clrMapOvr>
+    <a:masterClrMapping/>
+  </p:clrMapOvr>
+</p:sld>
+</file>
+
+<file path=ppt/slides/slide29.xml><?xml version="1.0" encoding="utf-8"?>
+<p:sld xmlns:a="http://schemas.openxmlformats.org/drawingml/2006/main" xmlns:r="http://schemas.openxmlformats.org/officeDocument/2006/relationships" xmlns:p="http://schemas.openxmlformats.org/presentationml/2006/main">
+  <p:cSld>
+    <p:spTree>
+      <p:nvGrpSpPr>
+        <p:cNvPr id="1" name=""/>
+        <p:cNvGrpSpPr/>
+        <p:nvPr/>
+      </p:nvGrpSpPr>
+      <p:grpSpPr>
+        <a:xfrm>
+          <a:off x="0" y="0"/>
+          <a:ext cx="0" cy="0"/>
+          <a:chOff x="0" y="0"/>
+          <a:chExt cx="0" cy="0"/>
+        </a:xfrm>
+      </p:grpSpPr>
+      <p:sp>
+        <p:nvSpPr>
+          <p:cNvPr id="2" name="Title 1"/>
+          <p:cNvSpPr>
+            <a:spLocks noGrp="1"/>
+          </p:cNvSpPr>
+          <p:nvPr>
+            <p:ph type="title"/>
+          </p:nvPr>
+        </p:nvSpPr>
+        <p:spPr/>
+        <p:txBody>
+          <a:bodyPr/>
+          <a:lstStyle/>
+          <a:p>
+            <a:r>
+              <a:rPr lang="en-US" dirty="0"/>
+              <a:t>Questions?</a:t>
+            </a:r>
+          </a:p>
+        </p:txBody>
+      </p:sp>
+    </p:spTree>
+    <p:extLst>
+      <p:ext uri="{BB962C8B-B14F-4D97-AF65-F5344CB8AC3E}">
+        <p14:creationId xmlns:p14="http://schemas.microsoft.com/office/powerpoint/2010/main" val="2250615443"/>
       </p:ext>
     </p:extLst>
   </p:cSld>
@@ -7803,14 +8434,14 @@
             <p:ph idx="1"/>
             <p:extLst>
               <p:ext uri="{D42A27DB-BD31-4B8C-83A1-F6EECF244321}">
-                <p14:modId xmlns:p14="http://schemas.microsoft.com/office/powerpoint/2010/main" val="157407038"/>
+                <p14:modId xmlns:p14="http://schemas.microsoft.com/office/powerpoint/2010/main" val="1373783156"/>
               </p:ext>
             </p:extLst>
           </p:nvPr>
         </p:nvGraphicFramePr>
         <p:xfrm>
-          <a:off x="376238" y="2297518"/>
-          <a:ext cx="8229600" cy="2225040"/>
+          <a:off x="376237" y="2297517"/>
+          <a:ext cx="7921096" cy="2342214"/>
         </p:xfrm>
         <a:graphic>
           <a:graphicData uri="http://schemas.openxmlformats.org/drawingml/2006/table">
@@ -7819,28 +8450,28 @@
                 <a:tableStyleId>{5C22544A-7EE6-4342-B048-85BDC9FD1C3A}</a:tableStyleId>
               </a:tblPr>
               <a:tblGrid>
-                <a:gridCol w="2057400">
+                <a:gridCol w="1980274">
                   <a:extLst>
                     <a:ext uri="{9D8B030D-6E8A-4147-A177-3AD203B41FA5}">
                       <a16:colId xmlns:a16="http://schemas.microsoft.com/office/drawing/2014/main" val="20000"/>
                     </a:ext>
                   </a:extLst>
                 </a:gridCol>
-                <a:gridCol w="2057400">
+                <a:gridCol w="1980274">
                   <a:extLst>
                     <a:ext uri="{9D8B030D-6E8A-4147-A177-3AD203B41FA5}">
                       <a16:colId xmlns:a16="http://schemas.microsoft.com/office/drawing/2014/main" val="20001"/>
                     </a:ext>
                   </a:extLst>
                 </a:gridCol>
-                <a:gridCol w="2057400">
+                <a:gridCol w="1980274">
                   <a:extLst>
                     <a:ext uri="{9D8B030D-6E8A-4147-A177-3AD203B41FA5}">
                       <a16:colId xmlns:a16="http://schemas.microsoft.com/office/drawing/2014/main" val="20002"/>
                     </a:ext>
                   </a:extLst>
                 </a:gridCol>
-                <a:gridCol w="2057400">
+                <a:gridCol w="1980274">
                   <a:extLst>
                     <a:ext uri="{9D8B030D-6E8A-4147-A177-3AD203B41FA5}">
                       <a16:colId xmlns:a16="http://schemas.microsoft.com/office/drawing/2014/main" val="20003"/>
@@ -7848,7 +8479,7 @@
                   </a:extLst>
                 </a:gridCol>
               </a:tblGrid>
-              <a:tr h="370840">
+              <a:tr h="390369">
                 <a:tc>
                   <a:txBody>
                     <a:bodyPr/>
@@ -7909,7 +8540,7 @@
                   </a:ext>
                 </a:extLst>
               </a:tr>
-              <a:tr h="370840">
+              <a:tr h="390369">
                 <a:tc>
                   <a:txBody>
                     <a:bodyPr/>
@@ -7968,7 +8599,7 @@
                   </a:ext>
                 </a:extLst>
               </a:tr>
-              <a:tr h="370840">
+              <a:tr h="390369">
                 <a:tc>
                   <a:txBody>
                     <a:bodyPr/>
@@ -8027,7 +8658,7 @@
                   </a:ext>
                 </a:extLst>
               </a:tr>
-              <a:tr h="370840">
+              <a:tr h="390369">
                 <a:tc>
                   <a:txBody>
                     <a:bodyPr/>
@@ -8061,7 +8692,7 @@
                     <a:p>
                       <a:r>
                         <a:rPr lang="en-US" dirty="0"/>
-                        <a:t>Richardson</a:t>
+                        <a:t>Gleeson</a:t>
                       </a:r>
                     </a:p>
                   </a:txBody>
@@ -8086,7 +8717,7 @@
                   </a:ext>
                 </a:extLst>
               </a:tr>
-              <a:tr h="370840">
+              <a:tr h="390369">
                 <a:tc>
                   <a:txBody>
                     <a:bodyPr/>
@@ -8133,7 +8764,7 @@
                   </a:ext>
                 </a:extLst>
               </a:tr>
-              <a:tr h="370840">
+              <a:tr h="390369">
                 <a:tc>
                   <a:txBody>
                     <a:bodyPr/>

--- a/pres-source/04-sql.pptx
+++ b/pres-source/04-sql.pptx
@@ -241,7 +241,7 @@
             <a:fld id="{7307762F-A706-E543-A832-3C298AA3103F}" type="datetimeFigureOut">
               <a:rPr lang="en-US" smtClean="0"/>
               <a:pPr/>
-              <a:t>2/20/19</a:t>
+              <a:t>3/1/19</a:t>
             </a:fld>
             <a:endParaRPr lang="en-US" dirty="0"/>
           </a:p>
@@ -1081,7 +1081,7 @@
           <a:p>
             <a:fld id="{875CF0EB-321F-0749-B37A-89BBA859503C}" type="datetimeFigureOut">
               <a:rPr lang="en-US" smtClean="0"/>
-              <a:t>2/20/19</a:t>
+              <a:t>3/1/19</a:t>
             </a:fld>
             <a:endParaRPr lang="en-US"/>
           </a:p>
@@ -1283,7 +1283,7 @@
           <a:p>
             <a:fld id="{875CF0EB-321F-0749-B37A-89BBA859503C}" type="datetimeFigureOut">
               <a:rPr lang="en-US" smtClean="0"/>
-              <a:t>2/20/19</a:t>
+              <a:t>3/1/19</a:t>
             </a:fld>
             <a:endParaRPr lang="en-US"/>
           </a:p>
@@ -1475,7 +1475,7 @@
           <a:p>
             <a:fld id="{875CF0EB-321F-0749-B37A-89BBA859503C}" type="datetimeFigureOut">
               <a:rPr lang="en-US" smtClean="0"/>
-              <a:t>2/20/19</a:t>
+              <a:t>3/1/19</a:t>
             </a:fld>
             <a:endParaRPr lang="en-US"/>
           </a:p>
@@ -1744,7 +1744,7 @@
           <a:p>
             <a:fld id="{875CF0EB-321F-0749-B37A-89BBA859503C}" type="datetimeFigureOut">
               <a:rPr lang="en-US" smtClean="0"/>
-              <a:t>2/20/19</a:t>
+              <a:t>3/1/19</a:t>
             </a:fld>
             <a:endParaRPr lang="en-US"/>
           </a:p>
@@ -2053,7 +2053,7 @@
           <a:p>
             <a:fld id="{875CF0EB-321F-0749-B37A-89BBA859503C}" type="datetimeFigureOut">
               <a:rPr lang="en-US" smtClean="0"/>
-              <a:t>2/20/19</a:t>
+              <a:t>3/1/19</a:t>
             </a:fld>
             <a:endParaRPr lang="en-US"/>
           </a:p>
@@ -2496,7 +2496,7 @@
           <a:p>
             <a:fld id="{875CF0EB-321F-0749-B37A-89BBA859503C}" type="datetimeFigureOut">
               <a:rPr lang="en-US" smtClean="0"/>
-              <a:t>2/20/19</a:t>
+              <a:t>3/1/19</a:t>
             </a:fld>
             <a:endParaRPr lang="en-US"/>
           </a:p>
@@ -2637,7 +2637,7 @@
           <a:p>
             <a:fld id="{875CF0EB-321F-0749-B37A-89BBA859503C}" type="datetimeFigureOut">
               <a:rPr lang="en-US" smtClean="0"/>
-              <a:t>2/20/19</a:t>
+              <a:t>3/1/19</a:t>
             </a:fld>
             <a:endParaRPr lang="en-US"/>
           </a:p>
@@ -2756,7 +2756,7 @@
           <a:p>
             <a:fld id="{875CF0EB-321F-0749-B37A-89BBA859503C}" type="datetimeFigureOut">
               <a:rPr lang="en-US" smtClean="0"/>
-              <a:t>2/20/19</a:t>
+              <a:t>3/1/19</a:t>
             </a:fld>
             <a:endParaRPr lang="en-US"/>
           </a:p>
@@ -3055,7 +3055,7 @@
           <a:p>
             <a:fld id="{875CF0EB-321F-0749-B37A-89BBA859503C}" type="datetimeFigureOut">
               <a:rPr lang="en-US" smtClean="0"/>
-              <a:t>2/20/19</a:t>
+              <a:t>3/1/19</a:t>
             </a:fld>
             <a:endParaRPr lang="en-US"/>
           </a:p>
@@ -3331,7 +3331,7 @@
           <a:p>
             <a:fld id="{875CF0EB-321F-0749-B37A-89BBA859503C}" type="datetimeFigureOut">
               <a:rPr lang="en-US" smtClean="0"/>
-              <a:t>2/20/19</a:t>
+              <a:t>3/1/19</a:t>
             </a:fld>
             <a:endParaRPr lang="en-US"/>
           </a:p>
@@ -3545,14 +3545,14 @@
           </a:ln>
           <a:extLst>
             <a:ext uri="{909E8E84-426E-40dd-AFC4-6F175D3DCCD1}">
-              <a14:hiddenFill xmlns="" xmlns:a14="http://schemas.microsoft.com/office/drawing/2010/main">
+              <a14:hiddenFill xmlns:a14="http://schemas.microsoft.com/office/drawing/2010/main" xmlns="">
                 <a:solidFill>
                   <a:srgbClr val="FFFFFF"/>
                 </a:solidFill>
               </a14:hiddenFill>
             </a:ext>
             <a:ext uri="{91240B29-F687-4f45-9708-019B960494DF}">
-              <a14:hiddenLine xmlns="" xmlns:a14="http://schemas.microsoft.com/office/drawing/2010/main" w="9525">
+              <a14:hiddenLine xmlns:a14="http://schemas.microsoft.com/office/drawing/2010/main" xmlns="" w="9525">
                 <a:solidFill>
                   <a:srgbClr val="000000"/>
                 </a:solidFill>
@@ -4100,20 +4100,20 @@
         </p:nvSpPr>
         <p:spPr bwMode="auto">
           <a:xfrm>
-            <a:off x="685800" y="1231483"/>
+            <a:off x="685801" y="2095083"/>
             <a:ext cx="7772400" cy="1470025"/>
           </a:xfrm>
           <a:noFill/>
           <a:extLst>
             <a:ext uri="{909E8E84-426E-40dd-AFC4-6F175D3DCCD1}">
-              <a14:hiddenFill xmlns="" xmlns:a14="http://schemas.microsoft.com/office/drawing/2010/main">
+              <a14:hiddenFill xmlns:a14="http://schemas.microsoft.com/office/drawing/2010/main" xmlns="">
                 <a:solidFill>
                   <a:srgbClr val="FFFFFF"/>
                 </a:solidFill>
               </a14:hiddenFill>
             </a:ext>
             <a:ext uri="{91240B29-F687-4f45-9708-019B960494DF}">
-              <a14:hiddenLine xmlns="" xmlns:a14="http://schemas.microsoft.com/office/drawing/2010/main" w="9525">
+              <a14:hiddenLine xmlns:a14="http://schemas.microsoft.com/office/drawing/2010/main" xmlns="" w="9525">
                 <a:solidFill>
                   <a:srgbClr val="000000"/>
                 </a:solidFill>
@@ -4162,14 +4162,14 @@
           <a:noFill/>
           <a:extLst>
             <a:ext uri="{909E8E84-426E-40dd-AFC4-6F175D3DCCD1}">
-              <a14:hiddenFill xmlns="" xmlns:a14="http://schemas.microsoft.com/office/drawing/2010/main">
+              <a14:hiddenFill xmlns:a14="http://schemas.microsoft.com/office/drawing/2010/main" xmlns="">
                 <a:solidFill>
                   <a:srgbClr val="FFFFFF"/>
                 </a:solidFill>
               </a14:hiddenFill>
             </a:ext>
             <a:ext uri="{91240B29-F687-4f45-9708-019B960494DF}">
-              <a14:hiddenLine xmlns="" xmlns:a14="http://schemas.microsoft.com/office/drawing/2010/main" w="9525">
+              <a14:hiddenLine xmlns:a14="http://schemas.microsoft.com/office/drawing/2010/main" xmlns="" w="9525">
                 <a:solidFill>
                   <a:srgbClr val="000000"/>
                 </a:solidFill>
@@ -4207,6 +4207,44 @@
               </a:rPr>
               <a:t>March 2019</a:t>
             </a:r>
+          </a:p>
+        </p:txBody>
+      </p:sp>
+      <p:sp>
+        <p:nvSpPr>
+          <p:cNvPr id="2" name="Rectangle 1">
+            <a:extLst>
+              <a:ext uri="{FF2B5EF4-FFF2-40B4-BE49-F238E27FC236}">
+                <a16:creationId xmlns:a16="http://schemas.microsoft.com/office/drawing/2014/main" id="{153B21B8-C9EF-9040-BB64-90F024A39F76}"/>
+              </a:ext>
+            </a:extLst>
+          </p:cNvPr>
+          <p:cNvSpPr/>
+          <p:nvPr/>
+        </p:nvSpPr>
+        <p:spPr>
+          <a:xfrm>
+            <a:off x="2707933" y="913106"/>
+            <a:ext cx="3728136" cy="584775"/>
+          </a:xfrm>
+          <a:prstGeom prst="rect">
+            <a:avLst/>
+          </a:prstGeom>
+        </p:spPr>
+        <p:txBody>
+          <a:bodyPr wrap="none">
+            <a:spAutoFit/>
+          </a:bodyPr>
+          <a:lstStyle/>
+          <a:p>
+            <a:r>
+              <a:rPr lang="en-US" sz="3200" dirty="0">
+                <a:ea typeface="ヒラギノ角ゴ ProN W3" charset="0"/>
+                <a:cs typeface="ヒラギノ角ゴ ProN W3" charset="0"/>
+              </a:rPr>
+              <a:t>Big Data Engineering </a:t>
+            </a:r>
+            <a:endParaRPr lang="en-US" sz="3200" dirty="0"/>
           </a:p>
         </p:txBody>
       </p:sp>

--- a/pres-source/04-sql.pptx
+++ b/pres-source/04-sql.pptx
@@ -5,7 +5,7 @@
     <p:sldMasterId id="2147483648" r:id="rId1"/>
   </p:sldMasterIdLst>
   <p:notesMasterIdLst>
-    <p:notesMasterId r:id="rId31"/>
+    <p:notesMasterId r:id="rId32"/>
   </p:notesMasterIdLst>
   <p:sldIdLst>
     <p:sldId id="256" r:id="rId2"/>
@@ -28,15 +28,16 @@
     <p:sldId id="277" r:id="rId19"/>
     <p:sldId id="271" r:id="rId20"/>
     <p:sldId id="278" r:id="rId21"/>
-    <p:sldId id="269" r:id="rId22"/>
-    <p:sldId id="284" r:id="rId23"/>
-    <p:sldId id="285" r:id="rId24"/>
-    <p:sldId id="279" r:id="rId25"/>
-    <p:sldId id="280" r:id="rId26"/>
-    <p:sldId id="281" r:id="rId27"/>
-    <p:sldId id="282" r:id="rId28"/>
-    <p:sldId id="283" r:id="rId29"/>
-    <p:sldId id="270" r:id="rId30"/>
+    <p:sldId id="289" r:id="rId22"/>
+    <p:sldId id="269" r:id="rId23"/>
+    <p:sldId id="284" r:id="rId24"/>
+    <p:sldId id="285" r:id="rId25"/>
+    <p:sldId id="279" r:id="rId26"/>
+    <p:sldId id="280" r:id="rId27"/>
+    <p:sldId id="281" r:id="rId28"/>
+    <p:sldId id="282" r:id="rId29"/>
+    <p:sldId id="283" r:id="rId30"/>
+    <p:sldId id="270" r:id="rId31"/>
   </p:sldIdLst>
   <p:sldSz cx="9144000" cy="6858000" type="screen4x3"/>
   <p:notesSz cx="6858000" cy="9144000"/>
@@ -241,7 +242,7 @@
             <a:fld id="{7307762F-A706-E543-A832-3C298AA3103F}" type="datetimeFigureOut">
               <a:rPr lang="en-US" smtClean="0"/>
               <a:pPr/>
-              <a:t>3/1/19</a:t>
+              <a:t>2/25/20</a:t>
             </a:fld>
             <a:endParaRPr lang="en-US" dirty="0"/>
           </a:p>
@@ -741,13 +742,8 @@
           <a:p>
             <a:r>
               <a:rPr lang="en-US" dirty="0"/>
-              <a:t>Can’t use split </a:t>
-            </a:r>
-            <a:r>
-              <a:rPr lang="en-US"/>
-              <a:t>like this</a:t>
-            </a:r>
-            <a:endParaRPr lang="en-US" dirty="0"/>
+              <a:t>Can’t use split like this</a:t>
+            </a:r>
           </a:p>
           <a:p>
             <a:endParaRPr lang="en-US" dirty="0"/>
@@ -772,7 +768,7 @@
             <a:fld id="{BC39F3E1-B436-EB4D-8332-DAA0486A7B2B}" type="slidenum">
               <a:rPr lang="en-US" smtClean="0"/>
               <a:pPr/>
-              <a:t>27</a:t>
+              <a:t>28</a:t>
             </a:fld>
             <a:endParaRPr lang="en-US" dirty="0"/>
           </a:p>
@@ -1081,7 +1077,7 @@
           <a:p>
             <a:fld id="{875CF0EB-321F-0749-B37A-89BBA859503C}" type="datetimeFigureOut">
               <a:rPr lang="en-US" smtClean="0"/>
-              <a:t>3/1/19</a:t>
+              <a:t>2/25/20</a:t>
             </a:fld>
             <a:endParaRPr lang="en-US"/>
           </a:p>
@@ -1283,7 +1279,7 @@
           <a:p>
             <a:fld id="{875CF0EB-321F-0749-B37A-89BBA859503C}" type="datetimeFigureOut">
               <a:rPr lang="en-US" smtClean="0"/>
-              <a:t>3/1/19</a:t>
+              <a:t>2/25/20</a:t>
             </a:fld>
             <a:endParaRPr lang="en-US"/>
           </a:p>
@@ -1475,7 +1471,7 @@
           <a:p>
             <a:fld id="{875CF0EB-321F-0749-B37A-89BBA859503C}" type="datetimeFigureOut">
               <a:rPr lang="en-US" smtClean="0"/>
-              <a:t>3/1/19</a:t>
+              <a:t>2/25/20</a:t>
             </a:fld>
             <a:endParaRPr lang="en-US"/>
           </a:p>
@@ -1744,7 +1740,7 @@
           <a:p>
             <a:fld id="{875CF0EB-321F-0749-B37A-89BBA859503C}" type="datetimeFigureOut">
               <a:rPr lang="en-US" smtClean="0"/>
-              <a:t>3/1/19</a:t>
+              <a:t>2/25/20</a:t>
             </a:fld>
             <a:endParaRPr lang="en-US"/>
           </a:p>
@@ -2053,7 +2049,7 @@
           <a:p>
             <a:fld id="{875CF0EB-321F-0749-B37A-89BBA859503C}" type="datetimeFigureOut">
               <a:rPr lang="en-US" smtClean="0"/>
-              <a:t>3/1/19</a:t>
+              <a:t>2/25/20</a:t>
             </a:fld>
             <a:endParaRPr lang="en-US"/>
           </a:p>
@@ -2496,7 +2492,7 @@
           <a:p>
             <a:fld id="{875CF0EB-321F-0749-B37A-89BBA859503C}" type="datetimeFigureOut">
               <a:rPr lang="en-US" smtClean="0"/>
-              <a:t>3/1/19</a:t>
+              <a:t>2/25/20</a:t>
             </a:fld>
             <a:endParaRPr lang="en-US"/>
           </a:p>
@@ -2637,7 +2633,7 @@
           <a:p>
             <a:fld id="{875CF0EB-321F-0749-B37A-89BBA859503C}" type="datetimeFigureOut">
               <a:rPr lang="en-US" smtClean="0"/>
-              <a:t>3/1/19</a:t>
+              <a:t>2/25/20</a:t>
             </a:fld>
             <a:endParaRPr lang="en-US"/>
           </a:p>
@@ -2756,7 +2752,7 @@
           <a:p>
             <a:fld id="{875CF0EB-321F-0749-B37A-89BBA859503C}" type="datetimeFigureOut">
               <a:rPr lang="en-US" smtClean="0"/>
-              <a:t>3/1/19</a:t>
+              <a:t>2/25/20</a:t>
             </a:fld>
             <a:endParaRPr lang="en-US"/>
           </a:p>
@@ -3055,7 +3051,7 @@
           <a:p>
             <a:fld id="{875CF0EB-321F-0749-B37A-89BBA859503C}" type="datetimeFigureOut">
               <a:rPr lang="en-US" smtClean="0"/>
-              <a:t>3/1/19</a:t>
+              <a:t>2/25/20</a:t>
             </a:fld>
             <a:endParaRPr lang="en-US"/>
           </a:p>
@@ -3331,7 +3327,7 @@
           <a:p>
             <a:fld id="{875CF0EB-321F-0749-B37A-89BBA859503C}" type="datetimeFigureOut">
               <a:rPr lang="en-US" smtClean="0"/>
-              <a:t>3/1/19</a:t>
+              <a:t>2/25/20</a:t>
             </a:fld>
             <a:endParaRPr lang="en-US"/>
           </a:p>
@@ -3545,14 +3541,14 @@
           </a:ln>
           <a:extLst>
             <a:ext uri="{909E8E84-426E-40dd-AFC4-6F175D3DCCD1}">
-              <a14:hiddenFill xmlns:a14="http://schemas.microsoft.com/office/drawing/2010/main" xmlns="">
+              <a14:hiddenFill xmlns="" xmlns:a14="http://schemas.microsoft.com/office/drawing/2010/main">
                 <a:solidFill>
                   <a:srgbClr val="FFFFFF"/>
                 </a:solidFill>
               </a14:hiddenFill>
             </a:ext>
             <a:ext uri="{91240B29-F687-4f45-9708-019B960494DF}">
-              <a14:hiddenLine xmlns:a14="http://schemas.microsoft.com/office/drawing/2010/main" xmlns="" w="9525">
+              <a14:hiddenLine xmlns="" xmlns:a14="http://schemas.microsoft.com/office/drawing/2010/main" w="9525">
                 <a:solidFill>
                   <a:srgbClr val="000000"/>
                 </a:solidFill>
@@ -4106,14 +4102,14 @@
           <a:noFill/>
           <a:extLst>
             <a:ext uri="{909E8E84-426E-40dd-AFC4-6F175D3DCCD1}">
-              <a14:hiddenFill xmlns:a14="http://schemas.microsoft.com/office/drawing/2010/main" xmlns="">
+              <a14:hiddenFill xmlns="" xmlns:a14="http://schemas.microsoft.com/office/drawing/2010/main">
                 <a:solidFill>
                   <a:srgbClr val="FFFFFF"/>
                 </a:solidFill>
               </a14:hiddenFill>
             </a:ext>
             <a:ext uri="{91240B29-F687-4f45-9708-019B960494DF}">
-              <a14:hiddenLine xmlns:a14="http://schemas.microsoft.com/office/drawing/2010/main" xmlns="" w="9525">
+              <a14:hiddenLine xmlns="" xmlns:a14="http://schemas.microsoft.com/office/drawing/2010/main" w="9525">
                 <a:solidFill>
                   <a:srgbClr val="000000"/>
                 </a:solidFill>
@@ -4162,14 +4158,14 @@
           <a:noFill/>
           <a:extLst>
             <a:ext uri="{909E8E84-426E-40dd-AFC4-6F175D3DCCD1}">
-              <a14:hiddenFill xmlns:a14="http://schemas.microsoft.com/office/drawing/2010/main" xmlns="">
+              <a14:hiddenFill xmlns="" xmlns:a14="http://schemas.microsoft.com/office/drawing/2010/main">
                 <a:solidFill>
                   <a:srgbClr val="FFFFFF"/>
                 </a:solidFill>
               </a14:hiddenFill>
             </a:ext>
             <a:ext uri="{91240B29-F687-4f45-9708-019B960494DF}">
-              <a14:hiddenLine xmlns:a14="http://schemas.microsoft.com/office/drawing/2010/main" xmlns="" w="9525">
+              <a14:hiddenLine xmlns="" xmlns:a14="http://schemas.microsoft.com/office/drawing/2010/main" w="9525">
                 <a:solidFill>
                   <a:srgbClr val="000000"/>
                 </a:solidFill>
@@ -4205,7 +4201,7 @@
                 <a:ea typeface="ヒラギノ角ゴ ProN W3" charset="0"/>
                 <a:cs typeface="ヒラギノ角ゴ ProN W3" charset="0"/>
               </a:rPr>
-              <a:t>March 2019</a:t>
+              <a:t>March 2020</a:t>
             </a:r>
           </a:p>
         </p:txBody>
@@ -4321,8 +4317,16 @@
               <a:buNone/>
             </a:pPr>
             <a:r>
-              <a:rPr lang="en-US" dirty="0"/>
-              <a:t>INSERT INTO person </a:t>
+              <a:rPr lang="en-US" dirty="0">
+                <a:solidFill>
+                  <a:schemeClr val="accent1"/>
+                </a:solidFill>
+              </a:rPr>
+              <a:t>INSERT INTO </a:t>
+            </a:r>
+            <a:r>
+              <a:rPr lang="en-US" dirty="0"/>
+              <a:t>Person </a:t>
             </a:r>
             <a:br>
               <a:rPr lang="en-US" dirty="0"/>
@@ -4360,8 +4364,16 @@
               <a:buNone/>
             </a:pPr>
             <a:r>
-              <a:rPr lang="en-US" dirty="0"/>
-              <a:t>INSERT INTO person </a:t>
+              <a:rPr lang="en-US" dirty="0">
+                <a:solidFill>
+                  <a:schemeClr val="accent1"/>
+                </a:solidFill>
+              </a:rPr>
+              <a:t>INSERT INTO </a:t>
+            </a:r>
+            <a:r>
+              <a:rPr lang="en-US" dirty="0"/>
+              <a:t>Person </a:t>
             </a:r>
             <a:br>
               <a:rPr lang="en-US" dirty="0"/>
@@ -4472,8 +4484,28 @@
               <a:buNone/>
             </a:pPr>
             <a:r>
-              <a:rPr lang="en-US" dirty="0"/>
-              <a:t>SELECT * FROM person;</a:t>
+              <a:rPr lang="en-US" dirty="0">
+                <a:solidFill>
+                  <a:schemeClr val="accent1"/>
+                </a:solidFill>
+              </a:rPr>
+              <a:t>SELECT</a:t>
+            </a:r>
+            <a:r>
+              <a:rPr lang="en-US" dirty="0"/>
+              <a:t> * </a:t>
+            </a:r>
+            <a:r>
+              <a:rPr lang="en-US" dirty="0">
+                <a:solidFill>
+                  <a:schemeClr val="accent1"/>
+                </a:solidFill>
+              </a:rPr>
+              <a:t>FROM</a:t>
+            </a:r>
+            <a:r>
+              <a:rPr lang="en-US" dirty="0"/>
+              <a:t> Person;</a:t>
             </a:r>
           </a:p>
           <a:p>
@@ -4661,8 +4693,40 @@
               <a:buNone/>
             </a:pPr>
             <a:r>
-              <a:rPr lang="en-US" dirty="0"/>
-              <a:t>SELECT * FROM person WHERE id = 564;</a:t>
+              <a:rPr lang="en-US" dirty="0">
+                <a:solidFill>
+                  <a:schemeClr val="accent1"/>
+                </a:solidFill>
+              </a:rPr>
+              <a:t>SELECT</a:t>
+            </a:r>
+            <a:r>
+              <a:rPr lang="en-US" dirty="0"/>
+              <a:t> * </a:t>
+            </a:r>
+            <a:r>
+              <a:rPr lang="en-US" dirty="0">
+                <a:solidFill>
+                  <a:schemeClr val="accent1"/>
+                </a:solidFill>
+              </a:rPr>
+              <a:t>FROM </a:t>
+            </a:r>
+            <a:r>
+              <a:rPr lang="en-US" dirty="0"/>
+              <a:t>Person </a:t>
+            </a:r>
+            <a:r>
+              <a:rPr lang="en-US" dirty="0">
+                <a:solidFill>
+                  <a:schemeClr val="accent1"/>
+                </a:solidFill>
+              </a:rPr>
+              <a:t>WHERE</a:t>
+            </a:r>
+            <a:r>
+              <a:rPr lang="en-US" dirty="0"/>
+              <a:t> id = 564;</a:t>
             </a:r>
           </a:p>
           <a:p>
@@ -4813,8 +4877,40 @@
               <a:buNone/>
             </a:pPr>
             <a:r>
-              <a:rPr lang="en-US" dirty="0"/>
-              <a:t>SELECT * FROM person WHERE </a:t>
+              <a:rPr lang="en-US" dirty="0">
+                <a:solidFill>
+                  <a:schemeClr val="accent1"/>
+                </a:solidFill>
+              </a:rPr>
+              <a:t>SELECT</a:t>
+            </a:r>
+            <a:r>
+              <a:rPr lang="en-US" dirty="0"/>
+              <a:t> * </a:t>
+            </a:r>
+            <a:r>
+              <a:rPr lang="en-US" dirty="0">
+                <a:solidFill>
+                  <a:schemeClr val="accent1"/>
+                </a:solidFill>
+              </a:rPr>
+              <a:t>FROM</a:t>
+            </a:r>
+            <a:r>
+              <a:rPr lang="en-US" dirty="0"/>
+              <a:t> Person </a:t>
+            </a:r>
+            <a:r>
+              <a:rPr lang="en-US" dirty="0">
+                <a:solidFill>
+                  <a:schemeClr val="accent1"/>
+                </a:solidFill>
+              </a:rPr>
+              <a:t>WHERE</a:t>
+            </a:r>
+            <a:r>
+              <a:rPr lang="en-US" dirty="0"/>
+              <a:t> </a:t>
             </a:r>
             <a:r>
               <a:rPr lang="en-US" dirty="0" err="1"/>
@@ -4998,8 +5094,16 @@
               <a:buNone/>
             </a:pPr>
             <a:r>
+              <a:rPr lang="en-US" sz="2800" dirty="0">
+                <a:solidFill>
+                  <a:schemeClr val="accent1"/>
+                </a:solidFill>
+              </a:rPr>
+              <a:t>SELECT</a:t>
+            </a:r>
+            <a:r>
               <a:rPr lang="en-US" sz="2800" dirty="0"/>
-              <a:t>SELECT </a:t>
+              <a:t> </a:t>
             </a:r>
             <a:r>
               <a:rPr lang="en-US" sz="2800" dirty="0" err="1"/>
@@ -5015,14 +5119,34 @@
             </a:r>
             <a:r>
               <a:rPr lang="en-US" sz="2800" dirty="0"/>
-              <a:t> FROM person     </a:t>
+              <a:t> </a:t>
+            </a:r>
+            <a:r>
+              <a:rPr lang="en-US" sz="2800" dirty="0">
+                <a:solidFill>
+                  <a:schemeClr val="accent1"/>
+                </a:solidFill>
+              </a:rPr>
+              <a:t>FROM</a:t>
+            </a:r>
+            <a:r>
+              <a:rPr lang="en-US" sz="2800" dirty="0"/>
+              <a:t> Person     </a:t>
             </a:r>
             <a:br>
               <a:rPr lang="en-US" sz="2800" dirty="0"/>
             </a:br>
             <a:r>
               <a:rPr lang="en-US" sz="2800" dirty="0"/>
-              <a:t>     ORDER BY </a:t>
+              <a:t>     </a:t>
+            </a:r>
+            <a:r>
+              <a:rPr lang="en-US" sz="2800" dirty="0">
+                <a:solidFill>
+                  <a:schemeClr val="accent1"/>
+                </a:solidFill>
+              </a:rPr>
+              <a:t>ORDER BY </a:t>
             </a:r>
             <a:r>
               <a:rPr lang="en-US" sz="2800" dirty="0" err="1"/>
@@ -5181,8 +5305,16 @@
               <a:buNone/>
             </a:pPr>
             <a:r>
+              <a:rPr lang="en-US" sz="2800" dirty="0">
+                <a:solidFill>
+                  <a:schemeClr val="accent1"/>
+                </a:solidFill>
+              </a:rPr>
+              <a:t>SELECT</a:t>
+            </a:r>
+            <a:r>
               <a:rPr lang="en-US" sz="2800" dirty="0"/>
-              <a:t>SELECT </a:t>
+              <a:t> </a:t>
             </a:r>
             <a:r>
               <a:rPr lang="en-US" sz="2800" dirty="0" err="1"/>
@@ -5190,14 +5322,34 @@
             </a:r>
             <a:r>
               <a:rPr lang="en-US" sz="2800" dirty="0"/>
-              <a:t> FROM person     </a:t>
+              <a:t> </a:t>
+            </a:r>
+            <a:r>
+              <a:rPr lang="en-US" sz="2800" dirty="0">
+                <a:solidFill>
+                  <a:schemeClr val="accent1"/>
+                </a:solidFill>
+              </a:rPr>
+              <a:t>FROM</a:t>
+            </a:r>
+            <a:r>
+              <a:rPr lang="en-US" sz="2800" dirty="0"/>
+              <a:t> Person     </a:t>
             </a:r>
             <a:br>
               <a:rPr lang="en-US" sz="2800" dirty="0"/>
             </a:br>
             <a:r>
               <a:rPr lang="en-US" sz="2800" dirty="0"/>
-              <a:t>     ORDER BY </a:t>
+              <a:t>     </a:t>
+            </a:r>
+            <a:r>
+              <a:rPr lang="en-US" sz="2800" dirty="0">
+                <a:solidFill>
+                  <a:schemeClr val="accent1"/>
+                </a:solidFill>
+              </a:rPr>
+              <a:t>ORDER BY </a:t>
             </a:r>
             <a:r>
               <a:rPr lang="en-US" sz="2800" dirty="0" err="1"/>
@@ -5421,7 +5573,11 @@
               <a:buNone/>
             </a:pPr>
             <a:r>
-              <a:rPr lang="en-US" sz="2800" dirty="0"/>
+              <a:rPr lang="en-US" sz="2800" dirty="0">
+                <a:solidFill>
+                  <a:schemeClr val="accent1"/>
+                </a:solidFill>
+              </a:rPr>
               <a:t>SELECT DISTINCT </a:t>
             </a:r>
             <a:r>
@@ -5430,14 +5586,34 @@
             </a:r>
             <a:r>
               <a:rPr lang="en-US" sz="2800" dirty="0"/>
-              <a:t> FROM person     </a:t>
+              <a:t> </a:t>
+            </a:r>
+            <a:r>
+              <a:rPr lang="en-US" sz="2800" dirty="0">
+                <a:solidFill>
+                  <a:schemeClr val="accent1"/>
+                </a:solidFill>
+              </a:rPr>
+              <a:t>FROM</a:t>
+            </a:r>
+            <a:r>
+              <a:rPr lang="en-US" sz="2800" dirty="0"/>
+              <a:t> Person     </a:t>
             </a:r>
             <a:br>
               <a:rPr lang="en-US" sz="2800" dirty="0"/>
             </a:br>
             <a:r>
               <a:rPr lang="en-US" sz="2800" dirty="0"/>
-              <a:t>     ORDER BY </a:t>
+              <a:t>     </a:t>
+            </a:r>
+            <a:r>
+              <a:rPr lang="en-US" sz="2800" dirty="0">
+                <a:solidFill>
+                  <a:schemeClr val="accent1"/>
+                </a:solidFill>
+              </a:rPr>
+              <a:t>ORDER BY </a:t>
             </a:r>
             <a:r>
               <a:rPr lang="en-US" sz="2800" dirty="0" err="1"/>
@@ -5571,10 +5747,20 @@
             </a:pPr>
             <a:r>
               <a:rPr lang="en-US" sz="2400" dirty="0">
+                <a:solidFill>
+                  <a:schemeClr val="accent1"/>
+                </a:solidFill>
                 <a:latin typeface="Menlo Bold"/>
                 <a:cs typeface="Menlo Bold"/>
               </a:rPr>
-              <a:t>SELECT </a:t>
+              <a:t>SELECT</a:t>
+            </a:r>
+            <a:r>
+              <a:rPr lang="en-US" sz="2400" dirty="0">
+                <a:latin typeface="Menlo Bold"/>
+                <a:cs typeface="Menlo Bold"/>
+              </a:rPr>
+              <a:t> </a:t>
             </a:r>
             <a:r>
               <a:rPr lang="en-US" sz="2400" dirty="0" err="1">
@@ -5602,7 +5788,24 @@
                 <a:latin typeface="Menlo Bold"/>
                 <a:cs typeface="Menlo Bold"/>
               </a:rPr>
-              <a:t> FROM person </a:t>
+              <a:t> </a:t>
+            </a:r>
+            <a:r>
+              <a:rPr lang="en-US" sz="2400" dirty="0">
+                <a:solidFill>
+                  <a:schemeClr val="accent1"/>
+                </a:solidFill>
+                <a:latin typeface="Menlo Bold"/>
+                <a:cs typeface="Menlo Bold"/>
+              </a:rPr>
+              <a:t>FROM</a:t>
+            </a:r>
+            <a:r>
+              <a:rPr lang="en-US" sz="2400" dirty="0">
+                <a:latin typeface="Menlo Bold"/>
+                <a:cs typeface="Menlo Bold"/>
+              </a:rPr>
+              <a:t> Person </a:t>
             </a:r>
             <a:br>
               <a:rPr lang="en-US" sz="2400" dirty="0">
@@ -5615,7 +5818,17 @@
                 <a:latin typeface="Menlo Bold"/>
                 <a:cs typeface="Menlo Bold"/>
               </a:rPr>
-              <a:t>	ORDER BY </a:t>
+              <a:t>	</a:t>
+            </a:r>
+            <a:r>
+              <a:rPr lang="en-US" sz="2400" dirty="0">
+                <a:solidFill>
+                  <a:schemeClr val="accent1"/>
+                </a:solidFill>
+                <a:latin typeface="Menlo Bold"/>
+                <a:cs typeface="Menlo Bold"/>
+              </a:rPr>
+              <a:t>ORDER BY </a:t>
             </a:r>
             <a:r>
               <a:rPr lang="en-US" sz="2400" dirty="0" err="1">
@@ -5629,7 +5842,24 @@
                 <a:latin typeface="Menlo Bold"/>
                 <a:cs typeface="Menlo Bold"/>
               </a:rPr>
-              <a:t> LIMIT 1;</a:t>
+              <a:t> </a:t>
+            </a:r>
+            <a:r>
+              <a:rPr lang="en-US" sz="2400" dirty="0">
+                <a:solidFill>
+                  <a:schemeClr val="accent1"/>
+                </a:solidFill>
+                <a:latin typeface="Menlo Bold"/>
+                <a:cs typeface="Menlo Bold"/>
+              </a:rPr>
+              <a:t>LIMIT</a:t>
+            </a:r>
+            <a:r>
+              <a:rPr lang="en-US" sz="2400" dirty="0">
+                <a:latin typeface="Menlo Bold"/>
+                <a:cs typeface="Menlo Bold"/>
+              </a:rPr>
+              <a:t> 1;</a:t>
             </a:r>
           </a:p>
           <a:p>
@@ -5781,10 +6011,37 @@
             </a:pPr>
             <a:r>
               <a:rPr lang="en-US" sz="2800" dirty="0">
+                <a:solidFill>
+                  <a:schemeClr val="accent1"/>
+                </a:solidFill>
                 <a:latin typeface="Menlo Bold"/>
                 <a:cs typeface="Menlo Bold"/>
               </a:rPr>
-              <a:t>SELECT AVG(birthdate) FROM person;</a:t>
+              <a:t>SELECT</a:t>
+            </a:r>
+            <a:r>
+              <a:rPr lang="en-US" sz="2800" dirty="0">
+                <a:latin typeface="Menlo Bold"/>
+                <a:cs typeface="Menlo Bold"/>
+              </a:rPr>
+              <a:t> AVG(birthdate) </a:t>
+            </a:r>
+            <a:r>
+              <a:rPr lang="en-US" sz="2800" dirty="0">
+                <a:solidFill>
+                  <a:schemeClr val="accent1"/>
+                </a:solidFill>
+                <a:latin typeface="Menlo Bold"/>
+                <a:cs typeface="Menlo Bold"/>
+              </a:rPr>
+              <a:t>FROM </a:t>
+            </a:r>
+            <a:r>
+              <a:rPr lang="en-US" sz="2800" dirty="0">
+                <a:latin typeface="Menlo Bold"/>
+                <a:cs typeface="Menlo Bold"/>
+              </a:rPr>
+              <a:t>Person;</a:t>
             </a:r>
           </a:p>
           <a:p>
@@ -6166,6 +6423,248 @@
       </p:grpSpPr>
       <p:sp>
         <p:nvSpPr>
+          <p:cNvPr id="2" name="Title 1">
+            <a:extLst>
+              <a:ext uri="{FF2B5EF4-FFF2-40B4-BE49-F238E27FC236}">
+                <a16:creationId xmlns:a16="http://schemas.microsoft.com/office/drawing/2014/main" id="{2327FE2F-6741-DF48-88CA-4D0DC1CA7245}"/>
+              </a:ext>
+            </a:extLst>
+          </p:cNvPr>
+          <p:cNvSpPr>
+            <a:spLocks noGrp="1"/>
+          </p:cNvSpPr>
+          <p:nvPr>
+            <p:ph type="title"/>
+          </p:nvPr>
+        </p:nvSpPr>
+        <p:spPr/>
+        <p:txBody>
+          <a:bodyPr/>
+          <a:lstStyle/>
+          <a:p>
+            <a:r>
+              <a:rPr lang="en-US" dirty="0"/>
+              <a:t>JOIN</a:t>
+            </a:r>
+          </a:p>
+        </p:txBody>
+      </p:sp>
+      <p:sp>
+        <p:nvSpPr>
+          <p:cNvPr id="3" name="Content Placeholder 2">
+            <a:extLst>
+              <a:ext uri="{FF2B5EF4-FFF2-40B4-BE49-F238E27FC236}">
+                <a16:creationId xmlns:a16="http://schemas.microsoft.com/office/drawing/2014/main" id="{4DAF00F6-2326-FF49-9E39-B8FF762A6F4D}"/>
+              </a:ext>
+            </a:extLst>
+          </p:cNvPr>
+          <p:cNvSpPr>
+            <a:spLocks noGrp="1"/>
+          </p:cNvSpPr>
+          <p:nvPr>
+            <p:ph idx="1"/>
+          </p:nvPr>
+        </p:nvSpPr>
+        <p:spPr/>
+        <p:txBody>
+          <a:bodyPr/>
+          <a:lstStyle/>
+          <a:p>
+            <a:pPr marL="0" indent="0">
+              <a:buNone/>
+            </a:pPr>
+            <a:r>
+              <a:rPr lang="en-US" dirty="0">
+                <a:solidFill>
+                  <a:schemeClr val="accent1"/>
+                </a:solidFill>
+              </a:rPr>
+              <a:t>SELECT DISTINCT </a:t>
+            </a:r>
+            <a:r>
+              <a:rPr lang="en-US" dirty="0" err="1"/>
+              <a:t>lastname</a:t>
+            </a:r>
+            <a:r>
+              <a:rPr lang="en-US" dirty="0"/>
+              <a:t>, </a:t>
+            </a:r>
+            <a:r>
+              <a:rPr lang="en-US" dirty="0" err="1"/>
+              <a:t>firstname</a:t>
+            </a:r>
+            <a:r>
+              <a:rPr lang="en-US" dirty="0"/>
+              <a:t> </a:t>
+            </a:r>
+            <a:r>
+              <a:rPr lang="en-US" dirty="0">
+                <a:solidFill>
+                  <a:schemeClr val="accent1"/>
+                </a:solidFill>
+              </a:rPr>
+              <a:t>FROM</a:t>
+            </a:r>
+            <a:r>
+              <a:rPr lang="en-US" dirty="0"/>
+              <a:t> 	Person </a:t>
+            </a:r>
+            <a:r>
+              <a:rPr lang="en-US" dirty="0">
+                <a:solidFill>
+                  <a:schemeClr val="accent1"/>
+                </a:solidFill>
+              </a:rPr>
+              <a:t>INNER JOIN </a:t>
+            </a:r>
+            <a:r>
+              <a:rPr lang="en-US" dirty="0"/>
+              <a:t>Manager ON Person(id) = 	Manager(id)</a:t>
+            </a:r>
+          </a:p>
+          <a:p>
+            <a:pPr marL="0" indent="0">
+              <a:buNone/>
+            </a:pPr>
+            <a:endParaRPr lang="en-US" dirty="0"/>
+          </a:p>
+          <a:p>
+            <a:pPr marL="0" indent="0">
+              <a:buNone/>
+            </a:pPr>
+            <a:r>
+              <a:rPr lang="en-US" dirty="0" err="1">
+                <a:latin typeface="Menlo Bold"/>
+                <a:cs typeface="Menlo Bold"/>
+              </a:rPr>
+              <a:t>firstname</a:t>
+            </a:r>
+            <a:r>
+              <a:rPr lang="en-US" dirty="0">
+                <a:latin typeface="Menlo Bold"/>
+                <a:cs typeface="Menlo Bold"/>
+              </a:rPr>
+              <a:t>   </a:t>
+            </a:r>
+            <a:r>
+              <a:rPr lang="en-US" dirty="0" err="1">
+                <a:latin typeface="Menlo Bold"/>
+                <a:cs typeface="Menlo Bold"/>
+              </a:rPr>
+              <a:t>lastname</a:t>
+            </a:r>
+            <a:r>
+              <a:rPr lang="en-US" dirty="0">
+                <a:latin typeface="Menlo Bold"/>
+                <a:cs typeface="Menlo Bold"/>
+              </a:rPr>
+              <a:t>  </a:t>
+            </a:r>
+          </a:p>
+          <a:p>
+            <a:pPr marL="0" indent="0">
+              <a:buNone/>
+            </a:pPr>
+            <a:r>
+              <a:rPr lang="en-US" dirty="0">
+                <a:latin typeface="Menlo Bold"/>
+                <a:cs typeface="Menlo Bold"/>
+              </a:rPr>
+              <a:t>----------  ----------</a:t>
+            </a:r>
+          </a:p>
+          <a:p>
+            <a:pPr marL="0" indent="0">
+              <a:buNone/>
+            </a:pPr>
+            <a:r>
+              <a:rPr lang="en-US" dirty="0">
+                <a:latin typeface="Menlo Bold"/>
+                <a:cs typeface="Menlo Bold"/>
+              </a:rPr>
+              <a:t>Eleanor     Smith     </a:t>
+            </a:r>
+          </a:p>
+          <a:p>
+            <a:pPr marL="0" indent="0">
+              <a:buNone/>
+            </a:pPr>
+            <a:endParaRPr lang="en-US" dirty="0"/>
+          </a:p>
+        </p:txBody>
+      </p:sp>
+      <p:sp>
+        <p:nvSpPr>
+          <p:cNvPr id="4" name="TextBox 3">
+            <a:extLst>
+              <a:ext uri="{FF2B5EF4-FFF2-40B4-BE49-F238E27FC236}">
+                <a16:creationId xmlns:a16="http://schemas.microsoft.com/office/drawing/2014/main" id="{1CFE2BA8-8ECD-044D-9108-7AFF429DF5C1}"/>
+              </a:ext>
+            </a:extLst>
+          </p:cNvPr>
+          <p:cNvSpPr txBox="1"/>
+          <p:nvPr/>
+        </p:nvSpPr>
+        <p:spPr>
+          <a:xfrm>
+            <a:off x="6477000" y="4267200"/>
+            <a:ext cx="2377440" cy="1200329"/>
+          </a:xfrm>
+          <a:prstGeom prst="rect">
+            <a:avLst/>
+          </a:prstGeom>
+          <a:noFill/>
+          <a:ln>
+            <a:solidFill>
+              <a:schemeClr val="accent1"/>
+            </a:solidFill>
+          </a:ln>
+        </p:spPr>
+        <p:txBody>
+          <a:bodyPr wrap="square" rtlCol="0">
+            <a:spAutoFit/>
+          </a:bodyPr>
+          <a:lstStyle/>
+          <a:p>
+            <a:r>
+              <a:rPr lang="en-US" sz="2400" dirty="0"/>
+              <a:t>What does this tell us about Eleanor Smith?</a:t>
+            </a:r>
+          </a:p>
+        </p:txBody>
+      </p:sp>
+    </p:spTree>
+    <p:extLst>
+      <p:ext uri="{BB962C8B-B14F-4D97-AF65-F5344CB8AC3E}">
+        <p14:creationId xmlns:p14="http://schemas.microsoft.com/office/powerpoint/2010/main" val="146047244"/>
+      </p:ext>
+    </p:extLst>
+  </p:cSld>
+  <p:clrMapOvr>
+    <a:masterClrMapping/>
+  </p:clrMapOvr>
+</p:sld>
+</file>
+
+<file path=ppt/slides/slide22.xml><?xml version="1.0" encoding="utf-8"?>
+<p:sld xmlns:a="http://schemas.openxmlformats.org/drawingml/2006/main" xmlns:r="http://schemas.openxmlformats.org/officeDocument/2006/relationships" xmlns:p="http://schemas.openxmlformats.org/presentationml/2006/main">
+  <p:cSld>
+    <p:spTree>
+      <p:nvGrpSpPr>
+        <p:cNvPr id="1" name=""/>
+        <p:cNvGrpSpPr/>
+        <p:nvPr/>
+      </p:nvGrpSpPr>
+      <p:grpSpPr>
+        <a:xfrm>
+          <a:off x="0" y="0"/>
+          <a:ext cx="0" cy="0"/>
+          <a:chOff x="0" y="0"/>
+          <a:chExt cx="0" cy="0"/>
+        </a:xfrm>
+      </p:grpSpPr>
+      <p:sp>
+        <p:nvSpPr>
           <p:cNvPr id="2" name="Title 1"/>
           <p:cNvSpPr>
             <a:spLocks noGrp="1"/>
@@ -6263,7 +6762,7 @@
 </p:sld>
 </file>
 
-<file path=ppt/slides/slide22.xml><?xml version="1.0" encoding="utf-8"?>
+<file path=ppt/slides/slide23.xml><?xml version="1.0" encoding="utf-8"?>
 <p:sld xmlns:a="http://schemas.openxmlformats.org/drawingml/2006/main" xmlns:r="http://schemas.openxmlformats.org/officeDocument/2006/relationships" xmlns:p="http://schemas.openxmlformats.org/presentationml/2006/main">
   <p:cSld>
     <p:spTree>
@@ -6415,465 +6914,6 @@
 </p:sld>
 </file>
 
-<file path=ppt/slides/slide23.xml><?xml version="1.0" encoding="utf-8"?>
-<p:sld xmlns:a="http://schemas.openxmlformats.org/drawingml/2006/main" xmlns:r="http://schemas.openxmlformats.org/officeDocument/2006/relationships" xmlns:p="http://schemas.openxmlformats.org/presentationml/2006/main">
-  <p:cSld>
-    <p:spTree>
-      <p:nvGrpSpPr>
-        <p:cNvPr id="1" name=""/>
-        <p:cNvGrpSpPr/>
-        <p:nvPr/>
-      </p:nvGrpSpPr>
-      <p:grpSpPr>
-        <a:xfrm>
-          <a:off x="0" y="0"/>
-          <a:ext cx="0" cy="0"/>
-          <a:chOff x="0" y="0"/>
-          <a:chExt cx="0" cy="0"/>
-        </a:xfrm>
-      </p:grpSpPr>
-      <p:sp>
-        <p:nvSpPr>
-          <p:cNvPr id="2" name="Title 1"/>
-          <p:cNvSpPr>
-            <a:spLocks noGrp="1"/>
-          </p:cNvSpPr>
-          <p:nvPr>
-            <p:ph type="title"/>
-          </p:nvPr>
-        </p:nvSpPr>
-        <p:spPr/>
-        <p:txBody>
-          <a:bodyPr/>
-          <a:lstStyle/>
-          <a:p>
-            <a:r>
-              <a:rPr lang="en-US" dirty="0"/>
-              <a:t>Hive example</a:t>
-            </a:r>
-          </a:p>
-        </p:txBody>
-      </p:sp>
-      <p:sp>
-        <p:nvSpPr>
-          <p:cNvPr id="3" name="Content Placeholder 2"/>
-          <p:cNvSpPr>
-            <a:spLocks noGrp="1"/>
-          </p:cNvSpPr>
-          <p:nvPr>
-            <p:ph idx="1"/>
-          </p:nvPr>
-        </p:nvSpPr>
-        <p:spPr/>
-        <p:txBody>
-          <a:bodyPr>
-            <a:normAutofit fontScale="47500" lnSpcReduction="20000"/>
-          </a:bodyPr>
-          <a:lstStyle/>
-          <a:p>
-            <a:pPr marL="0" indent="0">
-              <a:buNone/>
-            </a:pPr>
-            <a:r>
-              <a:rPr lang="en-US" dirty="0">
-                <a:latin typeface="Lucida Console"/>
-                <a:cs typeface="Lucida Console"/>
-              </a:rPr>
-              <a:t>CREATE TABLE </a:t>
-            </a:r>
-            <a:r>
-              <a:rPr lang="en-US" dirty="0" err="1">
-                <a:latin typeface="Lucida Console"/>
-                <a:cs typeface="Lucida Console"/>
-              </a:rPr>
-              <a:t>page_view</a:t>
-            </a:r>
-            <a:r>
-              <a:rPr lang="en-US" dirty="0">
-                <a:latin typeface="Lucida Console"/>
-                <a:cs typeface="Lucida Console"/>
-              </a:rPr>
-              <a:t>(</a:t>
-            </a:r>
-            <a:r>
-              <a:rPr lang="en-US" dirty="0" err="1">
-                <a:latin typeface="Lucida Console"/>
-                <a:cs typeface="Lucida Console"/>
-              </a:rPr>
-              <a:t>viewTime</a:t>
-            </a:r>
-            <a:r>
-              <a:rPr lang="en-US" dirty="0">
-                <a:latin typeface="Lucida Console"/>
-                <a:cs typeface="Lucida Console"/>
-              </a:rPr>
-              <a:t> INT, </a:t>
-            </a:r>
-            <a:r>
-              <a:rPr lang="en-US" dirty="0" err="1">
-                <a:latin typeface="Lucida Console"/>
-                <a:cs typeface="Lucida Console"/>
-              </a:rPr>
-              <a:t>userid</a:t>
-            </a:r>
-            <a:r>
-              <a:rPr lang="en-US" dirty="0">
-                <a:latin typeface="Lucida Console"/>
-                <a:cs typeface="Lucida Console"/>
-              </a:rPr>
-              <a:t> BIGINT,</a:t>
-            </a:r>
-          </a:p>
-          <a:p>
-            <a:pPr marL="0" indent="0">
-              <a:buNone/>
-            </a:pPr>
-            <a:r>
-              <a:rPr lang="en-US" dirty="0">
-                <a:latin typeface="Lucida Console"/>
-                <a:cs typeface="Lucida Console"/>
-              </a:rPr>
-              <a:t>                </a:t>
-            </a:r>
-            <a:r>
-              <a:rPr lang="en-US" dirty="0" err="1">
-                <a:latin typeface="Lucida Console"/>
-                <a:cs typeface="Lucida Console"/>
-              </a:rPr>
-              <a:t>page_url</a:t>
-            </a:r>
-            <a:r>
-              <a:rPr lang="en-US" dirty="0">
-                <a:latin typeface="Lucida Console"/>
-                <a:cs typeface="Lucida Console"/>
-              </a:rPr>
-              <a:t> STRING, </a:t>
-            </a:r>
-            <a:r>
-              <a:rPr lang="en-US" dirty="0" err="1">
-                <a:latin typeface="Lucida Console"/>
-                <a:cs typeface="Lucida Console"/>
-              </a:rPr>
-              <a:t>referrer_url</a:t>
-            </a:r>
-            <a:r>
-              <a:rPr lang="en-US" dirty="0">
-                <a:latin typeface="Lucida Console"/>
-                <a:cs typeface="Lucida Console"/>
-              </a:rPr>
-              <a:t> STRING,</a:t>
-            </a:r>
-          </a:p>
-          <a:p>
-            <a:pPr marL="0" indent="0">
-              <a:buNone/>
-            </a:pPr>
-            <a:r>
-              <a:rPr lang="en-US" dirty="0">
-                <a:latin typeface="Lucida Console"/>
-                <a:cs typeface="Lucida Console"/>
-              </a:rPr>
-              <a:t>                </a:t>
-            </a:r>
-            <a:r>
-              <a:rPr lang="en-US" dirty="0" err="1">
-                <a:latin typeface="Lucida Console"/>
-                <a:cs typeface="Lucida Console"/>
-              </a:rPr>
-              <a:t>ip</a:t>
-            </a:r>
-            <a:r>
-              <a:rPr lang="en-US" dirty="0">
-                <a:latin typeface="Lucida Console"/>
-                <a:cs typeface="Lucida Console"/>
-              </a:rPr>
-              <a:t> STRING COMMENT 'IP Address of the User')</a:t>
-            </a:r>
-          </a:p>
-          <a:p>
-            <a:pPr marL="0" indent="0">
-              <a:buNone/>
-            </a:pPr>
-            <a:r>
-              <a:rPr lang="en-US" dirty="0">
-                <a:latin typeface="Lucida Console"/>
-                <a:cs typeface="Lucida Console"/>
-              </a:rPr>
-              <a:t>COMMENT 'This is the page view table'</a:t>
-            </a:r>
-          </a:p>
-          <a:p>
-            <a:pPr marL="0" indent="0">
-              <a:buNone/>
-            </a:pPr>
-            <a:r>
-              <a:rPr lang="en-US" dirty="0">
-                <a:latin typeface="Lucida Console"/>
-                <a:cs typeface="Lucida Console"/>
-              </a:rPr>
-              <a:t>PARTITIONED BY(</a:t>
-            </a:r>
-            <a:r>
-              <a:rPr lang="en-US" dirty="0" err="1">
-                <a:latin typeface="Lucida Console"/>
-                <a:cs typeface="Lucida Console"/>
-              </a:rPr>
-              <a:t>dt</a:t>
-            </a:r>
-            <a:r>
-              <a:rPr lang="en-US" dirty="0">
-                <a:latin typeface="Lucida Console"/>
-                <a:cs typeface="Lucida Console"/>
-              </a:rPr>
-              <a:t> STRING, country STRING)</a:t>
-            </a:r>
-          </a:p>
-          <a:p>
-            <a:pPr marL="0" indent="0">
-              <a:buNone/>
-            </a:pPr>
-            <a:r>
-              <a:rPr lang="en-US" dirty="0">
-                <a:latin typeface="Lucida Console"/>
-                <a:cs typeface="Lucida Console"/>
-              </a:rPr>
-              <a:t>STORED AS SEQUENCEFILE;</a:t>
-            </a:r>
-          </a:p>
-          <a:p>
-            <a:pPr marL="0" indent="0">
-              <a:buNone/>
-            </a:pPr>
-            <a:endParaRPr lang="en-US" dirty="0">
-              <a:latin typeface="Lucida Console"/>
-              <a:cs typeface="Lucida Console"/>
-            </a:endParaRPr>
-          </a:p>
-          <a:p>
-            <a:pPr marL="0" indent="0">
-              <a:buNone/>
-            </a:pPr>
-            <a:endParaRPr lang="en-US" dirty="0">
-              <a:latin typeface="Lucida Console"/>
-              <a:cs typeface="Lucida Console"/>
-            </a:endParaRPr>
-          </a:p>
-          <a:p>
-            <a:pPr marL="0" indent="0">
-              <a:buNone/>
-            </a:pPr>
-            <a:r>
-              <a:rPr lang="en-US" dirty="0">
-                <a:latin typeface="Lucida Console"/>
-                <a:cs typeface="Lucida Console"/>
-              </a:rPr>
-              <a:t>LOAD DATA LOCAL INPATH /</a:t>
-            </a:r>
-            <a:r>
-              <a:rPr lang="en-US" dirty="0" err="1">
-                <a:latin typeface="Lucida Console"/>
-                <a:cs typeface="Lucida Console"/>
-              </a:rPr>
-              <a:t>tmp</a:t>
-            </a:r>
-            <a:r>
-              <a:rPr lang="en-US" dirty="0">
-                <a:latin typeface="Lucida Console"/>
-                <a:cs typeface="Lucida Console"/>
-              </a:rPr>
-              <a:t>/pv_2008-06-08_us.txt INTO TABLE </a:t>
-            </a:r>
-            <a:r>
-              <a:rPr lang="en-US" dirty="0" err="1">
-                <a:latin typeface="Lucida Console"/>
-                <a:cs typeface="Lucida Console"/>
-              </a:rPr>
-              <a:t>page_view</a:t>
-            </a:r>
-            <a:r>
-              <a:rPr lang="en-US" dirty="0">
-                <a:latin typeface="Lucida Console"/>
-                <a:cs typeface="Lucida Console"/>
-              </a:rPr>
-              <a:t> PARTITION(date='2008-06-08', country='US')</a:t>
-            </a:r>
-          </a:p>
-          <a:p>
-            <a:pPr marL="0" indent="0">
-              <a:buNone/>
-            </a:pPr>
-            <a:endParaRPr lang="en-US" dirty="0">
-              <a:latin typeface="Lucida Console"/>
-              <a:cs typeface="Lucida Console"/>
-            </a:endParaRPr>
-          </a:p>
-          <a:p>
-            <a:pPr marL="0" indent="0">
-              <a:buNone/>
-            </a:pPr>
-            <a:r>
-              <a:rPr lang="en-US" dirty="0">
-                <a:latin typeface="Lucida Console"/>
-                <a:cs typeface="Lucida Console"/>
-              </a:rPr>
-              <a:t>INSERT OVERWRITE TABLE </a:t>
-            </a:r>
-            <a:r>
-              <a:rPr lang="en-US" dirty="0" err="1">
-                <a:latin typeface="Lucida Console"/>
-                <a:cs typeface="Lucida Console"/>
-              </a:rPr>
-              <a:t>xyz_com_page_views</a:t>
-            </a:r>
-            <a:endParaRPr lang="en-US" dirty="0">
-              <a:latin typeface="Lucida Console"/>
-              <a:cs typeface="Lucida Console"/>
-            </a:endParaRPr>
-          </a:p>
-          <a:p>
-            <a:pPr marL="0" indent="0">
-              <a:buNone/>
-            </a:pPr>
-            <a:r>
-              <a:rPr lang="en-US" dirty="0">
-                <a:latin typeface="Lucida Console"/>
-                <a:cs typeface="Lucida Console"/>
-              </a:rPr>
-              <a:t>SELECT </a:t>
-            </a:r>
-            <a:r>
-              <a:rPr lang="en-US" dirty="0" err="1">
-                <a:latin typeface="Lucida Console"/>
-                <a:cs typeface="Lucida Console"/>
-              </a:rPr>
-              <a:t>page_views</a:t>
-            </a:r>
-            <a:r>
-              <a:rPr lang="en-US" dirty="0">
-                <a:latin typeface="Lucida Console"/>
-                <a:cs typeface="Lucida Console"/>
-              </a:rPr>
-              <a:t>.*</a:t>
-            </a:r>
-          </a:p>
-          <a:p>
-            <a:pPr marL="0" indent="0">
-              <a:buNone/>
-            </a:pPr>
-            <a:r>
-              <a:rPr lang="en-US" dirty="0">
-                <a:latin typeface="Lucida Console"/>
-                <a:cs typeface="Lucida Console"/>
-              </a:rPr>
-              <a:t>FROM </a:t>
-            </a:r>
-            <a:r>
-              <a:rPr lang="en-US" dirty="0" err="1">
-                <a:latin typeface="Lucida Console"/>
-                <a:cs typeface="Lucida Console"/>
-              </a:rPr>
-              <a:t>page_views</a:t>
-            </a:r>
-            <a:endParaRPr lang="en-US" dirty="0">
-              <a:latin typeface="Lucida Console"/>
-              <a:cs typeface="Lucida Console"/>
-            </a:endParaRPr>
-          </a:p>
-          <a:p>
-            <a:pPr marL="0" indent="0">
-              <a:buNone/>
-            </a:pPr>
-            <a:r>
-              <a:rPr lang="en-US" dirty="0">
-                <a:latin typeface="Lucida Console"/>
-                <a:cs typeface="Lucida Console"/>
-              </a:rPr>
-              <a:t>WHERE </a:t>
-            </a:r>
-            <a:r>
-              <a:rPr lang="en-US" dirty="0" err="1">
-                <a:latin typeface="Lucida Console"/>
-                <a:cs typeface="Lucida Console"/>
-              </a:rPr>
-              <a:t>page_views.date</a:t>
-            </a:r>
-            <a:r>
-              <a:rPr lang="en-US" dirty="0">
-                <a:latin typeface="Lucida Console"/>
-                <a:cs typeface="Lucida Console"/>
-              </a:rPr>
-              <a:t> &gt;= '2008-03-01' AND </a:t>
-            </a:r>
-            <a:r>
-              <a:rPr lang="en-US" dirty="0" err="1">
-                <a:latin typeface="Lucida Console"/>
-                <a:cs typeface="Lucida Console"/>
-              </a:rPr>
-              <a:t>page_views.date</a:t>
-            </a:r>
-            <a:r>
-              <a:rPr lang="en-US" dirty="0">
-                <a:latin typeface="Lucida Console"/>
-                <a:cs typeface="Lucida Console"/>
-              </a:rPr>
-              <a:t> &lt;= '2008-03-31' AND</a:t>
-            </a:r>
-          </a:p>
-          <a:p>
-            <a:pPr marL="0" indent="0">
-              <a:buNone/>
-            </a:pPr>
-            <a:r>
-              <a:rPr lang="en-US" dirty="0">
-                <a:latin typeface="Lucida Console"/>
-                <a:cs typeface="Lucida Console"/>
-              </a:rPr>
-              <a:t>      </a:t>
-            </a:r>
-            <a:r>
-              <a:rPr lang="en-US" dirty="0" err="1">
-                <a:latin typeface="Lucida Console"/>
-                <a:cs typeface="Lucida Console"/>
-              </a:rPr>
-              <a:t>page_views.referrer_url</a:t>
-            </a:r>
-            <a:r>
-              <a:rPr lang="en-US" dirty="0">
-                <a:latin typeface="Lucida Console"/>
-                <a:cs typeface="Lucida Console"/>
-              </a:rPr>
-              <a:t> like '%</a:t>
-            </a:r>
-            <a:r>
-              <a:rPr lang="en-US" dirty="0" err="1">
-                <a:latin typeface="Lucida Console"/>
-                <a:cs typeface="Lucida Console"/>
-              </a:rPr>
-              <a:t>xyz.com</a:t>
-            </a:r>
-            <a:r>
-              <a:rPr lang="en-US" dirty="0">
-                <a:latin typeface="Lucida Console"/>
-                <a:cs typeface="Lucida Console"/>
-              </a:rPr>
-              <a:t>';</a:t>
-            </a:r>
-          </a:p>
-        </p:txBody>
-      </p:sp>
-    </p:spTree>
-    <p:extLst>
-      <p:ext uri="{BB962C8B-B14F-4D97-AF65-F5344CB8AC3E}">
-        <p14:creationId xmlns:p14="http://schemas.microsoft.com/office/powerpoint/2010/main" val="2489775350"/>
-      </p:ext>
-    </p:extLst>
-  </p:cSld>
-  <p:clrMapOvr>
-    <a:masterClrMapping/>
-  </p:clrMapOvr>
-</p:sld>
-</file>
-
 <file path=ppt/slides/slide24.xml><?xml version="1.0" encoding="utf-8"?>
 <p:sld xmlns:a="http://schemas.openxmlformats.org/drawingml/2006/main" xmlns:r="http://schemas.openxmlformats.org/officeDocument/2006/relationships" xmlns:p="http://schemas.openxmlformats.org/presentationml/2006/main">
   <p:cSld>
@@ -6907,10 +6947,9 @@
           <a:lstStyle/>
           <a:p>
             <a:r>
-              <a:rPr lang="en-US" dirty="0" err="1"/>
-              <a:t>SparkSQL</a:t>
-            </a:r>
-            <a:endParaRPr lang="en-US" dirty="0"/>
+              <a:rPr lang="en-US" dirty="0"/>
+              <a:t>Hive example</a:t>
+            </a:r>
           </a:p>
         </p:txBody>
       </p:sp>
@@ -6927,65 +6966,396 @@
         <p:spPr/>
         <p:txBody>
           <a:bodyPr>
-            <a:normAutofit/>
+            <a:normAutofit fontScale="47500" lnSpcReduction="20000"/>
           </a:bodyPr>
           <a:lstStyle/>
           <a:p>
-            <a:r>
-              <a:rPr lang="en-US" dirty="0"/>
-              <a:t>Integrates into existing Spark programs</a:t>
-            </a:r>
-          </a:p>
-          <a:p>
-            <a:pPr lvl="1"/>
-            <a:r>
-              <a:rPr lang="en-US" dirty="0"/>
-              <a:t>Mixes SQL with Python, </a:t>
-            </a:r>
-            <a:r>
-              <a:rPr lang="en-US" dirty="0" err="1"/>
-              <a:t>Scala</a:t>
-            </a:r>
-            <a:r>
-              <a:rPr lang="en-US" dirty="0"/>
-              <a:t> or Java</a:t>
-            </a:r>
-          </a:p>
-          <a:p>
-            <a:r>
-              <a:rPr lang="en-US" dirty="0"/>
-              <a:t>Integrates data from CSV, Avro, Parquet, JDBC, ODBC, JSON, </a:t>
-            </a:r>
-            <a:r>
-              <a:rPr lang="en-US" dirty="0" err="1"/>
-              <a:t>etc</a:t>
-            </a:r>
-            <a:endParaRPr lang="en-US" dirty="0"/>
-          </a:p>
-          <a:p>
-            <a:pPr lvl="1"/>
-            <a:r>
-              <a:rPr lang="en-US" dirty="0"/>
-              <a:t>Including joins across them</a:t>
-            </a:r>
-          </a:p>
-          <a:p>
-            <a:r>
-              <a:rPr lang="en-US" dirty="0"/>
-              <a:t>Fully supports Apache Hive</a:t>
-            </a:r>
-          </a:p>
-          <a:p>
-            <a:pPr lvl="1"/>
-            <a:r>
-              <a:rPr lang="en-US" i="1" dirty="0"/>
-              <a:t>If you build it with Hive support</a:t>
-            </a:r>
-          </a:p>
-          <a:p>
-            <a:r>
-              <a:rPr lang="en-US" dirty="0"/>
-              <a:t>Fits into the resilient scalable model of Spark</a:t>
+            <a:pPr marL="0" indent="0">
+              <a:buNone/>
+            </a:pPr>
+            <a:r>
+              <a:rPr lang="en-US" dirty="0">
+                <a:latin typeface="Lucida Console"/>
+                <a:cs typeface="Lucida Console"/>
+              </a:rPr>
+              <a:t>CREATE TABLE </a:t>
+            </a:r>
+            <a:r>
+              <a:rPr lang="en-US" dirty="0" err="1">
+                <a:latin typeface="Lucida Console"/>
+                <a:cs typeface="Lucida Console"/>
+              </a:rPr>
+              <a:t>page_view</a:t>
+            </a:r>
+            <a:r>
+              <a:rPr lang="en-US" dirty="0">
+                <a:latin typeface="Lucida Console"/>
+                <a:cs typeface="Lucida Console"/>
+              </a:rPr>
+              <a:t>(</a:t>
+            </a:r>
+            <a:r>
+              <a:rPr lang="en-US" dirty="0" err="1">
+                <a:latin typeface="Lucida Console"/>
+                <a:cs typeface="Lucida Console"/>
+              </a:rPr>
+              <a:t>viewTime</a:t>
+            </a:r>
+            <a:r>
+              <a:rPr lang="en-US" dirty="0">
+                <a:latin typeface="Lucida Console"/>
+                <a:cs typeface="Lucida Console"/>
+              </a:rPr>
+              <a:t> INT, </a:t>
+            </a:r>
+            <a:r>
+              <a:rPr lang="en-US" dirty="0" err="1">
+                <a:latin typeface="Lucida Console"/>
+                <a:cs typeface="Lucida Console"/>
+              </a:rPr>
+              <a:t>userid</a:t>
+            </a:r>
+            <a:r>
+              <a:rPr lang="en-US" dirty="0">
+                <a:latin typeface="Lucida Console"/>
+                <a:cs typeface="Lucida Console"/>
+              </a:rPr>
+              <a:t> BIGINT,</a:t>
+            </a:r>
+          </a:p>
+          <a:p>
+            <a:pPr marL="0" indent="0">
+              <a:buNone/>
+            </a:pPr>
+            <a:r>
+              <a:rPr lang="en-US" dirty="0">
+                <a:latin typeface="Lucida Console"/>
+                <a:cs typeface="Lucida Console"/>
+              </a:rPr>
+              <a:t>                </a:t>
+            </a:r>
+            <a:r>
+              <a:rPr lang="en-US" dirty="0" err="1">
+                <a:latin typeface="Lucida Console"/>
+                <a:cs typeface="Lucida Console"/>
+              </a:rPr>
+              <a:t>page_url</a:t>
+            </a:r>
+            <a:r>
+              <a:rPr lang="en-US" dirty="0">
+                <a:latin typeface="Lucida Console"/>
+                <a:cs typeface="Lucida Console"/>
+              </a:rPr>
+              <a:t> STRING, </a:t>
+            </a:r>
+            <a:r>
+              <a:rPr lang="en-US" dirty="0" err="1">
+                <a:latin typeface="Lucida Console"/>
+                <a:cs typeface="Lucida Console"/>
+              </a:rPr>
+              <a:t>referrer_url</a:t>
+            </a:r>
+            <a:r>
+              <a:rPr lang="en-US" dirty="0">
+                <a:latin typeface="Lucida Console"/>
+                <a:cs typeface="Lucida Console"/>
+              </a:rPr>
+              <a:t> STRING,</a:t>
+            </a:r>
+          </a:p>
+          <a:p>
+            <a:pPr marL="0" indent="0">
+              <a:buNone/>
+            </a:pPr>
+            <a:r>
+              <a:rPr lang="en-US" dirty="0">
+                <a:latin typeface="Lucida Console"/>
+                <a:cs typeface="Lucida Console"/>
+              </a:rPr>
+              <a:t>                </a:t>
+            </a:r>
+            <a:r>
+              <a:rPr lang="en-US" dirty="0" err="1">
+                <a:latin typeface="Lucida Console"/>
+                <a:cs typeface="Lucida Console"/>
+              </a:rPr>
+              <a:t>ip</a:t>
+            </a:r>
+            <a:r>
+              <a:rPr lang="en-US" dirty="0">
+                <a:latin typeface="Lucida Console"/>
+                <a:cs typeface="Lucida Console"/>
+              </a:rPr>
+              <a:t> STRING COMMENT 'IP Address of the User')</a:t>
+            </a:r>
+          </a:p>
+          <a:p>
+            <a:pPr marL="0" indent="0">
+              <a:buNone/>
+            </a:pPr>
+            <a:r>
+              <a:rPr lang="en-US" dirty="0">
+                <a:latin typeface="Lucida Console"/>
+                <a:cs typeface="Lucida Console"/>
+              </a:rPr>
+              <a:t>COMMENT 'This is the page view table'</a:t>
+            </a:r>
+          </a:p>
+          <a:p>
+            <a:pPr marL="0" indent="0">
+              <a:buNone/>
+            </a:pPr>
+            <a:r>
+              <a:rPr lang="en-US" dirty="0">
+                <a:latin typeface="Lucida Console"/>
+                <a:cs typeface="Lucida Console"/>
+              </a:rPr>
+              <a:t>PARTITIONED BY(</a:t>
+            </a:r>
+            <a:r>
+              <a:rPr lang="en-US" dirty="0" err="1">
+                <a:latin typeface="Lucida Console"/>
+                <a:cs typeface="Lucida Console"/>
+              </a:rPr>
+              <a:t>dt</a:t>
+            </a:r>
+            <a:r>
+              <a:rPr lang="en-US" dirty="0">
+                <a:latin typeface="Lucida Console"/>
+                <a:cs typeface="Lucida Console"/>
+              </a:rPr>
+              <a:t> STRING, country STRING)</a:t>
+            </a:r>
+          </a:p>
+          <a:p>
+            <a:pPr marL="0" indent="0">
+              <a:buNone/>
+            </a:pPr>
+            <a:r>
+              <a:rPr lang="en-US" dirty="0">
+                <a:latin typeface="Lucida Console"/>
+                <a:cs typeface="Lucida Console"/>
+              </a:rPr>
+              <a:t>STORED AS SEQUENCEFILE;</a:t>
+            </a:r>
+          </a:p>
+          <a:p>
+            <a:pPr marL="0" indent="0">
+              <a:buNone/>
+            </a:pPr>
+            <a:endParaRPr lang="en-US" dirty="0">
+              <a:latin typeface="Lucida Console"/>
+              <a:cs typeface="Lucida Console"/>
+            </a:endParaRPr>
+          </a:p>
+          <a:p>
+            <a:pPr marL="0" indent="0">
+              <a:buNone/>
+            </a:pPr>
+            <a:endParaRPr lang="en-US" dirty="0">
+              <a:latin typeface="Lucida Console"/>
+              <a:cs typeface="Lucida Console"/>
+            </a:endParaRPr>
+          </a:p>
+          <a:p>
+            <a:pPr marL="0" indent="0">
+              <a:buNone/>
+            </a:pPr>
+            <a:r>
+              <a:rPr lang="en-US" dirty="0">
+                <a:latin typeface="Lucida Console"/>
+                <a:cs typeface="Lucida Console"/>
+              </a:rPr>
+              <a:t>LOAD DATA LOCAL INPATH /</a:t>
+            </a:r>
+            <a:r>
+              <a:rPr lang="en-US" dirty="0" err="1">
+                <a:latin typeface="Lucida Console"/>
+                <a:cs typeface="Lucida Console"/>
+              </a:rPr>
+              <a:t>tmp</a:t>
+            </a:r>
+            <a:r>
+              <a:rPr lang="en-US" dirty="0">
+                <a:latin typeface="Lucida Console"/>
+                <a:cs typeface="Lucida Console"/>
+              </a:rPr>
+              <a:t>/pv_2008-06-08_us.txt INTO TABLE </a:t>
+            </a:r>
+            <a:r>
+              <a:rPr lang="en-US" dirty="0" err="1">
+                <a:latin typeface="Lucida Console"/>
+                <a:cs typeface="Lucida Console"/>
+              </a:rPr>
+              <a:t>page_view</a:t>
+            </a:r>
+            <a:r>
+              <a:rPr lang="en-US" dirty="0">
+                <a:latin typeface="Lucida Console"/>
+                <a:cs typeface="Lucida Console"/>
+              </a:rPr>
+              <a:t> PARTITION(date='2008-06-08', country='US')</a:t>
+            </a:r>
+          </a:p>
+          <a:p>
+            <a:pPr marL="0" indent="0">
+              <a:buNone/>
+            </a:pPr>
+            <a:endParaRPr lang="en-US" dirty="0">
+              <a:latin typeface="Lucida Console"/>
+              <a:cs typeface="Lucida Console"/>
+            </a:endParaRPr>
+          </a:p>
+          <a:p>
+            <a:pPr marL="0" indent="0">
+              <a:buNone/>
+            </a:pPr>
+            <a:r>
+              <a:rPr lang="en-US" dirty="0">
+                <a:latin typeface="Lucida Console"/>
+                <a:cs typeface="Lucida Console"/>
+              </a:rPr>
+              <a:t>INSERT OVERWRITE TABLE </a:t>
+            </a:r>
+            <a:r>
+              <a:rPr lang="en-US" dirty="0" err="1">
+                <a:latin typeface="Lucida Console"/>
+                <a:cs typeface="Lucida Console"/>
+              </a:rPr>
+              <a:t>xyz_com_page_views</a:t>
+            </a:r>
+            <a:endParaRPr lang="en-US" dirty="0">
+              <a:latin typeface="Lucida Console"/>
+              <a:cs typeface="Lucida Console"/>
+            </a:endParaRPr>
+          </a:p>
+          <a:p>
+            <a:pPr marL="0" indent="0">
+              <a:buNone/>
+            </a:pPr>
+            <a:r>
+              <a:rPr lang="en-US" dirty="0">
+                <a:latin typeface="Lucida Console"/>
+                <a:cs typeface="Lucida Console"/>
+              </a:rPr>
+              <a:t>SELECT </a:t>
+            </a:r>
+            <a:r>
+              <a:rPr lang="en-US" dirty="0" err="1">
+                <a:latin typeface="Lucida Console"/>
+                <a:cs typeface="Lucida Console"/>
+              </a:rPr>
+              <a:t>page_views</a:t>
+            </a:r>
+            <a:r>
+              <a:rPr lang="en-US" dirty="0">
+                <a:latin typeface="Lucida Console"/>
+                <a:cs typeface="Lucida Console"/>
+              </a:rPr>
+              <a:t>.*</a:t>
+            </a:r>
+          </a:p>
+          <a:p>
+            <a:pPr marL="0" indent="0">
+              <a:buNone/>
+            </a:pPr>
+            <a:r>
+              <a:rPr lang="en-US" dirty="0">
+                <a:latin typeface="Lucida Console"/>
+                <a:cs typeface="Lucida Console"/>
+              </a:rPr>
+              <a:t>FROM </a:t>
+            </a:r>
+            <a:r>
+              <a:rPr lang="en-US" dirty="0" err="1">
+                <a:latin typeface="Lucida Console"/>
+                <a:cs typeface="Lucida Console"/>
+              </a:rPr>
+              <a:t>page_views</a:t>
+            </a:r>
+            <a:endParaRPr lang="en-US" dirty="0">
+              <a:latin typeface="Lucida Console"/>
+              <a:cs typeface="Lucida Console"/>
+            </a:endParaRPr>
+          </a:p>
+          <a:p>
+            <a:pPr marL="0" indent="0">
+              <a:buNone/>
+            </a:pPr>
+            <a:r>
+              <a:rPr lang="en-US" dirty="0">
+                <a:latin typeface="Lucida Console"/>
+                <a:cs typeface="Lucida Console"/>
+              </a:rPr>
+              <a:t>WHERE </a:t>
+            </a:r>
+            <a:r>
+              <a:rPr lang="en-US" dirty="0" err="1">
+                <a:latin typeface="Lucida Console"/>
+                <a:cs typeface="Lucida Console"/>
+              </a:rPr>
+              <a:t>page_views.date</a:t>
+            </a:r>
+            <a:r>
+              <a:rPr lang="en-US" dirty="0">
+                <a:latin typeface="Lucida Console"/>
+                <a:cs typeface="Lucida Console"/>
+              </a:rPr>
+              <a:t> &gt;= '2008-03-01' AND </a:t>
+            </a:r>
+            <a:r>
+              <a:rPr lang="en-US" dirty="0" err="1">
+                <a:latin typeface="Lucida Console"/>
+                <a:cs typeface="Lucida Console"/>
+              </a:rPr>
+              <a:t>page_views.date</a:t>
+            </a:r>
+            <a:r>
+              <a:rPr lang="en-US" dirty="0">
+                <a:latin typeface="Lucida Console"/>
+                <a:cs typeface="Lucida Console"/>
+              </a:rPr>
+              <a:t> &lt;= '2008-03-31' AND</a:t>
+            </a:r>
+          </a:p>
+          <a:p>
+            <a:pPr marL="0" indent="0">
+              <a:buNone/>
+            </a:pPr>
+            <a:r>
+              <a:rPr lang="en-US" dirty="0">
+                <a:latin typeface="Lucida Console"/>
+                <a:cs typeface="Lucida Console"/>
+              </a:rPr>
+              <a:t>      </a:t>
+            </a:r>
+            <a:r>
+              <a:rPr lang="en-US" dirty="0" err="1">
+                <a:latin typeface="Lucida Console"/>
+                <a:cs typeface="Lucida Console"/>
+              </a:rPr>
+              <a:t>page_views.referrer_url</a:t>
+            </a:r>
+            <a:r>
+              <a:rPr lang="en-US" dirty="0">
+                <a:latin typeface="Lucida Console"/>
+                <a:cs typeface="Lucida Console"/>
+              </a:rPr>
+              <a:t> like '%</a:t>
+            </a:r>
+            <a:r>
+              <a:rPr lang="en-US" dirty="0" err="1">
+                <a:latin typeface="Lucida Console"/>
+                <a:cs typeface="Lucida Console"/>
+              </a:rPr>
+              <a:t>xyz.com</a:t>
+            </a:r>
+            <a:r>
+              <a:rPr lang="en-US" dirty="0">
+                <a:latin typeface="Lucida Console"/>
+                <a:cs typeface="Lucida Console"/>
+              </a:rPr>
+              <a:t>';</a:t>
             </a:r>
           </a:p>
         </p:txBody>
@@ -6993,7 +7363,7 @@
     </p:spTree>
     <p:extLst>
       <p:ext uri="{BB962C8B-B14F-4D97-AF65-F5344CB8AC3E}">
-        <p14:creationId xmlns:p14="http://schemas.microsoft.com/office/powerpoint/2010/main" val="3825801356"/>
+        <p14:creationId xmlns:p14="http://schemas.microsoft.com/office/powerpoint/2010/main" val="2489775350"/>
       </p:ext>
     </p:extLst>
   </p:cSld>
@@ -7036,6 +7406,135 @@
           <a:lstStyle/>
           <a:p>
             <a:r>
+              <a:rPr lang="en-US" dirty="0" err="1"/>
+              <a:t>SparkSQL</a:t>
+            </a:r>
+            <a:endParaRPr lang="en-US" dirty="0"/>
+          </a:p>
+        </p:txBody>
+      </p:sp>
+      <p:sp>
+        <p:nvSpPr>
+          <p:cNvPr id="3" name="Content Placeholder 2"/>
+          <p:cNvSpPr>
+            <a:spLocks noGrp="1"/>
+          </p:cNvSpPr>
+          <p:nvPr>
+            <p:ph idx="1"/>
+          </p:nvPr>
+        </p:nvSpPr>
+        <p:spPr/>
+        <p:txBody>
+          <a:bodyPr>
+            <a:normAutofit/>
+          </a:bodyPr>
+          <a:lstStyle/>
+          <a:p>
+            <a:r>
+              <a:rPr lang="en-US" dirty="0"/>
+              <a:t>Integrates into existing Spark programs</a:t>
+            </a:r>
+          </a:p>
+          <a:p>
+            <a:pPr lvl="1"/>
+            <a:r>
+              <a:rPr lang="en-US" dirty="0"/>
+              <a:t>Mixes SQL with Python, </a:t>
+            </a:r>
+            <a:r>
+              <a:rPr lang="en-US" dirty="0" err="1"/>
+              <a:t>Scala</a:t>
+            </a:r>
+            <a:r>
+              <a:rPr lang="en-US" dirty="0"/>
+              <a:t> or Java</a:t>
+            </a:r>
+          </a:p>
+          <a:p>
+            <a:r>
+              <a:rPr lang="en-US" dirty="0"/>
+              <a:t>Integrates data from CSV, Avro, Parquet, JDBC, ODBC, JSON, </a:t>
+            </a:r>
+            <a:r>
+              <a:rPr lang="en-US" dirty="0" err="1"/>
+              <a:t>etc</a:t>
+            </a:r>
+            <a:endParaRPr lang="en-US" dirty="0"/>
+          </a:p>
+          <a:p>
+            <a:pPr lvl="1"/>
+            <a:r>
+              <a:rPr lang="en-US" dirty="0"/>
+              <a:t>Including joins across them</a:t>
+            </a:r>
+          </a:p>
+          <a:p>
+            <a:r>
+              <a:rPr lang="en-US" dirty="0"/>
+              <a:t>Fully supports Apache Hive</a:t>
+            </a:r>
+          </a:p>
+          <a:p>
+            <a:pPr lvl="1"/>
+            <a:r>
+              <a:rPr lang="en-US" i="1" dirty="0"/>
+              <a:t>If you build it with Hive support</a:t>
+            </a:r>
+          </a:p>
+          <a:p>
+            <a:r>
+              <a:rPr lang="en-US" dirty="0"/>
+              <a:t>Fits into the resilient scalable model of Spark</a:t>
+            </a:r>
+          </a:p>
+        </p:txBody>
+      </p:sp>
+    </p:spTree>
+    <p:extLst>
+      <p:ext uri="{BB962C8B-B14F-4D97-AF65-F5344CB8AC3E}">
+        <p14:creationId xmlns:p14="http://schemas.microsoft.com/office/powerpoint/2010/main" val="3825801356"/>
+      </p:ext>
+    </p:extLst>
+  </p:cSld>
+  <p:clrMapOvr>
+    <a:masterClrMapping/>
+  </p:clrMapOvr>
+</p:sld>
+</file>
+
+<file path=ppt/slides/slide26.xml><?xml version="1.0" encoding="utf-8"?>
+<p:sld xmlns:a="http://schemas.openxmlformats.org/drawingml/2006/main" xmlns:r="http://schemas.openxmlformats.org/officeDocument/2006/relationships" xmlns:p="http://schemas.openxmlformats.org/presentationml/2006/main">
+  <p:cSld>
+    <p:spTree>
+      <p:nvGrpSpPr>
+        <p:cNvPr id="1" name=""/>
+        <p:cNvGrpSpPr/>
+        <p:nvPr/>
+      </p:nvGrpSpPr>
+      <p:grpSpPr>
+        <a:xfrm>
+          <a:off x="0" y="0"/>
+          <a:ext cx="0" cy="0"/>
+          <a:chOff x="0" y="0"/>
+          <a:chExt cx="0" cy="0"/>
+        </a:xfrm>
+      </p:grpSpPr>
+      <p:sp>
+        <p:nvSpPr>
+          <p:cNvPr id="2" name="Title 1"/>
+          <p:cNvSpPr>
+            <a:spLocks noGrp="1"/>
+          </p:cNvSpPr>
+          <p:nvPr>
+            <p:ph type="title"/>
+          </p:nvPr>
+        </p:nvSpPr>
+        <p:spPr/>
+        <p:txBody>
+          <a:bodyPr/>
+          <a:lstStyle/>
+          <a:p>
+            <a:r>
               <a:rPr lang="en-US" dirty="0"/>
               <a:t>Spark SQL example</a:t>
             </a:r>
@@ -7521,7 +8020,7 @@
 </p:sld>
 </file>
 
-<file path=ppt/slides/slide26.xml><?xml version="1.0" encoding="utf-8"?>
+<file path=ppt/slides/slide27.xml><?xml version="1.0" encoding="utf-8"?>
 <p:sld xmlns:a="http://schemas.openxmlformats.org/drawingml/2006/main" xmlns:r="http://schemas.openxmlformats.org/officeDocument/2006/relationships" xmlns:p="http://schemas.openxmlformats.org/presentationml/2006/main">
   <p:cSld>
     <p:spTree>
@@ -7673,211 +8172,6 @@
 </p:sld>
 </file>
 
-<file path=ppt/slides/slide27.xml><?xml version="1.0" encoding="utf-8"?>
-<p:sld xmlns:a="http://schemas.openxmlformats.org/drawingml/2006/main" xmlns:r="http://schemas.openxmlformats.org/officeDocument/2006/relationships" xmlns:p="http://schemas.openxmlformats.org/presentationml/2006/main">
-  <p:cSld>
-    <p:spTree>
-      <p:nvGrpSpPr>
-        <p:cNvPr id="1" name=""/>
-        <p:cNvGrpSpPr/>
-        <p:nvPr/>
-      </p:nvGrpSpPr>
-      <p:grpSpPr>
-        <a:xfrm>
-          <a:off x="0" y="0"/>
-          <a:ext cx="0" cy="0"/>
-          <a:chOff x="0" y="0"/>
-          <a:chExt cx="0" cy="0"/>
-        </a:xfrm>
-      </p:grpSpPr>
-      <p:sp>
-        <p:nvSpPr>
-          <p:cNvPr id="2" name="Title 1"/>
-          <p:cNvSpPr>
-            <a:spLocks noGrp="1"/>
-          </p:cNvSpPr>
-          <p:nvPr>
-            <p:ph type="title"/>
-          </p:nvPr>
-        </p:nvSpPr>
-        <p:spPr/>
-        <p:txBody>
-          <a:bodyPr/>
-          <a:lstStyle/>
-          <a:p>
-            <a:r>
-              <a:rPr lang="en-US" dirty="0"/>
-              <a:t>More SQL</a:t>
-            </a:r>
-          </a:p>
-        </p:txBody>
-      </p:sp>
-      <p:sp>
-        <p:nvSpPr>
-          <p:cNvPr id="3" name="Content Placeholder 2"/>
-          <p:cNvSpPr>
-            <a:spLocks noGrp="1"/>
-          </p:cNvSpPr>
-          <p:nvPr>
-            <p:ph idx="1"/>
-          </p:nvPr>
-        </p:nvSpPr>
-        <p:spPr/>
-        <p:txBody>
-          <a:bodyPr/>
-          <a:lstStyle/>
-          <a:p>
-            <a:pPr marL="0" indent="0">
-              <a:buNone/>
-            </a:pPr>
-            <a:r>
-              <a:rPr lang="en-US" dirty="0" err="1"/>
-              <a:t>df</a:t>
-            </a:r>
-            <a:r>
-              <a:rPr lang="en-US" dirty="0"/>
-              <a:t>.</a:t>
-            </a:r>
-            <a:br>
-              <a:rPr lang="en-US" dirty="0"/>
-            </a:br>
-            <a:r>
-              <a:rPr lang="en-US" dirty="0"/>
-              <a:t>  select('</a:t>
-            </a:r>
-            <a:r>
-              <a:rPr lang="en-US" dirty="0" err="1"/>
-              <a:t>postcode’,’id</a:t>
-            </a:r>
-            <a:r>
-              <a:rPr lang="en-US" dirty="0"/>
-              <a:t>').</a:t>
-            </a:r>
-            <a:br>
-              <a:rPr lang="en-US" dirty="0"/>
-            </a:br>
-            <a:r>
-              <a:rPr lang="en-US" dirty="0"/>
-              <a:t>  </a:t>
-            </a:r>
-            <a:r>
-              <a:rPr lang="en-US" dirty="0" err="1"/>
-              <a:t>withColumn</a:t>
-            </a:r>
-            <a:r>
-              <a:rPr lang="en-US" dirty="0"/>
-              <a:t>('</a:t>
-            </a:r>
-            <a:r>
-              <a:rPr lang="en-US" dirty="0" err="1"/>
-              <a:t>first_pc</a:t>
-            </a:r>
-            <a:r>
-              <a:rPr lang="en-US" dirty="0"/>
-              <a:t>', </a:t>
-            </a:r>
-            <a:br>
-              <a:rPr lang="en-US" dirty="0"/>
-            </a:br>
-            <a:r>
-              <a:rPr lang="en-US" dirty="0"/>
-              <a:t>    split(</a:t>
-            </a:r>
-            <a:r>
-              <a:rPr lang="en-US" dirty="0" err="1"/>
-              <a:t>df.postcode</a:t>
-            </a:r>
-            <a:r>
-              <a:rPr lang="en-US" dirty="0"/>
-              <a:t>, ‘\s’[0]).</a:t>
-            </a:r>
-            <a:br>
-              <a:rPr lang="en-US" dirty="0"/>
-            </a:br>
-            <a:r>
-              <a:rPr lang="en-US" dirty="0"/>
-              <a:t>    where((col("</a:t>
-            </a:r>
-            <a:r>
-              <a:rPr lang="en-US" dirty="0" err="1"/>
-              <a:t>first_pc</a:t>
-            </a:r>
-            <a:r>
-              <a:rPr lang="en-US" dirty="0"/>
-              <a:t>") == 'SW11') or  </a:t>
-            </a:r>
-            <a:br>
-              <a:rPr lang="en-US" dirty="0"/>
-            </a:br>
-            <a:r>
-              <a:rPr lang="en-US" dirty="0"/>
-              <a:t>                 (col("</a:t>
-            </a:r>
-            <a:r>
-              <a:rPr lang="en-US" dirty="0" err="1"/>
-              <a:t>first_pc</a:t>
-            </a:r>
-            <a:r>
-              <a:rPr lang="en-US" dirty="0"/>
-              <a:t>") == 'OX1')).</a:t>
-            </a:r>
-            <a:br>
-              <a:rPr lang="en-US" dirty="0"/>
-            </a:br>
-            <a:r>
-              <a:rPr lang="en-US" dirty="0"/>
-              <a:t>     </a:t>
-            </a:r>
-            <a:r>
-              <a:rPr lang="en-US" dirty="0" err="1"/>
-              <a:t>groupBy</a:t>
-            </a:r>
-            <a:r>
-              <a:rPr lang="en-US" dirty="0"/>
-              <a:t>('</a:t>
-            </a:r>
-            <a:r>
-              <a:rPr lang="en-US" dirty="0" err="1"/>
-              <a:t>first_pc</a:t>
-            </a:r>
-            <a:r>
-              <a:rPr lang="en-US" dirty="0"/>
-              <a:t>').</a:t>
-            </a:r>
-            <a:br>
-              <a:rPr lang="en-US" dirty="0"/>
-            </a:br>
-            <a:r>
-              <a:rPr lang="en-US" dirty="0"/>
-              <a:t>     </a:t>
-            </a:r>
-            <a:r>
-              <a:rPr lang="en-US" dirty="0" err="1"/>
-              <a:t>agg</a:t>
-            </a:r>
-            <a:r>
-              <a:rPr lang="en-US" dirty="0"/>
-              <a:t>({"id": "count"}).show()</a:t>
-            </a:r>
-          </a:p>
-          <a:p>
-            <a:endParaRPr lang="en-US" dirty="0"/>
-          </a:p>
-        </p:txBody>
-      </p:sp>
-    </p:spTree>
-    <p:extLst>
-      <p:ext uri="{BB962C8B-B14F-4D97-AF65-F5344CB8AC3E}">
-        <p14:creationId xmlns:p14="http://schemas.microsoft.com/office/powerpoint/2010/main" val="2781459140"/>
-      </p:ext>
-    </p:extLst>
-  </p:cSld>
-  <p:clrMapOvr>
-    <a:masterClrMapping/>
-  </p:clrMapOvr>
-</p:sld>
-</file>
-
 <file path=ppt/slides/slide28.xml><?xml version="1.0" encoding="utf-8"?>
 <p:sld xmlns:a="http://schemas.openxmlformats.org/drawingml/2006/main" xmlns:r="http://schemas.openxmlformats.org/officeDocument/2006/relationships" xmlns:p="http://schemas.openxmlformats.org/presentationml/2006/main">
   <p:cSld>
@@ -7912,7 +8206,7 @@
           <a:p>
             <a:r>
               <a:rPr lang="en-US" dirty="0"/>
-              <a:t>User Defined Functions</a:t>
+              <a:t>More SQL</a:t>
             </a:r>
           </a:p>
         </p:txBody>
@@ -7929,115 +8223,151 @@
         </p:nvSpPr>
         <p:spPr/>
         <p:txBody>
-          <a:bodyPr>
-            <a:normAutofit/>
-          </a:bodyPr>
+          <a:bodyPr/>
           <a:lstStyle/>
           <a:p>
-            <a:r>
-              <a:rPr lang="en-US" dirty="0"/>
-              <a:t>In SQL a User Defined Function is an extension that helps perform other functions in SQL</a:t>
-            </a:r>
-          </a:p>
-          <a:p>
-            <a:r>
-              <a:rPr lang="en-US" dirty="0"/>
-              <a:t>In Spark we can add our own functions (e.g. written in Python)</a:t>
-            </a:r>
-          </a:p>
-          <a:p>
             <a:pPr marL="0" indent="0">
               <a:buNone/>
             </a:pPr>
             <a:r>
-              <a:rPr lang="en-US" sz="2000" dirty="0" err="1">
-                <a:latin typeface="Menlo Regular"/>
-                <a:cs typeface="Menlo Regular"/>
-              </a:rPr>
-              <a:t>def</a:t>
-            </a:r>
-            <a:r>
-              <a:rPr lang="en-US" sz="2000" dirty="0">
-                <a:latin typeface="Menlo Regular"/>
-                <a:cs typeface="Menlo Regular"/>
-              </a:rPr>
-              <a:t> squared(s):</a:t>
-            </a:r>
-          </a:p>
-          <a:p>
-            <a:pPr marL="0" indent="0">
-              <a:buNone/>
-            </a:pPr>
-            <a:r>
-              <a:rPr lang="en-US" sz="2000" dirty="0">
-                <a:latin typeface="Menlo Regular"/>
-                <a:cs typeface="Menlo Regular"/>
-              </a:rPr>
-              <a:t>  return s * s</a:t>
-            </a:r>
-          </a:p>
-          <a:p>
-            <a:pPr marL="0" indent="0">
-              <a:buNone/>
-            </a:pPr>
-            <a:r>
-              <a:rPr lang="en-US" sz="2000" dirty="0" err="1">
-                <a:latin typeface="Menlo Regular"/>
-                <a:cs typeface="Menlo Regular"/>
-              </a:rPr>
-              <a:t>sqlContext.udf.register</a:t>
-            </a:r>
-            <a:r>
-              <a:rPr lang="en-US" sz="2000" dirty="0">
-                <a:latin typeface="Menlo Regular"/>
-                <a:cs typeface="Menlo Regular"/>
-              </a:rPr>
-              <a:t>("squared", squared)</a:t>
+              <a:rPr lang="en-US" dirty="0" err="1"/>
+              <a:t>df</a:t>
+            </a:r>
+            <a:r>
+              <a:rPr lang="en-US" dirty="0"/>
+              <a:t>.</a:t>
             </a:r>
             <a:br>
-              <a:rPr lang="en-US" sz="2000" dirty="0">
-                <a:latin typeface="Menlo Regular"/>
-                <a:cs typeface="Menlo Regular"/>
-              </a:rPr>
+              <a:rPr lang="en-US" dirty="0"/>
             </a:br>
+            <a:r>
+              <a:rPr lang="en-US" dirty="0"/>
+              <a:t>  select('</a:t>
+            </a:r>
+            <a:r>
+              <a:rPr lang="en-US" dirty="0" err="1"/>
+              <a:t>postcode’,’id</a:t>
+            </a:r>
+            <a:r>
+              <a:rPr lang="en-US" dirty="0"/>
+              <a:t>').</a:t>
+            </a:r>
             <a:br>
-              <a:rPr lang="en-US" sz="2000" dirty="0">
-                <a:latin typeface="Menlo Regular"/>
-                <a:cs typeface="Menlo Regular"/>
-              </a:rPr>
+              <a:rPr lang="en-US" dirty="0"/>
             </a:br>
             <a:r>
-              <a:rPr lang="en-US" sz="2000" dirty="0">
-                <a:latin typeface="Menlo Regular"/>
-                <a:cs typeface="Menlo Regular"/>
-              </a:rPr>
-              <a:t>SELECT squared(age) as </a:t>
-            </a:r>
-            <a:r>
-              <a:rPr lang="en-US" sz="2000" dirty="0" err="1">
-                <a:latin typeface="Menlo Regular"/>
-                <a:cs typeface="Menlo Regular"/>
-              </a:rPr>
-              <a:t>agesquared</a:t>
-            </a:r>
-            <a:r>
-              <a:rPr lang="en-US" sz="2000">
-                <a:latin typeface="Menlo Regular"/>
-                <a:cs typeface="Menlo Regular"/>
-              </a:rPr>
-              <a:t> from PERSON</a:t>
-            </a:r>
-            <a:endParaRPr lang="en-US" sz="2000" dirty="0">
-              <a:latin typeface="Menlo Regular"/>
-              <a:cs typeface="Menlo Regular"/>
-            </a:endParaRPr>
+              <a:rPr lang="en-US" dirty="0"/>
+              <a:t>  </a:t>
+            </a:r>
+            <a:r>
+              <a:rPr lang="en-US" dirty="0" err="1"/>
+              <a:t>withColumn</a:t>
+            </a:r>
+            <a:r>
+              <a:rPr lang="en-US" dirty="0"/>
+              <a:t>('</a:t>
+            </a:r>
+            <a:r>
+              <a:rPr lang="en-US" dirty="0" err="1"/>
+              <a:t>first_pc</a:t>
+            </a:r>
+            <a:r>
+              <a:rPr lang="en-US" dirty="0"/>
+              <a:t>', </a:t>
+            </a:r>
+            <a:br>
+              <a:rPr lang="en-US" dirty="0"/>
+            </a:br>
+            <a:r>
+              <a:rPr lang="en-US" dirty="0"/>
+              <a:t>    split(</a:t>
+            </a:r>
+            <a:r>
+              <a:rPr lang="en-US" dirty="0" err="1"/>
+              <a:t>df.postcode</a:t>
+            </a:r>
+            <a:r>
+              <a:rPr lang="en-US" dirty="0"/>
+              <a:t>, ‘\s’[0]).</a:t>
+            </a:r>
+            <a:br>
+              <a:rPr lang="en-US" dirty="0"/>
+            </a:br>
+            <a:r>
+              <a:rPr lang="en-US" dirty="0"/>
+              <a:t>    where((col("</a:t>
+            </a:r>
+            <a:r>
+              <a:rPr lang="en-US" dirty="0" err="1"/>
+              <a:t>first_pc</a:t>
+            </a:r>
+            <a:r>
+              <a:rPr lang="en-US" dirty="0"/>
+              <a:t>") == 'SW11') or  </a:t>
+            </a:r>
+            <a:br>
+              <a:rPr lang="en-US" dirty="0"/>
+            </a:br>
+            <a:r>
+              <a:rPr lang="en-US" dirty="0"/>
+              <a:t>                 (col("</a:t>
+            </a:r>
+            <a:r>
+              <a:rPr lang="en-US" dirty="0" err="1"/>
+              <a:t>first_pc</a:t>
+            </a:r>
+            <a:r>
+              <a:rPr lang="en-US" dirty="0"/>
+              <a:t>") == 'OX1')).</a:t>
+            </a:r>
+            <a:br>
+              <a:rPr lang="en-US" dirty="0"/>
+            </a:br>
+            <a:r>
+              <a:rPr lang="en-US" dirty="0"/>
+              <a:t>     </a:t>
+            </a:r>
+            <a:r>
+              <a:rPr lang="en-US" dirty="0" err="1"/>
+              <a:t>groupBy</a:t>
+            </a:r>
+            <a:r>
+              <a:rPr lang="en-US" dirty="0"/>
+              <a:t>('</a:t>
+            </a:r>
+            <a:r>
+              <a:rPr lang="en-US" dirty="0" err="1"/>
+              <a:t>first_pc</a:t>
+            </a:r>
+            <a:r>
+              <a:rPr lang="en-US" dirty="0"/>
+              <a:t>').</a:t>
+            </a:r>
+            <a:br>
+              <a:rPr lang="en-US" dirty="0"/>
+            </a:br>
+            <a:r>
+              <a:rPr lang="en-US" dirty="0"/>
+              <a:t>     </a:t>
+            </a:r>
+            <a:r>
+              <a:rPr lang="en-US" dirty="0" err="1"/>
+              <a:t>agg</a:t>
+            </a:r>
+            <a:r>
+              <a:rPr lang="en-US" dirty="0"/>
+              <a:t>({"id": "count"}).show()</a:t>
+            </a:r>
+          </a:p>
+          <a:p>
+            <a:endParaRPr lang="en-US" dirty="0"/>
           </a:p>
         </p:txBody>
       </p:sp>
     </p:spTree>
     <p:extLst>
       <p:ext uri="{BB962C8B-B14F-4D97-AF65-F5344CB8AC3E}">
-        <p14:creationId xmlns:p14="http://schemas.microsoft.com/office/powerpoint/2010/main" val="239102712"/>
+        <p14:creationId xmlns:p14="http://schemas.microsoft.com/office/powerpoint/2010/main" val="2781459140"/>
       </p:ext>
     </p:extLst>
   </p:cSld>
@@ -8081,15 +8411,132 @@
           <a:p>
             <a:r>
               <a:rPr lang="en-US" dirty="0"/>
-              <a:t>Questions?</a:t>
-            </a:r>
+              <a:t>User Defined Functions</a:t>
+            </a:r>
+          </a:p>
+        </p:txBody>
+      </p:sp>
+      <p:sp>
+        <p:nvSpPr>
+          <p:cNvPr id="3" name="Content Placeholder 2"/>
+          <p:cNvSpPr>
+            <a:spLocks noGrp="1"/>
+          </p:cNvSpPr>
+          <p:nvPr>
+            <p:ph idx="1"/>
+          </p:nvPr>
+        </p:nvSpPr>
+        <p:spPr/>
+        <p:txBody>
+          <a:bodyPr>
+            <a:normAutofit/>
+          </a:bodyPr>
+          <a:lstStyle/>
+          <a:p>
+            <a:r>
+              <a:rPr lang="en-US" dirty="0"/>
+              <a:t>In SQL a User Defined Function is an extension that helps perform other functions in SQL</a:t>
+            </a:r>
+          </a:p>
+          <a:p>
+            <a:r>
+              <a:rPr lang="en-US" dirty="0"/>
+              <a:t>In Spark we can add our own functions (e.g. written in Python)</a:t>
+            </a:r>
+          </a:p>
+          <a:p>
+            <a:pPr marL="0" indent="0">
+              <a:buNone/>
+            </a:pPr>
+            <a:r>
+              <a:rPr lang="en-US" sz="2000" dirty="0" err="1">
+                <a:latin typeface="Menlo Regular"/>
+                <a:cs typeface="Menlo Regular"/>
+              </a:rPr>
+              <a:t>def</a:t>
+            </a:r>
+            <a:r>
+              <a:rPr lang="en-US" sz="2000" dirty="0">
+                <a:latin typeface="Menlo Regular"/>
+                <a:cs typeface="Menlo Regular"/>
+              </a:rPr>
+              <a:t> squared(s):</a:t>
+            </a:r>
+          </a:p>
+          <a:p>
+            <a:pPr marL="0" indent="0">
+              <a:buNone/>
+            </a:pPr>
+            <a:r>
+              <a:rPr lang="en-US" sz="2000" dirty="0">
+                <a:latin typeface="Menlo Regular"/>
+                <a:cs typeface="Menlo Regular"/>
+              </a:rPr>
+              <a:t>  return s * s</a:t>
+            </a:r>
+          </a:p>
+          <a:p>
+            <a:pPr marL="0" indent="0">
+              <a:buNone/>
+            </a:pPr>
+            <a:r>
+              <a:rPr lang="en-US" sz="2000" dirty="0" err="1">
+                <a:latin typeface="Menlo Regular"/>
+                <a:cs typeface="Menlo Regular"/>
+              </a:rPr>
+              <a:t>sqlContext.udf.register</a:t>
+            </a:r>
+            <a:r>
+              <a:rPr lang="en-US" sz="2000" dirty="0">
+                <a:latin typeface="Menlo Regular"/>
+                <a:cs typeface="Menlo Regular"/>
+              </a:rPr>
+              <a:t>("squared", squared)</a:t>
+            </a:r>
+            <a:br>
+              <a:rPr lang="en-US" sz="2000" dirty="0">
+                <a:latin typeface="Menlo Regular"/>
+                <a:cs typeface="Menlo Regular"/>
+              </a:rPr>
+            </a:br>
+            <a:br>
+              <a:rPr lang="en-US" sz="2000" dirty="0">
+                <a:latin typeface="Menlo Regular"/>
+                <a:cs typeface="Menlo Regular"/>
+              </a:rPr>
+            </a:br>
+            <a:r>
+              <a:rPr lang="en-US" sz="2000" dirty="0">
+                <a:latin typeface="Menlo Regular"/>
+                <a:cs typeface="Menlo Regular"/>
+              </a:rPr>
+              <a:t>SELECT squared(age) as </a:t>
+            </a:r>
+            <a:r>
+              <a:rPr lang="en-US" sz="2000" dirty="0" err="1">
+                <a:latin typeface="Menlo Regular"/>
+                <a:cs typeface="Menlo Regular"/>
+              </a:rPr>
+              <a:t>agesquared</a:t>
+            </a:r>
+            <a:r>
+              <a:rPr lang="en-US" sz="2000">
+                <a:latin typeface="Menlo Regular"/>
+                <a:cs typeface="Menlo Regular"/>
+              </a:rPr>
+              <a:t> from PERSON</a:t>
+            </a:r>
+            <a:endParaRPr lang="en-US" sz="2000" dirty="0">
+              <a:latin typeface="Menlo Regular"/>
+              <a:cs typeface="Menlo Regular"/>
+            </a:endParaRPr>
           </a:p>
         </p:txBody>
       </p:sp>
     </p:spTree>
     <p:extLst>
       <p:ext uri="{BB962C8B-B14F-4D97-AF65-F5344CB8AC3E}">
-        <p14:creationId xmlns:p14="http://schemas.microsoft.com/office/powerpoint/2010/main" val="2250615443"/>
+        <p14:creationId xmlns:p14="http://schemas.microsoft.com/office/powerpoint/2010/main" val="239102712"/>
       </p:ext>
     </p:extLst>
   </p:cSld>
@@ -8228,6 +8675,58 @@
     <p:extLst>
       <p:ext uri="{BB962C8B-B14F-4D97-AF65-F5344CB8AC3E}">
         <p14:creationId xmlns:p14="http://schemas.microsoft.com/office/powerpoint/2010/main" val="2605565154"/>
+      </p:ext>
+    </p:extLst>
+  </p:cSld>
+  <p:clrMapOvr>
+    <a:masterClrMapping/>
+  </p:clrMapOvr>
+</p:sld>
+</file>
+
+<file path=ppt/slides/slide30.xml><?xml version="1.0" encoding="utf-8"?>
+<p:sld xmlns:a="http://schemas.openxmlformats.org/drawingml/2006/main" xmlns:r="http://schemas.openxmlformats.org/officeDocument/2006/relationships" xmlns:p="http://schemas.openxmlformats.org/presentationml/2006/main">
+  <p:cSld>
+    <p:spTree>
+      <p:nvGrpSpPr>
+        <p:cNvPr id="1" name=""/>
+        <p:cNvGrpSpPr/>
+        <p:nvPr/>
+      </p:nvGrpSpPr>
+      <p:grpSpPr>
+        <a:xfrm>
+          <a:off x="0" y="0"/>
+          <a:ext cx="0" cy="0"/>
+          <a:chOff x="0" y="0"/>
+          <a:chExt cx="0" cy="0"/>
+        </a:xfrm>
+      </p:grpSpPr>
+      <p:sp>
+        <p:nvSpPr>
+          <p:cNvPr id="2" name="Title 1"/>
+          <p:cNvSpPr>
+            <a:spLocks noGrp="1"/>
+          </p:cNvSpPr>
+          <p:nvPr>
+            <p:ph type="title"/>
+          </p:nvPr>
+        </p:nvSpPr>
+        <p:spPr/>
+        <p:txBody>
+          <a:bodyPr/>
+          <a:lstStyle/>
+          <a:p>
+            <a:r>
+              <a:rPr lang="en-US" dirty="0"/>
+              <a:t>Questions?</a:t>
+            </a:r>
+          </a:p>
+        </p:txBody>
+      </p:sp>
+    </p:spTree>
+    <p:extLst>
+      <p:ext uri="{BB962C8B-B14F-4D97-AF65-F5344CB8AC3E}">
+        <p14:creationId xmlns:p14="http://schemas.microsoft.com/office/powerpoint/2010/main" val="2250615443"/>
       </p:ext>
     </p:extLst>
   </p:cSld>
@@ -8399,13 +8898,29 @@
           <a:p>
             <a:r>
               <a:rPr lang="en-US" dirty="0"/>
-              <a:t>A primary key for each row uniquely identifies it</a:t>
-            </a:r>
-          </a:p>
-          <a:p>
-            <a:r>
-              <a:rPr lang="en-US" dirty="0"/>
-              <a:t>A foreign key points to another table’s primary key</a:t>
+              <a:t>A </a:t>
+            </a:r>
+            <a:r>
+              <a:rPr lang="en-US" b="1" dirty="0"/>
+              <a:t>primary key </a:t>
+            </a:r>
+            <a:r>
+              <a:rPr lang="en-US" dirty="0"/>
+              <a:t>for each row uniquely identifies it</a:t>
+            </a:r>
+          </a:p>
+          <a:p>
+            <a:r>
+              <a:rPr lang="en-US" dirty="0"/>
+              <a:t>A </a:t>
+            </a:r>
+            <a:r>
+              <a:rPr lang="en-US" b="1" dirty="0"/>
+              <a:t>foreign key</a:t>
+            </a:r>
+            <a:r>
+              <a:rPr lang="en-US" dirty="0"/>
+              <a:t> points to another table’s primary key</a:t>
             </a:r>
           </a:p>
         </p:txBody>
@@ -9042,6 +9557,31 @@
           </a:p>
         </p:txBody>
       </p:sp>
+      <p:sp>
+        <p:nvSpPr>
+          <p:cNvPr id="20" name="Content Placeholder 19">
+            <a:extLst>
+              <a:ext uri="{FF2B5EF4-FFF2-40B4-BE49-F238E27FC236}">
+                <a16:creationId xmlns:a16="http://schemas.microsoft.com/office/drawing/2014/main" id="{C59C86C0-C1EE-DA4F-BAD6-3DF6482D78E4}"/>
+              </a:ext>
+            </a:extLst>
+          </p:cNvPr>
+          <p:cNvSpPr>
+            <a:spLocks noGrp="1"/>
+          </p:cNvSpPr>
+          <p:nvPr>
+            <p:ph idx="1"/>
+          </p:nvPr>
+        </p:nvSpPr>
+        <p:spPr/>
+        <p:txBody>
+          <a:bodyPr/>
+          <a:lstStyle/>
+          <a:p>
+            <a:endParaRPr lang="en-US"/>
+          </a:p>
+        </p:txBody>
+      </p:sp>
       <p:pic>
         <p:nvPicPr>
           <p:cNvPr id="5" name="Picture 4"/>
@@ -9064,8 +9604,267 @@
           <a:prstGeom prst="rect">
             <a:avLst/>
           </a:prstGeom>
+          <a:ln>
+            <a:solidFill>
+              <a:schemeClr val="bg1">
+                <a:lumMod val="65000"/>
+              </a:schemeClr>
+            </a:solidFill>
+          </a:ln>
         </p:spPr>
       </p:pic>
+      <p:sp>
+        <p:nvSpPr>
+          <p:cNvPr id="3" name="TextBox 2">
+            <a:extLst>
+              <a:ext uri="{FF2B5EF4-FFF2-40B4-BE49-F238E27FC236}">
+                <a16:creationId xmlns:a16="http://schemas.microsoft.com/office/drawing/2014/main" id="{FA38F18C-13F7-1F4D-BAEF-A44D07DA0612}"/>
+              </a:ext>
+            </a:extLst>
+          </p:cNvPr>
+          <p:cNvSpPr txBox="1"/>
+          <p:nvPr/>
+        </p:nvSpPr>
+        <p:spPr>
+          <a:xfrm>
+            <a:off x="3139440" y="6214030"/>
+            <a:ext cx="518160" cy="307777"/>
+          </a:xfrm>
+          <a:prstGeom prst="rect">
+            <a:avLst/>
+          </a:prstGeom>
+          <a:noFill/>
+        </p:spPr>
+        <p:txBody>
+          <a:bodyPr wrap="square" rtlCol="0">
+            <a:spAutoFit/>
+          </a:bodyPr>
+          <a:lstStyle/>
+          <a:p>
+            <a:r>
+              <a:rPr lang="en-US" sz="1400" dirty="0"/>
+              <a:t>FK</a:t>
+            </a:r>
+          </a:p>
+        </p:txBody>
+      </p:sp>
+      <p:sp>
+        <p:nvSpPr>
+          <p:cNvPr id="4" name="TextBox 3">
+            <a:extLst>
+              <a:ext uri="{FF2B5EF4-FFF2-40B4-BE49-F238E27FC236}">
+                <a16:creationId xmlns:a16="http://schemas.microsoft.com/office/drawing/2014/main" id="{3C06A089-23DE-5446-A5D0-044988967290}"/>
+              </a:ext>
+            </a:extLst>
+          </p:cNvPr>
+          <p:cNvSpPr txBox="1"/>
+          <p:nvPr/>
+        </p:nvSpPr>
+        <p:spPr>
+          <a:xfrm>
+            <a:off x="2979420" y="5882641"/>
+            <a:ext cx="678180" cy="307777"/>
+          </a:xfrm>
+          <a:prstGeom prst="rect">
+            <a:avLst/>
+          </a:prstGeom>
+          <a:solidFill>
+            <a:schemeClr val="bg1"/>
+          </a:solidFill>
+        </p:spPr>
+        <p:txBody>
+          <a:bodyPr wrap="square" rtlCol="0">
+            <a:spAutoFit/>
+          </a:bodyPr>
+          <a:lstStyle/>
+          <a:p>
+            <a:r>
+              <a:rPr lang="en-US" sz="1400" dirty="0"/>
+              <a:t>PK, FK</a:t>
+            </a:r>
+          </a:p>
+        </p:txBody>
+      </p:sp>
+      <p:cxnSp>
+        <p:nvCxnSpPr>
+          <p:cNvPr id="7" name="Straight Connector 6">
+            <a:extLst>
+              <a:ext uri="{FF2B5EF4-FFF2-40B4-BE49-F238E27FC236}">
+                <a16:creationId xmlns:a16="http://schemas.microsoft.com/office/drawing/2014/main" id="{A79E750D-0DF8-B041-B6C1-23D90A52BC31}"/>
+              </a:ext>
+            </a:extLst>
+          </p:cNvPr>
+          <p:cNvCxnSpPr>
+            <a:cxnSpLocks/>
+          </p:cNvCxnSpPr>
+          <p:nvPr/>
+        </p:nvCxnSpPr>
+        <p:spPr>
+          <a:xfrm flipH="1">
+            <a:off x="2407920" y="6521807"/>
+            <a:ext cx="571500" cy="0"/>
+          </a:xfrm>
+          <a:prstGeom prst="line">
+            <a:avLst/>
+          </a:prstGeom>
+          <a:ln w="22225">
+            <a:solidFill>
+              <a:schemeClr val="bg1">
+                <a:lumMod val="75000"/>
+              </a:schemeClr>
+            </a:solidFill>
+          </a:ln>
+        </p:spPr>
+        <p:style>
+          <a:lnRef idx="2">
+            <a:schemeClr val="accent1"/>
+          </a:lnRef>
+          <a:fillRef idx="0">
+            <a:schemeClr val="accent1"/>
+          </a:fillRef>
+          <a:effectRef idx="1">
+            <a:schemeClr val="accent1"/>
+          </a:effectRef>
+          <a:fontRef idx="minor">
+            <a:schemeClr val="tx1"/>
+          </a:fontRef>
+        </p:style>
+      </p:cxnSp>
+      <p:cxnSp>
+        <p:nvCxnSpPr>
+          <p:cNvPr id="10" name="Straight Connector 9">
+            <a:extLst>
+              <a:ext uri="{FF2B5EF4-FFF2-40B4-BE49-F238E27FC236}">
+                <a16:creationId xmlns:a16="http://schemas.microsoft.com/office/drawing/2014/main" id="{BBED4E7E-E409-5042-AB90-78377BA7AE2F}"/>
+              </a:ext>
+            </a:extLst>
+          </p:cNvPr>
+          <p:cNvCxnSpPr>
+            <a:cxnSpLocks/>
+          </p:cNvCxnSpPr>
+          <p:nvPr/>
+        </p:nvCxnSpPr>
+        <p:spPr>
+          <a:xfrm flipV="1">
+            <a:off x="2407920" y="6018887"/>
+            <a:ext cx="0" cy="502920"/>
+          </a:xfrm>
+          <a:prstGeom prst="line">
+            <a:avLst/>
+          </a:prstGeom>
+          <a:ln w="22225">
+            <a:solidFill>
+              <a:schemeClr val="bg1">
+                <a:lumMod val="75000"/>
+              </a:schemeClr>
+            </a:solidFill>
+          </a:ln>
+        </p:spPr>
+        <p:style>
+          <a:lnRef idx="2">
+            <a:schemeClr val="accent1"/>
+          </a:lnRef>
+          <a:fillRef idx="0">
+            <a:schemeClr val="accent1"/>
+          </a:fillRef>
+          <a:effectRef idx="1">
+            <a:schemeClr val="accent1"/>
+          </a:effectRef>
+          <a:fontRef idx="minor">
+            <a:schemeClr val="tx1"/>
+          </a:fontRef>
+        </p:style>
+      </p:cxnSp>
+      <p:cxnSp>
+        <p:nvCxnSpPr>
+          <p:cNvPr id="13" name="Straight Connector 12">
+            <a:extLst>
+              <a:ext uri="{FF2B5EF4-FFF2-40B4-BE49-F238E27FC236}">
+                <a16:creationId xmlns:a16="http://schemas.microsoft.com/office/drawing/2014/main" id="{2FCA5926-56C9-1344-9DD3-2D3A96610625}"/>
+              </a:ext>
+            </a:extLst>
+          </p:cNvPr>
+          <p:cNvCxnSpPr>
+            <a:cxnSpLocks/>
+          </p:cNvCxnSpPr>
+          <p:nvPr/>
+        </p:nvCxnSpPr>
+        <p:spPr>
+          <a:xfrm flipV="1">
+            <a:off x="2686050" y="6408251"/>
+            <a:ext cx="0" cy="227111"/>
+          </a:xfrm>
+          <a:prstGeom prst="line">
+            <a:avLst/>
+          </a:prstGeom>
+          <a:ln w="22225">
+            <a:solidFill>
+              <a:schemeClr val="bg1">
+                <a:lumMod val="75000"/>
+              </a:schemeClr>
+            </a:solidFill>
+          </a:ln>
+        </p:spPr>
+        <p:style>
+          <a:lnRef idx="2">
+            <a:schemeClr val="accent1"/>
+          </a:lnRef>
+          <a:fillRef idx="0">
+            <a:schemeClr val="accent1"/>
+          </a:fillRef>
+          <a:effectRef idx="1">
+            <a:schemeClr val="accent1"/>
+          </a:effectRef>
+          <a:fontRef idx="minor">
+            <a:schemeClr val="tx1"/>
+          </a:fontRef>
+        </p:style>
+      </p:cxnSp>
+      <p:cxnSp>
+        <p:nvCxnSpPr>
+          <p:cNvPr id="16" name="Straight Connector 15">
+            <a:extLst>
+              <a:ext uri="{FF2B5EF4-FFF2-40B4-BE49-F238E27FC236}">
+                <a16:creationId xmlns:a16="http://schemas.microsoft.com/office/drawing/2014/main" id="{7F239658-8F40-374B-A746-407641B9D186}"/>
+              </a:ext>
+            </a:extLst>
+          </p:cNvPr>
+          <p:cNvCxnSpPr>
+            <a:cxnSpLocks/>
+          </p:cNvCxnSpPr>
+          <p:nvPr/>
+        </p:nvCxnSpPr>
+        <p:spPr>
+          <a:xfrm flipV="1">
+            <a:off x="2815590" y="6408250"/>
+            <a:ext cx="0" cy="227111"/>
+          </a:xfrm>
+          <a:prstGeom prst="line">
+            <a:avLst/>
+          </a:prstGeom>
+          <a:ln w="22225">
+            <a:solidFill>
+              <a:schemeClr val="bg1">
+                <a:lumMod val="75000"/>
+              </a:schemeClr>
+            </a:solidFill>
+          </a:ln>
+        </p:spPr>
+        <p:style>
+          <a:lnRef idx="2">
+            <a:schemeClr val="accent1"/>
+          </a:lnRef>
+          <a:fillRef idx="0">
+            <a:schemeClr val="accent1"/>
+          </a:fillRef>
+          <a:effectRef idx="1">
+            <a:schemeClr val="accent1"/>
+          </a:effectRef>
+          <a:fontRef idx="minor">
+            <a:schemeClr val="tx1"/>
+          </a:fontRef>
+        </p:style>
+      </p:cxnSp>
     </p:spTree>
     <p:extLst>
       <p:ext uri="{BB962C8B-B14F-4D97-AF65-F5344CB8AC3E}">
@@ -9139,8 +9938,8 @@
         </p:nvSpPr>
         <p:spPr/>
         <p:txBody>
-          <a:bodyPr>
-            <a:normAutofit fontScale="70000" lnSpcReduction="20000"/>
+          <a:bodyPr numCol="2">
+            <a:normAutofit lnSpcReduction="10000"/>
           </a:bodyPr>
           <a:lstStyle/>
           <a:p>
@@ -9148,8 +9947,16 @@
               <a:buNone/>
             </a:pPr>
             <a:r>
-              <a:rPr lang="en-US" dirty="0"/>
-              <a:t>CREATE TABLE `PERSON` (</a:t>
+              <a:rPr lang="en-US" sz="2600" dirty="0">
+                <a:solidFill>
+                  <a:schemeClr val="accent1"/>
+                </a:solidFill>
+              </a:rPr>
+              <a:t>CREATE TABLE </a:t>
+            </a:r>
+            <a:r>
+              <a:rPr lang="en-US" sz="2600" dirty="0"/>
+              <a:t>Person (</a:t>
             </a:r>
           </a:p>
           <a:p>
@@ -9157,8 +9964,8 @@
               <a:buNone/>
             </a:pPr>
             <a:r>
-              <a:rPr lang="en-US" dirty="0"/>
-              <a:t>  `id` INT,</a:t>
+              <a:rPr lang="en-US" sz="2600" dirty="0"/>
+              <a:t>  id INT,</a:t>
             </a:r>
           </a:p>
           <a:p>
@@ -9166,16 +9973,16 @@
               <a:buNone/>
             </a:pPr>
             <a:r>
-              <a:rPr lang="en-US" dirty="0"/>
-              <a:t>  `</a:t>
-            </a:r>
-            <a:r>
-              <a:rPr lang="en-US" dirty="0" err="1"/>
+              <a:rPr lang="en-US" sz="2600" dirty="0"/>
+              <a:t>  </a:t>
+            </a:r>
+            <a:r>
+              <a:rPr lang="en-US" sz="2600" dirty="0" err="1"/>
               <a:t>firstname</a:t>
             </a:r>
             <a:r>
-              <a:rPr lang="en-US" dirty="0"/>
-              <a:t>` VARCHAR(40),</a:t>
+              <a:rPr lang="en-US" sz="2600" dirty="0"/>
+              <a:t> VARCHAR(40),</a:t>
             </a:r>
           </a:p>
           <a:p>
@@ -9183,16 +9990,16 @@
               <a:buNone/>
             </a:pPr>
             <a:r>
-              <a:rPr lang="en-US" dirty="0"/>
-              <a:t>  `</a:t>
-            </a:r>
-            <a:r>
-              <a:rPr lang="en-US" dirty="0" err="1"/>
+              <a:rPr lang="en-US" sz="2600" dirty="0"/>
+              <a:t>  </a:t>
+            </a:r>
+            <a:r>
+              <a:rPr lang="en-US" sz="2600" dirty="0" err="1"/>
               <a:t>lastname</a:t>
             </a:r>
             <a:r>
-              <a:rPr lang="en-US" dirty="0"/>
-              <a:t>` VARCHAR(40),</a:t>
+              <a:rPr lang="en-US" sz="2600" dirty="0"/>
+              <a:t> VARCHAR(40),</a:t>
             </a:r>
           </a:p>
           <a:p>
@@ -9200,8 +10007,8 @@
               <a:buNone/>
             </a:pPr>
             <a:r>
-              <a:rPr lang="en-US" dirty="0"/>
-              <a:t>  `birthdate` DATE,</a:t>
+              <a:rPr lang="en-US" sz="2600" dirty="0"/>
+              <a:t>  birthdate DATE,</a:t>
             </a:r>
           </a:p>
           <a:p>
@@ -9209,8 +10016,20 @@
               <a:buNone/>
             </a:pPr>
             <a:r>
-              <a:rPr lang="en-US" dirty="0"/>
-              <a:t>  PRIMARY KEY (`id`)</a:t>
+              <a:rPr lang="en-US" sz="2600" dirty="0"/>
+              <a:t>  </a:t>
+            </a:r>
+            <a:r>
+              <a:rPr lang="en-US" sz="2600" dirty="0">
+                <a:solidFill>
+                  <a:schemeClr val="accent1"/>
+                </a:solidFill>
+              </a:rPr>
+              <a:t>PRIMARY KEY </a:t>
+            </a:r>
+            <a:r>
+              <a:rPr lang="en-US" sz="2600" dirty="0"/>
+              <a:t>(id)</a:t>
             </a:r>
           </a:p>
           <a:p>
@@ -9218,7 +10037,7 @@
               <a:buNone/>
             </a:pPr>
             <a:r>
-              <a:rPr lang="en-US" dirty="0"/>
+              <a:rPr lang="en-US" sz="2600" dirty="0"/>
               <a:t>);</a:t>
             </a:r>
           </a:p>
@@ -9226,33 +10045,35 @@
             <a:pPr marL="0" indent="0">
               <a:buNone/>
             </a:pPr>
-            <a:endParaRPr lang="en-US" dirty="0"/>
+            <a:endParaRPr lang="en-US" sz="2600" dirty="0"/>
           </a:p>
           <a:p>
             <a:pPr marL="0" indent="0">
               <a:buNone/>
             </a:pPr>
-            <a:r>
-              <a:rPr lang="en-US" dirty="0"/>
-              <a:t>CREATE TABLE `MANAGER` (</a:t>
-            </a:r>
+            <a:endParaRPr lang="en-US" sz="2600" dirty="0"/>
           </a:p>
           <a:p>
             <a:pPr marL="0" indent="0">
               <a:buNone/>
             </a:pPr>
-            <a:r>
-              <a:rPr lang="en-US" dirty="0"/>
-              <a:t>  `id` INT,</a:t>
-            </a:r>
+            <a:endParaRPr lang="en-US" sz="2600" dirty="0"/>
           </a:p>
           <a:p>
             <a:pPr marL="0" indent="0">
               <a:buNone/>
             </a:pPr>
             <a:r>
-              <a:rPr lang="en-US" dirty="0"/>
-              <a:t>  `manager` INT,</a:t>
+              <a:rPr lang="en-US" sz="2600" dirty="0">
+                <a:solidFill>
+                  <a:schemeClr val="accent1"/>
+                </a:solidFill>
+              </a:rPr>
+              <a:t>CREATE TABLE </a:t>
+            </a:r>
+            <a:r>
+              <a:rPr lang="en-US" sz="2600" dirty="0"/>
+              <a:t>Manager (</a:t>
             </a:r>
           </a:p>
           <a:p>
@@ -9260,8 +10081,8 @@
               <a:buNone/>
             </a:pPr>
             <a:r>
-              <a:rPr lang="en-US" dirty="0"/>
-              <a:t>  KEY `FK` (`id`)</a:t>
+              <a:rPr lang="en-US" sz="2600" dirty="0"/>
+              <a:t>  id INT,</a:t>
             </a:r>
           </a:p>
           <a:p>
@@ -9269,7 +10090,91 @@
               <a:buNone/>
             </a:pPr>
             <a:r>
-              <a:rPr lang="en-US" dirty="0"/>
+              <a:rPr lang="en-US" sz="2600" dirty="0"/>
+              <a:t>  manager INT,</a:t>
+            </a:r>
+          </a:p>
+          <a:p>
+            <a:pPr marL="0" indent="0">
+              <a:buNone/>
+            </a:pPr>
+            <a:r>
+              <a:rPr lang="en-US" sz="2600" dirty="0"/>
+              <a:t>  </a:t>
+            </a:r>
+            <a:r>
+              <a:rPr lang="en-US" sz="2600" dirty="0">
+                <a:solidFill>
+                  <a:schemeClr val="accent1"/>
+                </a:solidFill>
+              </a:rPr>
+              <a:t>PRIMARY KEY </a:t>
+            </a:r>
+            <a:r>
+              <a:rPr lang="en-US" sz="2600" dirty="0"/>
+              <a:t>(id),</a:t>
+            </a:r>
+          </a:p>
+          <a:p>
+            <a:pPr marL="0" indent="0">
+              <a:buNone/>
+            </a:pPr>
+            <a:r>
+              <a:rPr lang="en-US" sz="2600" dirty="0"/>
+              <a:t>  </a:t>
+            </a:r>
+            <a:r>
+              <a:rPr lang="en-US" sz="2600" dirty="0">
+                <a:solidFill>
+                  <a:schemeClr val="accent1"/>
+                </a:solidFill>
+              </a:rPr>
+              <a:t>FOREIGN KEY </a:t>
+            </a:r>
+            <a:r>
+              <a:rPr lang="en-US" sz="2600" dirty="0"/>
+              <a:t>(id) 	</a:t>
+            </a:r>
+            <a:r>
+              <a:rPr lang="en-US" sz="2600" dirty="0">
+                <a:solidFill>
+                  <a:schemeClr val="accent1"/>
+                </a:solidFill>
+              </a:rPr>
+              <a:t>REFERENCES</a:t>
+            </a:r>
+            <a:r>
+              <a:rPr lang="en-US" sz="2600" dirty="0"/>
+              <a:t> Person(id)</a:t>
+            </a:r>
+          </a:p>
+          <a:p>
+            <a:pPr marL="0" indent="0">
+              <a:buNone/>
+            </a:pPr>
+            <a:r>
+              <a:rPr lang="en-US" sz="2600" dirty="0"/>
+              <a:t>  FOREIGN KEY (manager) 	</a:t>
+            </a:r>
+            <a:r>
+              <a:rPr lang="en-US" sz="2600" dirty="0">
+                <a:solidFill>
+                  <a:schemeClr val="accent1"/>
+                </a:solidFill>
+              </a:rPr>
+              <a:t>REFERENCES</a:t>
+            </a:r>
+            <a:r>
+              <a:rPr lang="en-US" sz="2600" dirty="0"/>
+              <a:t> Person(id)</a:t>
+            </a:r>
+          </a:p>
+          <a:p>
+            <a:pPr marL="0" indent="0">
+              <a:buNone/>
+            </a:pPr>
+            <a:r>
+              <a:rPr lang="en-US" sz="2600" dirty="0"/>
               <a:t>);</a:t>
             </a:r>
           </a:p>
